--- a/springboot/SpringBoot-3.pptx
+++ b/springboot/SpringBoot-3.pptx
@@ -19,18 +19,22 @@
     <p:sldId id="271" r:id="rId13"/>
     <p:sldId id="272" r:id="rId14"/>
     <p:sldId id="273" r:id="rId15"/>
-    <p:sldId id="274" r:id="rId16"/>
-    <p:sldId id="275" r:id="rId17"/>
-    <p:sldId id="276" r:id="rId18"/>
-    <p:sldId id="278" r:id="rId19"/>
-    <p:sldId id="279" r:id="rId20"/>
-    <p:sldId id="280" r:id="rId21"/>
-    <p:sldId id="281" r:id="rId22"/>
-    <p:sldId id="277" r:id="rId23"/>
-    <p:sldId id="267" r:id="rId24"/>
-    <p:sldId id="268" r:id="rId25"/>
-    <p:sldId id="269" r:id="rId26"/>
-    <p:sldId id="270" r:id="rId27"/>
+    <p:sldId id="282" r:id="rId16"/>
+    <p:sldId id="283" r:id="rId17"/>
+    <p:sldId id="284" r:id="rId18"/>
+    <p:sldId id="285" r:id="rId19"/>
+    <p:sldId id="274" r:id="rId20"/>
+    <p:sldId id="275" r:id="rId21"/>
+    <p:sldId id="276" r:id="rId22"/>
+    <p:sldId id="278" r:id="rId23"/>
+    <p:sldId id="279" r:id="rId24"/>
+    <p:sldId id="280" r:id="rId25"/>
+    <p:sldId id="281" r:id="rId26"/>
+    <p:sldId id="277" r:id="rId27"/>
+    <p:sldId id="267" r:id="rId28"/>
+    <p:sldId id="268" r:id="rId29"/>
+    <p:sldId id="269" r:id="rId30"/>
+    <p:sldId id="270" r:id="rId31"/>
   </p:sldIdLst>
   <p:sldSz cx="12192000" cy="6858000"/>
   <p:notesSz cx="6858000" cy="9144000"/>
@@ -129,6 +133,11 @@
       </a:defRPr>
     </a:lvl9pPr>
   </p:defaultTextStyle>
+  <p:extLst>
+    <p:ext uri="{EFAFB233-063F-42B5-8137-9DF3F51BA10A}">
+      <p15:sldGuideLst xmlns:p15="http://schemas.microsoft.com/office/powerpoint/2012/main"/>
+    </p:ext>
+  </p:extLst>
 </p:presentation>
 </file>
 
@@ -263,7 +272,7 @@
           <a:p>
             <a:fld id="{60043135-91C5-B44D-97D9-A610FC247CAE}" type="datetimeFigureOut">
               <a:rPr lang="en-US" smtClean="0"/>
-              <a:t>5/17/19</a:t>
+              <a:t>5/24/19</a:t>
             </a:fld>
             <a:endParaRPr lang="en-US"/>
           </a:p>
@@ -433,7 +442,7 @@
           <a:p>
             <a:fld id="{60043135-91C5-B44D-97D9-A610FC247CAE}" type="datetimeFigureOut">
               <a:rPr lang="en-US" smtClean="0"/>
-              <a:t>5/17/19</a:t>
+              <a:t>5/24/19</a:t>
             </a:fld>
             <a:endParaRPr lang="en-US"/>
           </a:p>
@@ -613,7 +622,7 @@
           <a:p>
             <a:fld id="{60043135-91C5-B44D-97D9-A610FC247CAE}" type="datetimeFigureOut">
               <a:rPr lang="en-US" smtClean="0"/>
-              <a:t>5/17/19</a:t>
+              <a:t>5/24/19</a:t>
             </a:fld>
             <a:endParaRPr lang="en-US"/>
           </a:p>
@@ -783,7 +792,7 @@
           <a:p>
             <a:fld id="{60043135-91C5-B44D-97D9-A610FC247CAE}" type="datetimeFigureOut">
               <a:rPr lang="en-US" smtClean="0"/>
-              <a:t>5/17/19</a:t>
+              <a:t>5/24/19</a:t>
             </a:fld>
             <a:endParaRPr lang="en-US"/>
           </a:p>
@@ -1029,7 +1038,7 @@
           <a:p>
             <a:fld id="{60043135-91C5-B44D-97D9-A610FC247CAE}" type="datetimeFigureOut">
               <a:rPr lang="en-US" smtClean="0"/>
-              <a:t>5/17/19</a:t>
+              <a:t>5/24/19</a:t>
             </a:fld>
             <a:endParaRPr lang="en-US"/>
           </a:p>
@@ -1261,7 +1270,7 @@
           <a:p>
             <a:fld id="{60043135-91C5-B44D-97D9-A610FC247CAE}" type="datetimeFigureOut">
               <a:rPr lang="en-US" smtClean="0"/>
-              <a:t>5/17/19</a:t>
+              <a:t>5/24/19</a:t>
             </a:fld>
             <a:endParaRPr lang="en-US"/>
           </a:p>
@@ -1628,7 +1637,7 @@
           <a:p>
             <a:fld id="{60043135-91C5-B44D-97D9-A610FC247CAE}" type="datetimeFigureOut">
               <a:rPr lang="en-US" smtClean="0"/>
-              <a:t>5/17/19</a:t>
+              <a:t>5/24/19</a:t>
             </a:fld>
             <a:endParaRPr lang="en-US"/>
           </a:p>
@@ -1746,7 +1755,7 @@
           <a:p>
             <a:fld id="{60043135-91C5-B44D-97D9-A610FC247CAE}" type="datetimeFigureOut">
               <a:rPr lang="en-US" smtClean="0"/>
-              <a:t>5/17/19</a:t>
+              <a:t>5/24/19</a:t>
             </a:fld>
             <a:endParaRPr lang="en-US"/>
           </a:p>
@@ -1841,7 +1850,7 @@
           <a:p>
             <a:fld id="{60043135-91C5-B44D-97D9-A610FC247CAE}" type="datetimeFigureOut">
               <a:rPr lang="en-US" smtClean="0"/>
-              <a:t>5/17/19</a:t>
+              <a:t>5/24/19</a:t>
             </a:fld>
             <a:endParaRPr lang="en-US"/>
           </a:p>
@@ -2118,7 +2127,7 @@
           <a:p>
             <a:fld id="{60043135-91C5-B44D-97D9-A610FC247CAE}" type="datetimeFigureOut">
               <a:rPr lang="en-US" smtClean="0"/>
-              <a:t>5/17/19</a:t>
+              <a:t>5/24/19</a:t>
             </a:fld>
             <a:endParaRPr lang="en-US"/>
           </a:p>
@@ -2371,7 +2380,7 @@
           <a:p>
             <a:fld id="{60043135-91C5-B44D-97D9-A610FC247CAE}" type="datetimeFigureOut">
               <a:rPr lang="en-US" smtClean="0"/>
-              <a:t>5/17/19</a:t>
+              <a:t>5/24/19</a:t>
             </a:fld>
             <a:endParaRPr lang="en-US"/>
           </a:p>
@@ -2584,7 +2593,7 @@
           <a:p>
             <a:fld id="{60043135-91C5-B44D-97D9-A610FC247CAE}" type="datetimeFigureOut">
               <a:rPr lang="en-US" smtClean="0"/>
-              <a:t>5/17/19</a:t>
+              <a:t>5/24/19</a:t>
             </a:fld>
             <a:endParaRPr lang="en-US"/>
           </a:p>
@@ -4054,6 +4063,560 @@
           <a:lstStyle/>
           <a:p>
             <a:r>
+              <a:rPr lang="en-US" altLang="zh-CN" dirty="0" err="1" smtClean="0"/>
+              <a:t>Mybatis</a:t>
+            </a:r>
+            <a:r>
+              <a:rPr lang="zh-CN" altLang="en-US" dirty="0" smtClean="0"/>
+              <a:t> </a:t>
+            </a:r>
+            <a:r>
+              <a:rPr lang="en-US" altLang="zh-CN" dirty="0" smtClean="0"/>
+              <a:t>Generator</a:t>
+            </a:r>
+            <a:endParaRPr lang="en-US" dirty="0"/>
+          </a:p>
+        </p:txBody>
+      </p:sp>
+      <p:sp>
+        <p:nvSpPr>
+          <p:cNvPr id="3" name="Content Placeholder 2"/>
+          <p:cNvSpPr>
+            <a:spLocks noGrp="1"/>
+          </p:cNvSpPr>
+          <p:nvPr>
+            <p:ph idx="1"/>
+          </p:nvPr>
+        </p:nvSpPr>
+        <p:spPr/>
+        <p:txBody>
+          <a:bodyPr/>
+          <a:lstStyle/>
+          <a:p>
+            <a:r>
+              <a:rPr lang="zh-CN" altLang="en-US" dirty="0" smtClean="0"/>
+              <a:t>根据数据库自动生成</a:t>
+            </a:r>
+            <a:r>
+              <a:rPr lang="en-US" altLang="zh-CN" dirty="0" err="1" smtClean="0"/>
+              <a:t>mybatis</a:t>
+            </a:r>
+            <a:r>
+              <a:rPr lang="zh-CN" altLang="en-US" dirty="0" smtClean="0"/>
+              <a:t>代码</a:t>
+            </a:r>
+            <a:endParaRPr lang="en-US" altLang="zh-CN" dirty="0" smtClean="0"/>
+          </a:p>
+          <a:p>
+            <a:pPr lvl="1"/>
+            <a:r>
+              <a:rPr lang="zh-CN" altLang="en-US" dirty="0" smtClean="0"/>
+              <a:t>生成</a:t>
+            </a:r>
+            <a:r>
+              <a:rPr lang="en-US" altLang="zh-CN" dirty="0" smtClean="0"/>
+              <a:t>POJO</a:t>
+            </a:r>
+          </a:p>
+          <a:p>
+            <a:pPr lvl="1"/>
+            <a:r>
+              <a:rPr lang="zh-CN" altLang="en-US" dirty="0" smtClean="0"/>
+              <a:t>生成</a:t>
+            </a:r>
+            <a:r>
+              <a:rPr lang="en-US" altLang="zh-CN" dirty="0" smtClean="0"/>
+              <a:t>XML</a:t>
+            </a:r>
+          </a:p>
+          <a:p>
+            <a:pPr lvl="1"/>
+            <a:r>
+              <a:rPr lang="zh-CN" altLang="en-US" dirty="0" smtClean="0"/>
+              <a:t>生成</a:t>
+            </a:r>
+            <a:r>
+              <a:rPr lang="en-US" altLang="zh-CN" dirty="0" err="1" smtClean="0"/>
+              <a:t>Mapper.java</a:t>
+            </a:r>
+            <a:r>
+              <a:rPr lang="zh-CN" altLang="en-US" dirty="0" smtClean="0"/>
+              <a:t>的</a:t>
+            </a:r>
+            <a:r>
+              <a:rPr lang="en-US" altLang="zh-CN" dirty="0" smtClean="0"/>
+              <a:t>interface</a:t>
+            </a:r>
+          </a:p>
+          <a:p>
+            <a:pPr lvl="1"/>
+            <a:r>
+              <a:rPr lang="zh-CN" altLang="en-US" dirty="0" smtClean="0"/>
+              <a:t>生成</a:t>
+            </a:r>
+            <a:r>
+              <a:rPr lang="en-US" altLang="zh-CN" dirty="0" smtClean="0"/>
+              <a:t>Example</a:t>
+            </a:r>
+            <a:r>
+              <a:rPr lang="zh-CN" altLang="en-US" dirty="0" smtClean="0"/>
+              <a:t>用于查询等</a:t>
+            </a:r>
+            <a:endParaRPr lang="en-US" altLang="zh-CN" dirty="0" smtClean="0"/>
+          </a:p>
+          <a:p>
+            <a:r>
+              <a:rPr lang="zh-CN" altLang="en-US" dirty="0" smtClean="0"/>
+              <a:t>运行方式</a:t>
+            </a:r>
+            <a:endParaRPr lang="en-US" altLang="zh-CN" dirty="0" smtClean="0"/>
+          </a:p>
+          <a:p>
+            <a:pPr lvl="1"/>
+            <a:r>
+              <a:rPr lang="en-US" altLang="zh-CN" dirty="0" smtClean="0"/>
+              <a:t>JAR</a:t>
+            </a:r>
+            <a:r>
+              <a:rPr lang="zh-CN" altLang="en-US" dirty="0" smtClean="0"/>
+              <a:t>包运行</a:t>
+            </a:r>
+            <a:endParaRPr lang="en-US" altLang="zh-CN" dirty="0" smtClean="0"/>
+          </a:p>
+          <a:p>
+            <a:pPr lvl="1"/>
+            <a:r>
+              <a:rPr lang="en-US" altLang="zh-CN" dirty="0" smtClean="0">
+                <a:solidFill>
+                  <a:srgbClr val="FF0000"/>
+                </a:solidFill>
+              </a:rPr>
+              <a:t>maven-plugin</a:t>
+            </a:r>
+          </a:p>
+          <a:p>
+            <a:pPr lvl="1"/>
+            <a:r>
+              <a:rPr lang="en-US" altLang="zh-CN" dirty="0" smtClean="0"/>
+              <a:t>ant</a:t>
+            </a:r>
+          </a:p>
+          <a:p>
+            <a:pPr lvl="1"/>
+            <a:r>
+              <a:rPr lang="en-US" altLang="zh-CN" dirty="0" smtClean="0"/>
+              <a:t>IDE</a:t>
+            </a:r>
+          </a:p>
+        </p:txBody>
+      </p:sp>
+    </p:spTree>
+    <p:extLst>
+      <p:ext uri="{BB962C8B-B14F-4D97-AF65-F5344CB8AC3E}">
+        <p14:creationId xmlns:p14="http://schemas.microsoft.com/office/powerpoint/2010/main" val="1554881644"/>
+      </p:ext>
+    </p:extLst>
+  </p:cSld>
+  <p:clrMapOvr>
+    <a:masterClrMapping/>
+  </p:clrMapOvr>
+</p:sld>
+</file>
+
+<file path=ppt/slides/slide16.xml><?xml version="1.0" encoding="utf-8"?>
+<p:sld xmlns:a="http://schemas.openxmlformats.org/drawingml/2006/main" xmlns:r="http://schemas.openxmlformats.org/officeDocument/2006/relationships" xmlns:p="http://schemas.openxmlformats.org/presentationml/2006/main">
+  <p:cSld>
+    <p:spTree>
+      <p:nvGrpSpPr>
+        <p:cNvPr id="1" name=""/>
+        <p:cNvGrpSpPr/>
+        <p:nvPr/>
+      </p:nvGrpSpPr>
+      <p:grpSpPr>
+        <a:xfrm>
+          <a:off x="0" y="0"/>
+          <a:ext cx="0" cy="0"/>
+          <a:chOff x="0" y="0"/>
+          <a:chExt cx="0" cy="0"/>
+        </a:xfrm>
+      </p:grpSpPr>
+      <p:sp>
+        <p:nvSpPr>
+          <p:cNvPr id="2" name="Title 1"/>
+          <p:cNvSpPr>
+            <a:spLocks noGrp="1"/>
+          </p:cNvSpPr>
+          <p:nvPr>
+            <p:ph type="title"/>
+          </p:nvPr>
+        </p:nvSpPr>
+        <p:spPr/>
+        <p:txBody>
+          <a:bodyPr/>
+          <a:lstStyle/>
+          <a:p>
+            <a:r>
+              <a:rPr lang="zh-CN" altLang="en-US" dirty="0" smtClean="0"/>
+              <a:t>创建配置文件</a:t>
+            </a:r>
+            <a:r>
+              <a:rPr lang="en-US" dirty="0" err="1"/>
+              <a:t>generatorConfig.xml</a:t>
+            </a:r>
+            <a:endParaRPr lang="en-US" dirty="0"/>
+          </a:p>
+        </p:txBody>
+      </p:sp>
+      <p:sp>
+        <p:nvSpPr>
+          <p:cNvPr id="3" name="Content Placeholder 2"/>
+          <p:cNvSpPr>
+            <a:spLocks noGrp="1"/>
+          </p:cNvSpPr>
+          <p:nvPr>
+            <p:ph idx="1"/>
+          </p:nvPr>
+        </p:nvSpPr>
+        <p:spPr/>
+        <p:txBody>
+          <a:bodyPr/>
+          <a:lstStyle/>
+          <a:p>
+            <a:endParaRPr lang="en-US"/>
+          </a:p>
+        </p:txBody>
+      </p:sp>
+      <p:pic>
+        <p:nvPicPr>
+          <p:cNvPr id="4" name="Picture 3"/>
+          <p:cNvPicPr>
+            <a:picLocks noChangeAspect="1"/>
+          </p:cNvPicPr>
+          <p:nvPr/>
+        </p:nvPicPr>
+        <p:blipFill>
+          <a:blip r:embed="rId2"/>
+          <a:stretch>
+            <a:fillRect/>
+          </a:stretch>
+        </p:blipFill>
+        <p:spPr>
+          <a:xfrm>
+            <a:off x="838200" y="1322132"/>
+            <a:ext cx="10515600" cy="5542135"/>
+          </a:xfrm>
+          <a:prstGeom prst="rect">
+            <a:avLst/>
+          </a:prstGeom>
+        </p:spPr>
+      </p:pic>
+    </p:spTree>
+    <p:extLst>
+      <p:ext uri="{BB962C8B-B14F-4D97-AF65-F5344CB8AC3E}">
+        <p14:creationId xmlns:p14="http://schemas.microsoft.com/office/powerpoint/2010/main" val="1557591008"/>
+      </p:ext>
+    </p:extLst>
+  </p:cSld>
+  <p:clrMapOvr>
+    <a:masterClrMapping/>
+  </p:clrMapOvr>
+</p:sld>
+</file>
+
+<file path=ppt/slides/slide17.xml><?xml version="1.0" encoding="utf-8"?>
+<p:sld xmlns:a="http://schemas.openxmlformats.org/drawingml/2006/main" xmlns:r="http://schemas.openxmlformats.org/officeDocument/2006/relationships" xmlns:p="http://schemas.openxmlformats.org/presentationml/2006/main">
+  <p:cSld>
+    <p:spTree>
+      <p:nvGrpSpPr>
+        <p:cNvPr id="1" name=""/>
+        <p:cNvGrpSpPr/>
+        <p:nvPr/>
+      </p:nvGrpSpPr>
+      <p:grpSpPr>
+        <a:xfrm>
+          <a:off x="0" y="0"/>
+          <a:ext cx="0" cy="0"/>
+          <a:chOff x="0" y="0"/>
+          <a:chExt cx="0" cy="0"/>
+        </a:xfrm>
+      </p:grpSpPr>
+      <p:sp>
+        <p:nvSpPr>
+          <p:cNvPr id="2" name="Title 1"/>
+          <p:cNvSpPr>
+            <a:spLocks noGrp="1"/>
+          </p:cNvSpPr>
+          <p:nvPr>
+            <p:ph type="title"/>
+          </p:nvPr>
+        </p:nvSpPr>
+        <p:spPr/>
+        <p:txBody>
+          <a:bodyPr/>
+          <a:lstStyle/>
+          <a:p>
+            <a:r>
+              <a:rPr lang="en-US" altLang="zh-CN" dirty="0" err="1" smtClean="0"/>
+              <a:t>pom</a:t>
+            </a:r>
+            <a:r>
+              <a:rPr lang="zh-CN" altLang="en-US" dirty="0" smtClean="0"/>
+              <a:t>中引入</a:t>
+            </a:r>
+            <a:r>
+              <a:rPr lang="en-US" altLang="zh-CN" dirty="0" smtClean="0"/>
+              <a:t>plugin</a:t>
+            </a:r>
+            <a:endParaRPr lang="en-US" dirty="0"/>
+          </a:p>
+        </p:txBody>
+      </p:sp>
+      <p:sp>
+        <p:nvSpPr>
+          <p:cNvPr id="3" name="Content Placeholder 2"/>
+          <p:cNvSpPr>
+            <a:spLocks noGrp="1"/>
+          </p:cNvSpPr>
+          <p:nvPr>
+            <p:ph idx="1"/>
+          </p:nvPr>
+        </p:nvSpPr>
+        <p:spPr/>
+        <p:txBody>
+          <a:bodyPr/>
+          <a:lstStyle/>
+          <a:p>
+            <a:endParaRPr lang="en-US"/>
+          </a:p>
+        </p:txBody>
+      </p:sp>
+      <p:pic>
+        <p:nvPicPr>
+          <p:cNvPr id="4" name="Picture 3"/>
+          <p:cNvPicPr>
+            <a:picLocks noChangeAspect="1"/>
+          </p:cNvPicPr>
+          <p:nvPr/>
+        </p:nvPicPr>
+        <p:blipFill>
+          <a:blip r:embed="rId2"/>
+          <a:stretch>
+            <a:fillRect/>
+          </a:stretch>
+        </p:blipFill>
+        <p:spPr>
+          <a:xfrm>
+            <a:off x="838200" y="1436707"/>
+            <a:ext cx="9869905" cy="4895786"/>
+          </a:xfrm>
+          <a:prstGeom prst="rect">
+            <a:avLst/>
+          </a:prstGeom>
+        </p:spPr>
+      </p:pic>
+    </p:spTree>
+    <p:extLst>
+      <p:ext uri="{BB962C8B-B14F-4D97-AF65-F5344CB8AC3E}">
+        <p14:creationId xmlns:p14="http://schemas.microsoft.com/office/powerpoint/2010/main" val="394061700"/>
+      </p:ext>
+    </p:extLst>
+  </p:cSld>
+  <p:clrMapOvr>
+    <a:masterClrMapping/>
+  </p:clrMapOvr>
+</p:sld>
+</file>
+
+<file path=ppt/slides/slide18.xml><?xml version="1.0" encoding="utf-8"?>
+<p:sld xmlns:a="http://schemas.openxmlformats.org/drawingml/2006/main" xmlns:r="http://schemas.openxmlformats.org/officeDocument/2006/relationships" xmlns:p="http://schemas.openxmlformats.org/presentationml/2006/main">
+  <p:cSld>
+    <p:spTree>
+      <p:nvGrpSpPr>
+        <p:cNvPr id="1" name=""/>
+        <p:cNvGrpSpPr/>
+        <p:nvPr/>
+      </p:nvGrpSpPr>
+      <p:grpSpPr>
+        <a:xfrm>
+          <a:off x="0" y="0"/>
+          <a:ext cx="0" cy="0"/>
+          <a:chOff x="0" y="0"/>
+          <a:chExt cx="0" cy="0"/>
+        </a:xfrm>
+      </p:grpSpPr>
+      <p:sp>
+        <p:nvSpPr>
+          <p:cNvPr id="2" name="Title 1"/>
+          <p:cNvSpPr>
+            <a:spLocks noGrp="1"/>
+          </p:cNvSpPr>
+          <p:nvPr>
+            <p:ph type="title"/>
+          </p:nvPr>
+        </p:nvSpPr>
+        <p:spPr/>
+        <p:txBody>
+          <a:bodyPr/>
+          <a:lstStyle/>
+          <a:p>
+            <a:r>
+              <a:rPr lang="en-US" altLang="zh-CN" dirty="0" smtClean="0"/>
+              <a:t>maven</a:t>
+            </a:r>
+            <a:r>
+              <a:rPr lang="zh-CN" altLang="en-US" dirty="0" smtClean="0"/>
+              <a:t>运行</a:t>
+            </a:r>
+            <a:endParaRPr lang="en-US" dirty="0"/>
+          </a:p>
+        </p:txBody>
+      </p:sp>
+      <p:sp>
+        <p:nvSpPr>
+          <p:cNvPr id="3" name="Content Placeholder 2"/>
+          <p:cNvSpPr>
+            <a:spLocks noGrp="1"/>
+          </p:cNvSpPr>
+          <p:nvPr>
+            <p:ph idx="1"/>
+          </p:nvPr>
+        </p:nvSpPr>
+        <p:spPr/>
+        <p:txBody>
+          <a:bodyPr/>
+          <a:lstStyle/>
+          <a:p>
+            <a:r>
+              <a:rPr lang="en-US" dirty="0" err="1"/>
+              <a:t>mvn</a:t>
+            </a:r>
+            <a:r>
+              <a:rPr lang="en-US" dirty="0"/>
+              <a:t> </a:t>
+            </a:r>
+            <a:r>
+              <a:rPr lang="en-US" dirty="0" err="1" smtClean="0"/>
+              <a:t>mybatis-generator:generate</a:t>
+            </a:r>
+            <a:endParaRPr lang="en-US" dirty="0" smtClean="0"/>
+          </a:p>
+          <a:p>
+            <a:r>
+              <a:rPr lang="zh-CN" altLang="en-US" dirty="0" smtClean="0"/>
+              <a:t>得到结果后在</a:t>
+            </a:r>
+            <a:r>
+              <a:rPr lang="en-US" altLang="zh-CN" dirty="0" smtClean="0"/>
+              <a:t>Mapper</a:t>
+            </a:r>
+            <a:r>
+              <a:rPr lang="zh-CN" altLang="en-US" dirty="0" smtClean="0"/>
+              <a:t>上增加注解</a:t>
+            </a:r>
+            <a:r>
+              <a:rPr lang="en-US" altLang="zh-CN" dirty="0" smtClean="0"/>
+              <a:t>@Mapper</a:t>
+            </a:r>
+          </a:p>
+          <a:p>
+            <a:r>
+              <a:rPr lang="zh-CN" altLang="en-US" dirty="0" smtClean="0"/>
+              <a:t>通过</a:t>
+            </a:r>
+            <a:r>
+              <a:rPr lang="en-US" altLang="zh-CN" dirty="0" smtClean="0"/>
+              <a:t>@</a:t>
+            </a:r>
+            <a:r>
+              <a:rPr lang="en-US" altLang="zh-CN" dirty="0" err="1" smtClean="0"/>
+              <a:t>MapperScan</a:t>
+            </a:r>
+            <a:r>
+              <a:rPr lang="zh-CN" altLang="en-US" dirty="0" smtClean="0"/>
+              <a:t>的方式省略</a:t>
+            </a:r>
+            <a:r>
+              <a:rPr lang="en-US" altLang="zh-CN" dirty="0" smtClean="0"/>
+              <a:t>@Mapper</a:t>
+            </a:r>
+            <a:r>
+              <a:rPr lang="zh-CN" altLang="en-US" dirty="0" smtClean="0"/>
+              <a:t>注解</a:t>
+            </a:r>
+            <a:endParaRPr lang="en-US" dirty="0"/>
+          </a:p>
+        </p:txBody>
+      </p:sp>
+      <p:pic>
+        <p:nvPicPr>
+          <p:cNvPr id="4" name="Picture 3"/>
+          <p:cNvPicPr>
+            <a:picLocks noChangeAspect="1"/>
+          </p:cNvPicPr>
+          <p:nvPr/>
+        </p:nvPicPr>
+        <p:blipFill>
+          <a:blip r:embed="rId2"/>
+          <a:stretch>
+            <a:fillRect/>
+          </a:stretch>
+        </p:blipFill>
+        <p:spPr>
+          <a:xfrm>
+            <a:off x="838200" y="3789614"/>
+            <a:ext cx="9347200" cy="2070100"/>
+          </a:xfrm>
+          <a:prstGeom prst="rect">
+            <a:avLst/>
+          </a:prstGeom>
+        </p:spPr>
+      </p:pic>
+    </p:spTree>
+    <p:extLst>
+      <p:ext uri="{BB962C8B-B14F-4D97-AF65-F5344CB8AC3E}">
+        <p14:creationId xmlns:p14="http://schemas.microsoft.com/office/powerpoint/2010/main" val="1064920104"/>
+      </p:ext>
+    </p:extLst>
+  </p:cSld>
+  <p:clrMapOvr>
+    <a:masterClrMapping/>
+  </p:clrMapOvr>
+</p:sld>
+</file>
+
+<file path=ppt/slides/slide19.xml><?xml version="1.0" encoding="utf-8"?>
+<p:sld xmlns:a="http://schemas.openxmlformats.org/drawingml/2006/main" xmlns:r="http://schemas.openxmlformats.org/officeDocument/2006/relationships" xmlns:p="http://schemas.openxmlformats.org/presentationml/2006/main">
+  <p:cSld>
+    <p:spTree>
+      <p:nvGrpSpPr>
+        <p:cNvPr id="1" name=""/>
+        <p:cNvGrpSpPr/>
+        <p:nvPr/>
+      </p:nvGrpSpPr>
+      <p:grpSpPr>
+        <a:xfrm>
+          <a:off x="0" y="0"/>
+          <a:ext cx="0" cy="0"/>
+          <a:chOff x="0" y="0"/>
+          <a:chExt cx="0" cy="0"/>
+        </a:xfrm>
+      </p:grpSpPr>
+      <p:sp>
+        <p:nvSpPr>
+          <p:cNvPr id="2" name="Title 1"/>
+          <p:cNvSpPr>
+            <a:spLocks noGrp="1"/>
+          </p:cNvSpPr>
+          <p:nvPr>
+            <p:ph type="title"/>
+          </p:nvPr>
+        </p:nvSpPr>
+        <p:spPr/>
+        <p:txBody>
+          <a:bodyPr/>
+          <a:lstStyle/>
+          <a:p>
+            <a:r>
               <a:rPr lang="zh-CN" altLang="en-US" dirty="0" smtClean="0"/>
               <a:t>数据库事务</a:t>
             </a:r>
@@ -4142,7 +4705,131 @@
 </p:sld>
 </file>
 
-<file path=ppt/slides/slide16.xml><?xml version="1.0" encoding="utf-8"?>
+<file path=ppt/slides/slide2.xml><?xml version="1.0" encoding="utf-8"?>
+<p:sld xmlns:a="http://schemas.openxmlformats.org/drawingml/2006/main" xmlns:r="http://schemas.openxmlformats.org/officeDocument/2006/relationships" xmlns:p="http://schemas.openxmlformats.org/presentationml/2006/main">
+  <p:cSld>
+    <p:spTree>
+      <p:nvGrpSpPr>
+        <p:cNvPr id="1" name=""/>
+        <p:cNvGrpSpPr/>
+        <p:nvPr/>
+      </p:nvGrpSpPr>
+      <p:grpSpPr>
+        <a:xfrm>
+          <a:off x="0" y="0"/>
+          <a:ext cx="0" cy="0"/>
+          <a:chOff x="0" y="0"/>
+          <a:chExt cx="0" cy="0"/>
+        </a:xfrm>
+      </p:grpSpPr>
+      <p:sp>
+        <p:nvSpPr>
+          <p:cNvPr id="2" name="Title 1"/>
+          <p:cNvSpPr>
+            <a:spLocks noGrp="1"/>
+          </p:cNvSpPr>
+          <p:nvPr>
+            <p:ph type="title"/>
+          </p:nvPr>
+        </p:nvSpPr>
+        <p:spPr/>
+        <p:txBody>
+          <a:bodyPr/>
+          <a:lstStyle/>
+          <a:p>
+            <a:r>
+              <a:rPr lang="zh-CN" altLang="en-US" dirty="0" smtClean="0"/>
+              <a:t>当下主流关系型数据库</a:t>
+            </a:r>
+            <a:endParaRPr lang="en-US" dirty="0"/>
+          </a:p>
+        </p:txBody>
+      </p:sp>
+      <p:sp>
+        <p:nvSpPr>
+          <p:cNvPr id="3" name="Content Placeholder 2"/>
+          <p:cNvSpPr>
+            <a:spLocks noGrp="1"/>
+          </p:cNvSpPr>
+          <p:nvPr>
+            <p:ph idx="1"/>
+          </p:nvPr>
+        </p:nvSpPr>
+        <p:spPr/>
+        <p:txBody>
+          <a:bodyPr/>
+          <a:lstStyle/>
+          <a:p>
+            <a:r>
+              <a:rPr lang="en-US" altLang="zh-CN" dirty="0" smtClean="0"/>
+              <a:t>Oracle</a:t>
+            </a:r>
+          </a:p>
+          <a:p>
+            <a:r>
+              <a:rPr lang="en-US" altLang="zh-CN" dirty="0" smtClean="0"/>
+              <a:t>MySQL</a:t>
+            </a:r>
+          </a:p>
+          <a:p>
+            <a:r>
+              <a:rPr lang="en-US" altLang="zh-CN" dirty="0" smtClean="0"/>
+              <a:t>Microsoft</a:t>
+            </a:r>
+            <a:r>
+              <a:rPr lang="zh-CN" altLang="en-US" dirty="0" smtClean="0"/>
+              <a:t> </a:t>
+            </a:r>
+            <a:r>
+              <a:rPr lang="en-US" altLang="zh-CN" dirty="0" smtClean="0"/>
+              <a:t>SQL</a:t>
+            </a:r>
+            <a:r>
+              <a:rPr lang="zh-CN" altLang="en-US" dirty="0" smtClean="0"/>
+              <a:t> </a:t>
+            </a:r>
+            <a:r>
+              <a:rPr lang="en-US" altLang="zh-CN" dirty="0" smtClean="0"/>
+              <a:t>Server</a:t>
+            </a:r>
+          </a:p>
+          <a:p>
+            <a:r>
+              <a:rPr lang="en-US" altLang="zh-CN" dirty="0" smtClean="0"/>
+              <a:t>DB2</a:t>
+            </a:r>
+          </a:p>
+          <a:p>
+            <a:r>
+              <a:rPr lang="en-US" altLang="zh-CN" dirty="0" smtClean="0"/>
+              <a:t>Microsoft</a:t>
+            </a:r>
+            <a:r>
+              <a:rPr lang="zh-CN" altLang="en-US" dirty="0" smtClean="0"/>
+              <a:t> </a:t>
+            </a:r>
+            <a:r>
+              <a:rPr lang="en-US" altLang="zh-CN" dirty="0" smtClean="0"/>
+              <a:t>Access</a:t>
+            </a:r>
+            <a:endParaRPr lang="en-US" dirty="0"/>
+          </a:p>
+        </p:txBody>
+      </p:sp>
+    </p:spTree>
+    <p:extLst>
+      <p:ext uri="{BB962C8B-B14F-4D97-AF65-F5344CB8AC3E}">
+        <p14:creationId xmlns:p14="http://schemas.microsoft.com/office/powerpoint/2010/main" val="1034771262"/>
+      </p:ext>
+    </p:extLst>
+  </p:cSld>
+  <p:clrMapOvr>
+    <a:masterClrMapping/>
+  </p:clrMapOvr>
+</p:sld>
+</file>
+
+<file path=ppt/slides/slide20.xml><?xml version="1.0" encoding="utf-8"?>
 <p:sld xmlns:a="http://schemas.openxmlformats.org/drawingml/2006/main" xmlns:r="http://schemas.openxmlformats.org/officeDocument/2006/relationships" xmlns:p="http://schemas.openxmlformats.org/presentationml/2006/main">
   <p:cSld>
     <p:spTree>
@@ -4242,7 +4929,7 @@
 </p:sld>
 </file>
 
-<file path=ppt/slides/slide17.xml><?xml version="1.0" encoding="utf-8"?>
+<file path=ppt/slides/slide21.xml><?xml version="1.0" encoding="utf-8"?>
 <p:sld xmlns:a="http://schemas.openxmlformats.org/drawingml/2006/main" xmlns:r="http://schemas.openxmlformats.org/officeDocument/2006/relationships" xmlns:p="http://schemas.openxmlformats.org/presentationml/2006/main">
   <p:cSld>
     <p:spTree>
@@ -4364,7 +5051,7 @@
 </p:sld>
 </file>
 
-<file path=ppt/slides/slide18.xml><?xml version="1.0" encoding="utf-8"?>
+<file path=ppt/slides/slide22.xml><?xml version="1.0" encoding="utf-8"?>
 <p:sld xmlns:a="http://schemas.openxmlformats.org/drawingml/2006/main" xmlns:r="http://schemas.openxmlformats.org/officeDocument/2006/relationships" xmlns:p="http://schemas.openxmlformats.org/presentationml/2006/main">
   <p:cSld>
     <p:spTree>
@@ -4460,7 +5147,7 @@
 </p:sld>
 </file>
 
-<file path=ppt/slides/slide19.xml><?xml version="1.0" encoding="utf-8"?>
+<file path=ppt/slides/slide23.xml><?xml version="1.0" encoding="utf-8"?>
 <p:sld xmlns:a="http://schemas.openxmlformats.org/drawingml/2006/main" xmlns:r="http://schemas.openxmlformats.org/officeDocument/2006/relationships" xmlns:p="http://schemas.openxmlformats.org/presentationml/2006/main">
   <p:cSld>
     <p:spTree>
@@ -4556,131 +5243,7 @@
 </p:sld>
 </file>
 
-<file path=ppt/slides/slide2.xml><?xml version="1.0" encoding="utf-8"?>
-<p:sld xmlns:a="http://schemas.openxmlformats.org/drawingml/2006/main" xmlns:r="http://schemas.openxmlformats.org/officeDocument/2006/relationships" xmlns:p="http://schemas.openxmlformats.org/presentationml/2006/main">
-  <p:cSld>
-    <p:spTree>
-      <p:nvGrpSpPr>
-        <p:cNvPr id="1" name=""/>
-        <p:cNvGrpSpPr/>
-        <p:nvPr/>
-      </p:nvGrpSpPr>
-      <p:grpSpPr>
-        <a:xfrm>
-          <a:off x="0" y="0"/>
-          <a:ext cx="0" cy="0"/>
-          <a:chOff x="0" y="0"/>
-          <a:chExt cx="0" cy="0"/>
-        </a:xfrm>
-      </p:grpSpPr>
-      <p:sp>
-        <p:nvSpPr>
-          <p:cNvPr id="2" name="Title 1"/>
-          <p:cNvSpPr>
-            <a:spLocks noGrp="1"/>
-          </p:cNvSpPr>
-          <p:nvPr>
-            <p:ph type="title"/>
-          </p:nvPr>
-        </p:nvSpPr>
-        <p:spPr/>
-        <p:txBody>
-          <a:bodyPr/>
-          <a:lstStyle/>
-          <a:p>
-            <a:r>
-              <a:rPr lang="zh-CN" altLang="en-US" dirty="0" smtClean="0"/>
-              <a:t>当下主流关系型数据库</a:t>
-            </a:r>
-            <a:endParaRPr lang="en-US" dirty="0"/>
-          </a:p>
-        </p:txBody>
-      </p:sp>
-      <p:sp>
-        <p:nvSpPr>
-          <p:cNvPr id="3" name="Content Placeholder 2"/>
-          <p:cNvSpPr>
-            <a:spLocks noGrp="1"/>
-          </p:cNvSpPr>
-          <p:nvPr>
-            <p:ph idx="1"/>
-          </p:nvPr>
-        </p:nvSpPr>
-        <p:spPr/>
-        <p:txBody>
-          <a:bodyPr/>
-          <a:lstStyle/>
-          <a:p>
-            <a:r>
-              <a:rPr lang="en-US" altLang="zh-CN" dirty="0" smtClean="0"/>
-              <a:t>Oracle</a:t>
-            </a:r>
-          </a:p>
-          <a:p>
-            <a:r>
-              <a:rPr lang="en-US" altLang="zh-CN" dirty="0" smtClean="0"/>
-              <a:t>MySQL</a:t>
-            </a:r>
-          </a:p>
-          <a:p>
-            <a:r>
-              <a:rPr lang="en-US" altLang="zh-CN" dirty="0" smtClean="0"/>
-              <a:t>Microsoft</a:t>
-            </a:r>
-            <a:r>
-              <a:rPr lang="zh-CN" altLang="en-US" dirty="0" smtClean="0"/>
-              <a:t> </a:t>
-            </a:r>
-            <a:r>
-              <a:rPr lang="en-US" altLang="zh-CN" dirty="0" smtClean="0"/>
-              <a:t>SQL</a:t>
-            </a:r>
-            <a:r>
-              <a:rPr lang="zh-CN" altLang="en-US" dirty="0" smtClean="0"/>
-              <a:t> </a:t>
-            </a:r>
-            <a:r>
-              <a:rPr lang="en-US" altLang="zh-CN" dirty="0" smtClean="0"/>
-              <a:t>Server</a:t>
-            </a:r>
-          </a:p>
-          <a:p>
-            <a:r>
-              <a:rPr lang="en-US" altLang="zh-CN" dirty="0" smtClean="0"/>
-              <a:t>DB2</a:t>
-            </a:r>
-          </a:p>
-          <a:p>
-            <a:r>
-              <a:rPr lang="en-US" altLang="zh-CN" dirty="0" smtClean="0"/>
-              <a:t>Microsoft</a:t>
-            </a:r>
-            <a:r>
-              <a:rPr lang="zh-CN" altLang="en-US" dirty="0" smtClean="0"/>
-              <a:t> </a:t>
-            </a:r>
-            <a:r>
-              <a:rPr lang="en-US" altLang="zh-CN" dirty="0" smtClean="0"/>
-              <a:t>Access</a:t>
-            </a:r>
-            <a:endParaRPr lang="en-US" dirty="0"/>
-          </a:p>
-        </p:txBody>
-      </p:sp>
-    </p:spTree>
-    <p:extLst>
-      <p:ext uri="{BB962C8B-B14F-4D97-AF65-F5344CB8AC3E}">
-        <p14:creationId xmlns:p14="http://schemas.microsoft.com/office/powerpoint/2010/main" val="1034771262"/>
-      </p:ext>
-    </p:extLst>
-  </p:cSld>
-  <p:clrMapOvr>
-    <a:masterClrMapping/>
-  </p:clrMapOvr>
-</p:sld>
-</file>
-
-<file path=ppt/slides/slide20.xml><?xml version="1.0" encoding="utf-8"?>
+<file path=ppt/slides/slide24.xml><?xml version="1.0" encoding="utf-8"?>
 <p:sld xmlns:a="http://schemas.openxmlformats.org/drawingml/2006/main" xmlns:r="http://schemas.openxmlformats.org/officeDocument/2006/relationships" xmlns:p="http://schemas.openxmlformats.org/presentationml/2006/main">
   <p:cSld>
     <p:spTree>
@@ -4776,7 +5339,7 @@
 </p:sld>
 </file>
 
-<file path=ppt/slides/slide21.xml><?xml version="1.0" encoding="utf-8"?>
+<file path=ppt/slides/slide25.xml><?xml version="1.0" encoding="utf-8"?>
 <p:sld xmlns:a="http://schemas.openxmlformats.org/drawingml/2006/main" xmlns:r="http://schemas.openxmlformats.org/officeDocument/2006/relationships" xmlns:p="http://schemas.openxmlformats.org/presentationml/2006/main">
   <p:cSld>
     <p:spTree>
@@ -4872,7 +5435,7 @@
 </p:sld>
 </file>
 
-<file path=ppt/slides/slide22.xml><?xml version="1.0" encoding="utf-8"?>
+<file path=ppt/slides/slide26.xml><?xml version="1.0" encoding="utf-8"?>
 <p:sld xmlns:a="http://schemas.openxmlformats.org/drawingml/2006/main" xmlns:r="http://schemas.openxmlformats.org/officeDocument/2006/relationships" xmlns:p="http://schemas.openxmlformats.org/presentationml/2006/main">
   <p:cSld>
     <p:spTree>
@@ -4992,7 +5555,7 @@
 </p:sld>
 </file>
 
-<file path=ppt/slides/slide23.xml><?xml version="1.0" encoding="utf-8"?>
+<file path=ppt/slides/slide27.xml><?xml version="1.0" encoding="utf-8"?>
 <p:sld xmlns:a="http://schemas.openxmlformats.org/drawingml/2006/main" xmlns:r="http://schemas.openxmlformats.org/officeDocument/2006/relationships" xmlns:p="http://schemas.openxmlformats.org/presentationml/2006/main">
   <p:cSld>
     <p:spTree>
@@ -5180,7 +5743,7 @@
 </p:sld>
 </file>
 
-<file path=ppt/slides/slide24.xml><?xml version="1.0" encoding="utf-8"?>
+<file path=ppt/slides/slide28.xml><?xml version="1.0" encoding="utf-8"?>
 <p:sld xmlns:a="http://schemas.openxmlformats.org/drawingml/2006/main" xmlns:r="http://schemas.openxmlformats.org/officeDocument/2006/relationships" xmlns:p="http://schemas.openxmlformats.org/presentationml/2006/main">
   <p:cSld>
     <p:spTree>
@@ -5297,7 +5860,7 @@
 </p:sld>
 </file>
 
-<file path=ppt/slides/slide25.xml><?xml version="1.0" encoding="utf-8"?>
+<file path=ppt/slides/slide29.xml><?xml version="1.0" encoding="utf-8"?>
 <p:sld xmlns:a="http://schemas.openxmlformats.org/drawingml/2006/main" xmlns:r="http://schemas.openxmlformats.org/officeDocument/2006/relationships" xmlns:p="http://schemas.openxmlformats.org/presentationml/2006/main">
   <p:cSld>
     <p:spTree>
@@ -5413,230 +5976,6 @@
     <p:extLst>
       <p:ext uri="{BB962C8B-B14F-4D97-AF65-F5344CB8AC3E}">
         <p14:creationId xmlns:p14="http://schemas.microsoft.com/office/powerpoint/2010/main" val="191933480"/>
-      </p:ext>
-    </p:extLst>
-  </p:cSld>
-  <p:clrMapOvr>
-    <a:masterClrMapping/>
-  </p:clrMapOvr>
-</p:sld>
-</file>
-
-<file path=ppt/slides/slide26.xml><?xml version="1.0" encoding="utf-8"?>
-<p:sld xmlns:a="http://schemas.openxmlformats.org/drawingml/2006/main" xmlns:r="http://schemas.openxmlformats.org/officeDocument/2006/relationships" xmlns:p="http://schemas.openxmlformats.org/presentationml/2006/main">
-  <p:cSld>
-    <p:spTree>
-      <p:nvGrpSpPr>
-        <p:cNvPr id="1" name=""/>
-        <p:cNvGrpSpPr/>
-        <p:nvPr/>
-      </p:nvGrpSpPr>
-      <p:grpSpPr>
-        <a:xfrm>
-          <a:off x="0" y="0"/>
-          <a:ext cx="0" cy="0"/>
-          <a:chOff x="0" y="0"/>
-          <a:chExt cx="0" cy="0"/>
-        </a:xfrm>
-      </p:grpSpPr>
-      <p:sp>
-        <p:nvSpPr>
-          <p:cNvPr id="2" name="Title 1"/>
-          <p:cNvSpPr>
-            <a:spLocks noGrp="1"/>
-          </p:cNvSpPr>
-          <p:nvPr>
-            <p:ph type="title"/>
-          </p:nvPr>
-        </p:nvSpPr>
-        <p:spPr/>
-        <p:txBody>
-          <a:bodyPr/>
-          <a:lstStyle/>
-          <a:p>
-            <a:r>
-              <a:rPr lang="zh-CN" altLang="en-US" dirty="0" smtClean="0"/>
-              <a:t>数据库编码规约</a:t>
-            </a:r>
-            <a:endParaRPr lang="en-US" dirty="0"/>
-          </a:p>
-        </p:txBody>
-      </p:sp>
-      <p:sp>
-        <p:nvSpPr>
-          <p:cNvPr id="3" name="Content Placeholder 2"/>
-          <p:cNvSpPr>
-            <a:spLocks noGrp="1"/>
-          </p:cNvSpPr>
-          <p:nvPr>
-            <p:ph idx="1"/>
-          </p:nvPr>
-        </p:nvSpPr>
-        <p:spPr/>
-        <p:txBody>
-          <a:bodyPr/>
-          <a:lstStyle/>
-          <a:p>
-            <a:r>
-              <a:rPr lang="en-US" altLang="zh-CN" dirty="0"/>
-              <a:t>【</a:t>
-            </a:r>
-            <a:r>
-              <a:rPr lang="zh-CN" altLang="en-US" dirty="0"/>
-              <a:t>推荐</a:t>
-            </a:r>
-            <a:r>
-              <a:rPr lang="en-US" altLang="zh-CN" dirty="0"/>
-              <a:t>】</a:t>
-            </a:r>
-            <a:r>
-              <a:rPr lang="zh-CN" altLang="en-US" dirty="0"/>
-              <a:t>单表行数超过 </a:t>
-            </a:r>
-            <a:r>
-              <a:rPr lang="en-US" altLang="zh-CN" dirty="0"/>
-              <a:t>500 </a:t>
-            </a:r>
-            <a:r>
-              <a:rPr lang="zh-CN" altLang="en-US" dirty="0"/>
-              <a:t>万行或者单表容量超过 </a:t>
-            </a:r>
-            <a:r>
-              <a:rPr lang="en-US" altLang="zh-CN" dirty="0"/>
-              <a:t>2GB</a:t>
-            </a:r>
-            <a:r>
-              <a:rPr lang="zh-CN" altLang="en-US" dirty="0"/>
-              <a:t>，才推荐进行分库分表。 说明</a:t>
-            </a:r>
-            <a:r>
-              <a:rPr lang="en-US" altLang="zh-CN" dirty="0"/>
-              <a:t>:</a:t>
-            </a:r>
-            <a:r>
-              <a:rPr lang="zh-CN" altLang="en-US" dirty="0"/>
-              <a:t>如果预计三年后的数据量根本达不到这个级别，请不要在创建表时就分库分表。 </a:t>
-            </a:r>
-            <a:endParaRPr lang="zh-CN" altLang="en-US" dirty="0" smtClean="0"/>
-          </a:p>
-          <a:p>
-            <a:r>
-              <a:rPr lang="en-US" altLang="zh-CN" dirty="0"/>
-              <a:t>【</a:t>
-            </a:r>
-            <a:r>
-              <a:rPr lang="zh-CN" altLang="en-US" dirty="0"/>
-              <a:t>强制</a:t>
-            </a:r>
-            <a:r>
-              <a:rPr lang="en-US" altLang="zh-CN" dirty="0"/>
-              <a:t>】</a:t>
-            </a:r>
-            <a:r>
-              <a:rPr lang="zh-CN" altLang="en-US" dirty="0"/>
-              <a:t>超过三个表禁止 </a:t>
-            </a:r>
-            <a:r>
-              <a:rPr lang="en-US" altLang="zh-CN" dirty="0"/>
-              <a:t>join</a:t>
-            </a:r>
-            <a:r>
-              <a:rPr lang="zh-CN" altLang="en-US" dirty="0"/>
-              <a:t>。需要 </a:t>
-            </a:r>
-            <a:r>
-              <a:rPr lang="en-US" altLang="zh-CN" dirty="0"/>
-              <a:t>join </a:t>
-            </a:r>
-            <a:r>
-              <a:rPr lang="zh-CN" altLang="en-US" dirty="0"/>
-              <a:t>的字段，数据类型必须绝对一致</a:t>
-            </a:r>
-            <a:r>
-              <a:rPr lang="en-US" altLang="zh-CN" dirty="0"/>
-              <a:t>;</a:t>
-            </a:r>
-            <a:r>
-              <a:rPr lang="zh-CN" altLang="en-US" dirty="0"/>
-              <a:t>多表关联查询时， 保证被关联的字段需要有索引。</a:t>
-            </a:r>
-            <a:br>
-              <a:rPr lang="zh-CN" altLang="en-US" dirty="0"/>
-            </a:br>
-            <a:r>
-              <a:rPr lang="zh-CN" altLang="en-US" dirty="0"/>
-              <a:t>说明</a:t>
-            </a:r>
-            <a:r>
-              <a:rPr lang="en-US" altLang="zh-CN" dirty="0"/>
-              <a:t>:</a:t>
-            </a:r>
-            <a:r>
-              <a:rPr lang="zh-CN" altLang="en-US" dirty="0"/>
-              <a:t>即使双表 </a:t>
-            </a:r>
-            <a:r>
-              <a:rPr lang="en-US" altLang="zh-CN" dirty="0"/>
-              <a:t>join </a:t>
-            </a:r>
-            <a:r>
-              <a:rPr lang="zh-CN" altLang="en-US" dirty="0"/>
-              <a:t>也要注意表索引、</a:t>
-            </a:r>
-            <a:r>
-              <a:rPr lang="en-US" altLang="zh-CN" dirty="0"/>
-              <a:t>SQL </a:t>
-            </a:r>
-            <a:r>
-              <a:rPr lang="zh-CN" altLang="en-US" dirty="0"/>
-              <a:t>性能。 </a:t>
-            </a:r>
-          </a:p>
-          <a:p>
-            <a:r>
-              <a:rPr lang="en-US" altLang="zh-CN" dirty="0"/>
-              <a:t>【</a:t>
-            </a:r>
-            <a:r>
-              <a:rPr lang="zh-CN" altLang="en-US" dirty="0"/>
-              <a:t>强制</a:t>
-            </a:r>
-            <a:r>
-              <a:rPr lang="en-US" altLang="zh-CN" dirty="0"/>
-              <a:t>】</a:t>
-            </a:r>
-            <a:r>
-              <a:rPr lang="zh-CN" altLang="en-US" dirty="0"/>
-              <a:t>不得使用外键与级联，一切外键概念必须在应用层解决。 </a:t>
-            </a:r>
-          </a:p>
-          <a:p>
-            <a:r>
-              <a:rPr lang="en-US" altLang="zh-CN" dirty="0"/>
-              <a:t>【</a:t>
-            </a:r>
-            <a:r>
-              <a:rPr lang="zh-CN" altLang="en-US" dirty="0"/>
-              <a:t>强制</a:t>
-            </a:r>
-            <a:r>
-              <a:rPr lang="en-US" altLang="zh-CN" dirty="0"/>
-              <a:t>】</a:t>
-            </a:r>
-            <a:r>
-              <a:rPr lang="zh-CN" altLang="en-US" dirty="0"/>
-              <a:t>禁止使用存储过程，存储过程难以调试和扩展，更没有移植性。 </a:t>
-            </a:r>
-          </a:p>
-          <a:p>
-            <a:endParaRPr lang="en-US" dirty="0"/>
-          </a:p>
-        </p:txBody>
-      </p:sp>
-    </p:spTree>
-    <p:extLst>
-      <p:ext uri="{BB962C8B-B14F-4D97-AF65-F5344CB8AC3E}">
-        <p14:creationId xmlns:p14="http://schemas.microsoft.com/office/powerpoint/2010/main" val="278687159"/>
       </p:ext>
     </p:extLst>
   </p:cSld>
@@ -5738,6 +6077,230 @@
     <p:extLst>
       <p:ext uri="{BB962C8B-B14F-4D97-AF65-F5344CB8AC3E}">
         <p14:creationId xmlns:p14="http://schemas.microsoft.com/office/powerpoint/2010/main" val="1170332910"/>
+      </p:ext>
+    </p:extLst>
+  </p:cSld>
+  <p:clrMapOvr>
+    <a:masterClrMapping/>
+  </p:clrMapOvr>
+</p:sld>
+</file>
+
+<file path=ppt/slides/slide30.xml><?xml version="1.0" encoding="utf-8"?>
+<p:sld xmlns:a="http://schemas.openxmlformats.org/drawingml/2006/main" xmlns:r="http://schemas.openxmlformats.org/officeDocument/2006/relationships" xmlns:p="http://schemas.openxmlformats.org/presentationml/2006/main">
+  <p:cSld>
+    <p:spTree>
+      <p:nvGrpSpPr>
+        <p:cNvPr id="1" name=""/>
+        <p:cNvGrpSpPr/>
+        <p:nvPr/>
+      </p:nvGrpSpPr>
+      <p:grpSpPr>
+        <a:xfrm>
+          <a:off x="0" y="0"/>
+          <a:ext cx="0" cy="0"/>
+          <a:chOff x="0" y="0"/>
+          <a:chExt cx="0" cy="0"/>
+        </a:xfrm>
+      </p:grpSpPr>
+      <p:sp>
+        <p:nvSpPr>
+          <p:cNvPr id="2" name="Title 1"/>
+          <p:cNvSpPr>
+            <a:spLocks noGrp="1"/>
+          </p:cNvSpPr>
+          <p:nvPr>
+            <p:ph type="title"/>
+          </p:nvPr>
+        </p:nvSpPr>
+        <p:spPr/>
+        <p:txBody>
+          <a:bodyPr/>
+          <a:lstStyle/>
+          <a:p>
+            <a:r>
+              <a:rPr lang="zh-CN" altLang="en-US" dirty="0" smtClean="0"/>
+              <a:t>数据库编码规约</a:t>
+            </a:r>
+            <a:endParaRPr lang="en-US" dirty="0"/>
+          </a:p>
+        </p:txBody>
+      </p:sp>
+      <p:sp>
+        <p:nvSpPr>
+          <p:cNvPr id="3" name="Content Placeholder 2"/>
+          <p:cNvSpPr>
+            <a:spLocks noGrp="1"/>
+          </p:cNvSpPr>
+          <p:nvPr>
+            <p:ph idx="1"/>
+          </p:nvPr>
+        </p:nvSpPr>
+        <p:spPr/>
+        <p:txBody>
+          <a:bodyPr/>
+          <a:lstStyle/>
+          <a:p>
+            <a:r>
+              <a:rPr lang="en-US" altLang="zh-CN" dirty="0"/>
+              <a:t>【</a:t>
+            </a:r>
+            <a:r>
+              <a:rPr lang="zh-CN" altLang="en-US" dirty="0"/>
+              <a:t>推荐</a:t>
+            </a:r>
+            <a:r>
+              <a:rPr lang="en-US" altLang="zh-CN" dirty="0"/>
+              <a:t>】</a:t>
+            </a:r>
+            <a:r>
+              <a:rPr lang="zh-CN" altLang="en-US" dirty="0"/>
+              <a:t>单表行数超过 </a:t>
+            </a:r>
+            <a:r>
+              <a:rPr lang="en-US" altLang="zh-CN" dirty="0"/>
+              <a:t>500 </a:t>
+            </a:r>
+            <a:r>
+              <a:rPr lang="zh-CN" altLang="en-US" dirty="0"/>
+              <a:t>万行或者单表容量超过 </a:t>
+            </a:r>
+            <a:r>
+              <a:rPr lang="en-US" altLang="zh-CN" dirty="0"/>
+              <a:t>2GB</a:t>
+            </a:r>
+            <a:r>
+              <a:rPr lang="zh-CN" altLang="en-US" dirty="0"/>
+              <a:t>，才推荐进行分库分表。 说明</a:t>
+            </a:r>
+            <a:r>
+              <a:rPr lang="en-US" altLang="zh-CN" dirty="0"/>
+              <a:t>:</a:t>
+            </a:r>
+            <a:r>
+              <a:rPr lang="zh-CN" altLang="en-US" dirty="0"/>
+              <a:t>如果预计三年后的数据量根本达不到这个级别，请不要在创建表时就分库分表。 </a:t>
+            </a:r>
+            <a:endParaRPr lang="zh-CN" altLang="en-US" dirty="0" smtClean="0"/>
+          </a:p>
+          <a:p>
+            <a:r>
+              <a:rPr lang="en-US" altLang="zh-CN" dirty="0"/>
+              <a:t>【</a:t>
+            </a:r>
+            <a:r>
+              <a:rPr lang="zh-CN" altLang="en-US" dirty="0"/>
+              <a:t>强制</a:t>
+            </a:r>
+            <a:r>
+              <a:rPr lang="en-US" altLang="zh-CN" dirty="0"/>
+              <a:t>】</a:t>
+            </a:r>
+            <a:r>
+              <a:rPr lang="zh-CN" altLang="en-US" dirty="0"/>
+              <a:t>超过三个表禁止 </a:t>
+            </a:r>
+            <a:r>
+              <a:rPr lang="en-US" altLang="zh-CN" dirty="0"/>
+              <a:t>join</a:t>
+            </a:r>
+            <a:r>
+              <a:rPr lang="zh-CN" altLang="en-US" dirty="0"/>
+              <a:t>。需要 </a:t>
+            </a:r>
+            <a:r>
+              <a:rPr lang="en-US" altLang="zh-CN" dirty="0"/>
+              <a:t>join </a:t>
+            </a:r>
+            <a:r>
+              <a:rPr lang="zh-CN" altLang="en-US" dirty="0"/>
+              <a:t>的字段，数据类型必须绝对一致</a:t>
+            </a:r>
+            <a:r>
+              <a:rPr lang="en-US" altLang="zh-CN" dirty="0"/>
+              <a:t>;</a:t>
+            </a:r>
+            <a:r>
+              <a:rPr lang="zh-CN" altLang="en-US" dirty="0"/>
+              <a:t>多表关联查询时， 保证被关联的字段需要有索引。</a:t>
+            </a:r>
+            <a:br>
+              <a:rPr lang="zh-CN" altLang="en-US" dirty="0"/>
+            </a:br>
+            <a:r>
+              <a:rPr lang="zh-CN" altLang="en-US" dirty="0"/>
+              <a:t>说明</a:t>
+            </a:r>
+            <a:r>
+              <a:rPr lang="en-US" altLang="zh-CN" dirty="0"/>
+              <a:t>:</a:t>
+            </a:r>
+            <a:r>
+              <a:rPr lang="zh-CN" altLang="en-US" dirty="0"/>
+              <a:t>即使双表 </a:t>
+            </a:r>
+            <a:r>
+              <a:rPr lang="en-US" altLang="zh-CN" dirty="0"/>
+              <a:t>join </a:t>
+            </a:r>
+            <a:r>
+              <a:rPr lang="zh-CN" altLang="en-US" dirty="0"/>
+              <a:t>也要注意表索引、</a:t>
+            </a:r>
+            <a:r>
+              <a:rPr lang="en-US" altLang="zh-CN" dirty="0"/>
+              <a:t>SQL </a:t>
+            </a:r>
+            <a:r>
+              <a:rPr lang="zh-CN" altLang="en-US" dirty="0"/>
+              <a:t>性能。 </a:t>
+            </a:r>
+          </a:p>
+          <a:p>
+            <a:r>
+              <a:rPr lang="en-US" altLang="zh-CN" dirty="0"/>
+              <a:t>【</a:t>
+            </a:r>
+            <a:r>
+              <a:rPr lang="zh-CN" altLang="en-US" dirty="0"/>
+              <a:t>强制</a:t>
+            </a:r>
+            <a:r>
+              <a:rPr lang="en-US" altLang="zh-CN" dirty="0"/>
+              <a:t>】</a:t>
+            </a:r>
+            <a:r>
+              <a:rPr lang="zh-CN" altLang="en-US" dirty="0"/>
+              <a:t>不得使用外键与级联，一切外键概念必须在应用层解决。 </a:t>
+            </a:r>
+          </a:p>
+          <a:p>
+            <a:r>
+              <a:rPr lang="en-US" altLang="zh-CN" dirty="0"/>
+              <a:t>【</a:t>
+            </a:r>
+            <a:r>
+              <a:rPr lang="zh-CN" altLang="en-US" dirty="0"/>
+              <a:t>强制</a:t>
+            </a:r>
+            <a:r>
+              <a:rPr lang="en-US" altLang="zh-CN" dirty="0"/>
+              <a:t>】</a:t>
+            </a:r>
+            <a:r>
+              <a:rPr lang="zh-CN" altLang="en-US" dirty="0"/>
+              <a:t>禁止使用存储过程，存储过程难以调试和扩展，更没有移植性。 </a:t>
+            </a:r>
+          </a:p>
+          <a:p>
+            <a:endParaRPr lang="en-US" dirty="0"/>
+          </a:p>
+        </p:txBody>
+      </p:sp>
+    </p:spTree>
+    <p:extLst>
+      <p:ext uri="{BB962C8B-B14F-4D97-AF65-F5344CB8AC3E}">
+        <p14:creationId xmlns:p14="http://schemas.microsoft.com/office/powerpoint/2010/main" val="278687159"/>
       </p:ext>
     </p:extLst>
   </p:cSld>

--- a/springboot/SpringBoot-3.pptx
+++ b/springboot/SpringBoot-3.pptx
@@ -26,15 +26,19 @@
     <p:sldId id="274" r:id="rId20"/>
     <p:sldId id="275" r:id="rId21"/>
     <p:sldId id="276" r:id="rId22"/>
-    <p:sldId id="278" r:id="rId23"/>
-    <p:sldId id="279" r:id="rId24"/>
-    <p:sldId id="280" r:id="rId25"/>
-    <p:sldId id="281" r:id="rId26"/>
-    <p:sldId id="277" r:id="rId27"/>
-    <p:sldId id="267" r:id="rId28"/>
-    <p:sldId id="268" r:id="rId29"/>
-    <p:sldId id="269" r:id="rId30"/>
-    <p:sldId id="270" r:id="rId31"/>
+    <p:sldId id="286" r:id="rId23"/>
+    <p:sldId id="287" r:id="rId24"/>
+    <p:sldId id="278" r:id="rId25"/>
+    <p:sldId id="279" r:id="rId26"/>
+    <p:sldId id="280" r:id="rId27"/>
+    <p:sldId id="281" r:id="rId28"/>
+    <p:sldId id="277" r:id="rId29"/>
+    <p:sldId id="267" r:id="rId30"/>
+    <p:sldId id="268" r:id="rId31"/>
+    <p:sldId id="269" r:id="rId32"/>
+    <p:sldId id="270" r:id="rId33"/>
+    <p:sldId id="288" r:id="rId34"/>
+    <p:sldId id="289" r:id="rId35"/>
   </p:sldIdLst>
   <p:sldSz cx="12192000" cy="6858000"/>
   <p:notesSz cx="6858000" cy="9144000"/>
@@ -272,7 +276,7 @@
           <a:p>
             <a:fld id="{60043135-91C5-B44D-97D9-A610FC247CAE}" type="datetimeFigureOut">
               <a:rPr lang="en-US" smtClean="0"/>
-              <a:t>5/24/19</a:t>
+              <a:t>5/27/19</a:t>
             </a:fld>
             <a:endParaRPr lang="en-US"/>
           </a:p>
@@ -442,7 +446,7 @@
           <a:p>
             <a:fld id="{60043135-91C5-B44D-97D9-A610FC247CAE}" type="datetimeFigureOut">
               <a:rPr lang="en-US" smtClean="0"/>
-              <a:t>5/24/19</a:t>
+              <a:t>5/27/19</a:t>
             </a:fld>
             <a:endParaRPr lang="en-US"/>
           </a:p>
@@ -622,7 +626,7 @@
           <a:p>
             <a:fld id="{60043135-91C5-B44D-97D9-A610FC247CAE}" type="datetimeFigureOut">
               <a:rPr lang="en-US" smtClean="0"/>
-              <a:t>5/24/19</a:t>
+              <a:t>5/27/19</a:t>
             </a:fld>
             <a:endParaRPr lang="en-US"/>
           </a:p>
@@ -792,7 +796,7 @@
           <a:p>
             <a:fld id="{60043135-91C5-B44D-97D9-A610FC247CAE}" type="datetimeFigureOut">
               <a:rPr lang="en-US" smtClean="0"/>
-              <a:t>5/24/19</a:t>
+              <a:t>5/27/19</a:t>
             </a:fld>
             <a:endParaRPr lang="en-US"/>
           </a:p>
@@ -1038,7 +1042,7 @@
           <a:p>
             <a:fld id="{60043135-91C5-B44D-97D9-A610FC247CAE}" type="datetimeFigureOut">
               <a:rPr lang="en-US" smtClean="0"/>
-              <a:t>5/24/19</a:t>
+              <a:t>5/27/19</a:t>
             </a:fld>
             <a:endParaRPr lang="en-US"/>
           </a:p>
@@ -1270,7 +1274,7 @@
           <a:p>
             <a:fld id="{60043135-91C5-B44D-97D9-A610FC247CAE}" type="datetimeFigureOut">
               <a:rPr lang="en-US" smtClean="0"/>
-              <a:t>5/24/19</a:t>
+              <a:t>5/27/19</a:t>
             </a:fld>
             <a:endParaRPr lang="en-US"/>
           </a:p>
@@ -1637,7 +1641,7 @@
           <a:p>
             <a:fld id="{60043135-91C5-B44D-97D9-A610FC247CAE}" type="datetimeFigureOut">
               <a:rPr lang="en-US" smtClean="0"/>
-              <a:t>5/24/19</a:t>
+              <a:t>5/27/19</a:t>
             </a:fld>
             <a:endParaRPr lang="en-US"/>
           </a:p>
@@ -1755,7 +1759,7 @@
           <a:p>
             <a:fld id="{60043135-91C5-B44D-97D9-A610FC247CAE}" type="datetimeFigureOut">
               <a:rPr lang="en-US" smtClean="0"/>
-              <a:t>5/24/19</a:t>
+              <a:t>5/27/19</a:t>
             </a:fld>
             <a:endParaRPr lang="en-US"/>
           </a:p>
@@ -1850,7 +1854,7 @@
           <a:p>
             <a:fld id="{60043135-91C5-B44D-97D9-A610FC247CAE}" type="datetimeFigureOut">
               <a:rPr lang="en-US" smtClean="0"/>
-              <a:t>5/24/19</a:t>
+              <a:t>5/27/19</a:t>
             </a:fld>
             <a:endParaRPr lang="en-US"/>
           </a:p>
@@ -2127,7 +2131,7 @@
           <a:p>
             <a:fld id="{60043135-91C5-B44D-97D9-A610FC247CAE}" type="datetimeFigureOut">
               <a:rPr lang="en-US" smtClean="0"/>
-              <a:t>5/24/19</a:t>
+              <a:t>5/27/19</a:t>
             </a:fld>
             <a:endParaRPr lang="en-US"/>
           </a:p>
@@ -2380,7 +2384,7 @@
           <a:p>
             <a:fld id="{60043135-91C5-B44D-97D9-A610FC247CAE}" type="datetimeFigureOut">
               <a:rPr lang="en-US" smtClean="0"/>
-              <a:t>5/24/19</a:t>
+              <a:t>5/27/19</a:t>
             </a:fld>
             <a:endParaRPr lang="en-US"/>
           </a:p>
@@ -2593,7 +2597,7 @@
           <a:p>
             <a:fld id="{60043135-91C5-B44D-97D9-A610FC247CAE}" type="datetimeFigureOut">
               <a:rPr lang="en-US" smtClean="0"/>
-              <a:t>5/24/19</a:t>
+              <a:t>5/27/19</a:t>
             </a:fld>
             <a:endParaRPr lang="en-US"/>
           </a:p>
@@ -4424,6 +4428,13 @@
   <p:clrMapOvr>
     <a:masterClrMapping/>
   </p:clrMapOvr>
+  <p:timing>
+    <p:tnLst>
+      <p:par>
+        <p:cTn id="1" dur="indefinite" restart="never" nodeType="tmRoot"/>
+      </p:par>
+    </p:tnLst>
+  </p:timing>
 </p:sld>
 </file>
 
@@ -4581,6 +4592,13 @@
   <p:clrMapOvr>
     <a:masterClrMapping/>
   </p:clrMapOvr>
+  <p:timing>
+    <p:tnLst>
+      <p:par>
+        <p:cTn id="1" dur="indefinite" restart="never" nodeType="tmRoot"/>
+      </p:par>
+    </p:tnLst>
+  </p:timing>
 </p:sld>
 </file>
 
@@ -4702,6 +4720,13 @@
   <p:clrMapOvr>
     <a:masterClrMapping/>
   </p:clrMapOvr>
+  <p:timing>
+    <p:tnLst>
+      <p:par>
+        <p:cTn id="1" dur="indefinite" restart="never" nodeType="tmRoot"/>
+      </p:par>
+    </p:tnLst>
+  </p:timing>
 </p:sld>
 </file>
 
@@ -4926,6 +4951,13 @@
   <p:clrMapOvr>
     <a:masterClrMapping/>
   </p:clrMapOvr>
+  <p:timing>
+    <p:tnLst>
+      <p:par>
+        <p:cTn id="1" dur="indefinite" restart="never" nodeType="tmRoot"/>
+      </p:par>
+    </p:tnLst>
+  </p:timing>
 </p:sld>
 </file>
 
@@ -5084,6 +5116,623 @@
           <a:lstStyle/>
           <a:p>
             <a:r>
+              <a:rPr lang="en-US" b="1" dirty="0"/>
+              <a:t>MySQL </a:t>
+            </a:r>
+            <a:r>
+              <a:rPr lang="en-US" b="1" dirty="0" smtClean="0"/>
+              <a:t>事务</a:t>
+            </a:r>
+            <a:endParaRPr lang="en-US" dirty="0"/>
+          </a:p>
+        </p:txBody>
+      </p:sp>
+      <p:sp>
+        <p:nvSpPr>
+          <p:cNvPr id="3" name="Content Placeholder 2"/>
+          <p:cNvSpPr>
+            <a:spLocks noGrp="1"/>
+          </p:cNvSpPr>
+          <p:nvPr>
+            <p:ph idx="1"/>
+          </p:nvPr>
+        </p:nvSpPr>
+        <p:spPr/>
+        <p:txBody>
+          <a:bodyPr/>
+          <a:lstStyle/>
+          <a:p>
+            <a:pPr latinLnBrk="1"/>
+            <a:r>
+              <a:rPr lang="zh-CN" altLang="en-US" dirty="0"/>
+              <a:t>在 </a:t>
+            </a:r>
+            <a:r>
+              <a:rPr lang="en-US" altLang="zh-CN" dirty="0"/>
+              <a:t>MySQL </a:t>
+            </a:r>
+            <a:r>
+              <a:rPr lang="zh-CN" altLang="en-US" dirty="0"/>
+              <a:t>中只有使用了 </a:t>
+            </a:r>
+            <a:r>
+              <a:rPr lang="en-US" altLang="zh-CN" dirty="0" err="1"/>
+              <a:t>Innodb</a:t>
+            </a:r>
+            <a:r>
+              <a:rPr lang="en-US" altLang="zh-CN" dirty="0"/>
+              <a:t> </a:t>
+            </a:r>
+            <a:r>
+              <a:rPr lang="zh-CN" altLang="en-US" dirty="0"/>
+              <a:t>数据库引擎的数据库或表才支持事务。</a:t>
+            </a:r>
+          </a:p>
+          <a:p>
+            <a:pPr latinLnBrk="1"/>
+            <a:r>
+              <a:rPr lang="zh-CN" altLang="en-US" dirty="0"/>
+              <a:t>事务处理可以用来维护数据库的完整性，保证成批的 </a:t>
+            </a:r>
+            <a:r>
+              <a:rPr lang="en-US" altLang="zh-CN" dirty="0"/>
+              <a:t>SQL </a:t>
+            </a:r>
+            <a:r>
+              <a:rPr lang="zh-CN" altLang="en-US" dirty="0"/>
+              <a:t>语句要么全部执行，要么全部不执行。</a:t>
+            </a:r>
+          </a:p>
+          <a:p>
+            <a:pPr latinLnBrk="1"/>
+            <a:r>
+              <a:rPr lang="zh-CN" altLang="en-US" dirty="0"/>
+              <a:t>事务用来管理 </a:t>
+            </a:r>
+            <a:r>
+              <a:rPr lang="en-US" altLang="zh-CN" dirty="0" err="1"/>
+              <a:t>insert,update,delete</a:t>
+            </a:r>
+            <a:r>
+              <a:rPr lang="en-US" altLang="zh-CN" dirty="0"/>
+              <a:t> </a:t>
+            </a:r>
+            <a:r>
+              <a:rPr lang="zh-CN" altLang="en-US" dirty="0" smtClean="0"/>
+              <a:t>语句</a:t>
+            </a:r>
+            <a:endParaRPr lang="zh-CN" altLang="en-US" dirty="0"/>
+          </a:p>
+        </p:txBody>
+      </p:sp>
+    </p:spTree>
+    <p:extLst>
+      <p:ext uri="{BB962C8B-B14F-4D97-AF65-F5344CB8AC3E}">
+        <p14:creationId xmlns:p14="http://schemas.microsoft.com/office/powerpoint/2010/main" val="611667008"/>
+      </p:ext>
+    </p:extLst>
+  </p:cSld>
+  <p:clrMapOvr>
+    <a:masterClrMapping/>
+  </p:clrMapOvr>
+  <p:timing>
+    <p:tnLst>
+      <p:par>
+        <p:cTn id="1" dur="indefinite" restart="never" nodeType="tmRoot"/>
+      </p:par>
+    </p:tnLst>
+  </p:timing>
+</p:sld>
+</file>
+
+<file path=ppt/slides/slide23.xml><?xml version="1.0" encoding="utf-8"?>
+<p:sld xmlns:a="http://schemas.openxmlformats.org/drawingml/2006/main" xmlns:r="http://schemas.openxmlformats.org/officeDocument/2006/relationships" xmlns:p="http://schemas.openxmlformats.org/presentationml/2006/main">
+  <p:cSld>
+    <p:spTree>
+      <p:nvGrpSpPr>
+        <p:cNvPr id="1" name=""/>
+        <p:cNvGrpSpPr/>
+        <p:nvPr/>
+      </p:nvGrpSpPr>
+      <p:grpSpPr>
+        <a:xfrm>
+          <a:off x="0" y="0"/>
+          <a:ext cx="0" cy="0"/>
+          <a:chOff x="0" y="0"/>
+          <a:chExt cx="0" cy="0"/>
+        </a:xfrm>
+      </p:grpSpPr>
+      <p:sp>
+        <p:nvSpPr>
+          <p:cNvPr id="2" name="Title 1"/>
+          <p:cNvSpPr>
+            <a:spLocks noGrp="1"/>
+          </p:cNvSpPr>
+          <p:nvPr>
+            <p:ph type="title"/>
+          </p:nvPr>
+        </p:nvSpPr>
+        <p:spPr/>
+        <p:txBody>
+          <a:bodyPr/>
+          <a:lstStyle/>
+          <a:p>
+            <a:r>
+              <a:rPr lang="zh-CN" altLang="en-US" dirty="0" smtClean="0"/>
+              <a:t>事务的四个特性？</a:t>
+            </a:r>
+            <a:endParaRPr lang="en-US" dirty="0"/>
+          </a:p>
+        </p:txBody>
+      </p:sp>
+      <p:sp>
+        <p:nvSpPr>
+          <p:cNvPr id="3" name="Content Placeholder 2"/>
+          <p:cNvSpPr>
+            <a:spLocks noGrp="1"/>
+          </p:cNvSpPr>
+          <p:nvPr>
+            <p:ph idx="1"/>
+          </p:nvPr>
+        </p:nvSpPr>
+        <p:spPr>
+          <a:xfrm>
+            <a:off x="838200" y="1825624"/>
+            <a:ext cx="10515600" cy="4746625"/>
+          </a:xfrm>
+        </p:spPr>
+        <p:txBody>
+          <a:bodyPr>
+            <a:normAutofit fontScale="85000" lnSpcReduction="20000"/>
+          </a:bodyPr>
+          <a:lstStyle/>
+          <a:p>
+            <a:pPr>
+              <a:lnSpc>
+                <a:spcPct val="110000"/>
+              </a:lnSpc>
+            </a:pPr>
+            <a:r>
+              <a:rPr lang="zh-CN" altLang="en-US" dirty="0"/>
+              <a:t>一般来说，事务是必须满足</a:t>
+            </a:r>
+            <a:r>
+              <a:rPr lang="en-US" altLang="zh-CN" dirty="0"/>
+              <a:t>4</a:t>
+            </a:r>
+            <a:r>
+              <a:rPr lang="zh-CN" altLang="en-US" dirty="0"/>
+              <a:t>个条件（</a:t>
+            </a:r>
+            <a:r>
+              <a:rPr lang="en-US" altLang="zh-CN" dirty="0"/>
+              <a:t>ACID</a:t>
+            </a:r>
+            <a:r>
+              <a:rPr lang="zh-CN" altLang="en-US" dirty="0"/>
+              <a:t>）：：原子性（</a:t>
+            </a:r>
+            <a:r>
+              <a:rPr lang="en-US" altLang="zh-CN" b="1" dirty="0"/>
+              <a:t>A</a:t>
+            </a:r>
+            <a:r>
+              <a:rPr lang="en-US" altLang="zh-CN" dirty="0"/>
+              <a:t>tomicity</a:t>
+            </a:r>
+            <a:r>
+              <a:rPr lang="zh-CN" altLang="en-US" dirty="0"/>
+              <a:t>，或称不可分割性）、一致性（</a:t>
+            </a:r>
+            <a:r>
+              <a:rPr lang="en-US" altLang="zh-CN" b="1" dirty="0"/>
+              <a:t>C</a:t>
+            </a:r>
+            <a:r>
+              <a:rPr lang="en-US" altLang="zh-CN" dirty="0"/>
+              <a:t>onsistency</a:t>
+            </a:r>
+            <a:r>
+              <a:rPr lang="zh-CN" altLang="en-US" dirty="0"/>
+              <a:t>）、隔离性（</a:t>
+            </a:r>
+            <a:r>
+              <a:rPr lang="en-US" altLang="zh-CN" b="1" dirty="0"/>
+              <a:t>I</a:t>
+            </a:r>
+            <a:r>
+              <a:rPr lang="en-US" altLang="zh-CN" dirty="0"/>
+              <a:t>solation</a:t>
+            </a:r>
+            <a:r>
+              <a:rPr lang="zh-CN" altLang="en-US" dirty="0"/>
+              <a:t>，又称独立性）、持久性（</a:t>
+            </a:r>
+            <a:r>
+              <a:rPr lang="en-US" altLang="zh-CN" b="1" dirty="0"/>
+              <a:t>D</a:t>
+            </a:r>
+            <a:r>
+              <a:rPr lang="en-US" altLang="zh-CN" dirty="0"/>
+              <a:t>urability</a:t>
+            </a:r>
+            <a:r>
+              <a:rPr lang="zh-CN" altLang="en-US" dirty="0"/>
+              <a:t>）</a:t>
+            </a:r>
+            <a:r>
+              <a:rPr lang="zh-CN" altLang="en-US" dirty="0" smtClean="0"/>
+              <a:t>。</a:t>
+            </a:r>
+            <a:endParaRPr lang="en-US" altLang="zh-CN" dirty="0" smtClean="0"/>
+          </a:p>
+          <a:p>
+            <a:pPr lvl="1" latinLnBrk="1">
+              <a:lnSpc>
+                <a:spcPct val="110000"/>
+              </a:lnSpc>
+            </a:pPr>
+            <a:r>
+              <a:rPr lang="zh-CN" altLang="en-US" b="1" dirty="0"/>
+              <a:t>原子性：</a:t>
+            </a:r>
+            <a:r>
+              <a:rPr lang="zh-CN" altLang="en-US" dirty="0"/>
+              <a:t>一个事务（</a:t>
+            </a:r>
+            <a:r>
+              <a:rPr lang="en-US" altLang="zh-CN" dirty="0"/>
+              <a:t>transaction</a:t>
+            </a:r>
+            <a:r>
+              <a:rPr lang="zh-CN" altLang="en-US" dirty="0"/>
+              <a:t>）中的所有操作，要么全部完成，要么全部不完成，不会结束在中间某个环节。事务在执行过程中发生错误，会被回滚（</a:t>
+            </a:r>
+            <a:r>
+              <a:rPr lang="en-US" altLang="zh-CN" dirty="0"/>
+              <a:t>Rollback</a:t>
+            </a:r>
+            <a:r>
+              <a:rPr lang="zh-CN" altLang="en-US" dirty="0"/>
+              <a:t>）到事务开始前的状态，就像这个事务从来没有执行过一样。</a:t>
+            </a:r>
+          </a:p>
+          <a:p>
+            <a:pPr lvl="1" latinLnBrk="1">
+              <a:lnSpc>
+                <a:spcPct val="110000"/>
+              </a:lnSpc>
+            </a:pPr>
+            <a:r>
+              <a:rPr lang="zh-CN" altLang="en-US" b="1" dirty="0"/>
+              <a:t>一致性：</a:t>
+            </a:r>
+            <a:r>
+              <a:rPr lang="zh-CN" altLang="en-US" dirty="0"/>
+              <a:t>在事务开始之前和事务结束以后，数据库的完整性没有被破坏。这表示写入的资料必须完全符合所有的预设规则，这包含资料的精确度、串联性以及后续数据库可以自发性地完成预定的工作。</a:t>
+            </a:r>
+          </a:p>
+          <a:p>
+            <a:pPr lvl="1" latinLnBrk="1">
+              <a:lnSpc>
+                <a:spcPct val="110000"/>
+              </a:lnSpc>
+            </a:pPr>
+            <a:r>
+              <a:rPr lang="zh-CN" altLang="en-US" b="1" dirty="0"/>
+              <a:t>隔离性：</a:t>
+            </a:r>
+            <a:r>
+              <a:rPr lang="zh-CN" altLang="en-US" dirty="0"/>
+              <a:t>数据库允许多个并发事务同时对其数据进行读写和修改的能力，隔离性可以防止多个事务并发执行时由于交叉执行而导致数据的不一致。事务隔离分为不同级别，包括读未提交（</a:t>
+            </a:r>
+            <a:r>
+              <a:rPr lang="en-US" altLang="zh-CN" dirty="0"/>
+              <a:t>Read uncommitted</a:t>
+            </a:r>
+            <a:r>
+              <a:rPr lang="zh-CN" altLang="en-US" dirty="0"/>
+              <a:t>）、读提交（</a:t>
+            </a:r>
+            <a:r>
+              <a:rPr lang="en-US" altLang="zh-CN" dirty="0"/>
+              <a:t>read committed</a:t>
+            </a:r>
+            <a:r>
+              <a:rPr lang="zh-CN" altLang="en-US" dirty="0"/>
+              <a:t>）、可重复读（</a:t>
+            </a:r>
+            <a:r>
+              <a:rPr lang="en-US" altLang="zh-CN" dirty="0"/>
+              <a:t>repeatable read</a:t>
+            </a:r>
+            <a:r>
+              <a:rPr lang="zh-CN" altLang="en-US" dirty="0"/>
+              <a:t>）和串行化（</a:t>
+            </a:r>
+            <a:r>
+              <a:rPr lang="en-US" altLang="zh-CN" dirty="0"/>
+              <a:t>Serializable</a:t>
+            </a:r>
+            <a:r>
+              <a:rPr lang="zh-CN" altLang="en-US" dirty="0"/>
+              <a:t>）。</a:t>
+            </a:r>
+          </a:p>
+          <a:p>
+            <a:pPr lvl="1" latinLnBrk="1">
+              <a:lnSpc>
+                <a:spcPct val="110000"/>
+              </a:lnSpc>
+            </a:pPr>
+            <a:r>
+              <a:rPr lang="zh-CN" altLang="en-US" b="1" dirty="0"/>
+              <a:t>持久性：</a:t>
+            </a:r>
+            <a:r>
+              <a:rPr lang="zh-CN" altLang="en-US" dirty="0"/>
+              <a:t>事务处理结束后，对数据的修改就是永久的，即便系统故障也不会</a:t>
+            </a:r>
+            <a:r>
+              <a:rPr lang="zh-CN" altLang="en-US" dirty="0" smtClean="0"/>
+              <a:t>丢失</a:t>
+            </a:r>
+            <a:endParaRPr lang="zh-CN" altLang="en-US" dirty="0"/>
+          </a:p>
+        </p:txBody>
+      </p:sp>
+    </p:spTree>
+    <p:extLst>
+      <p:ext uri="{BB962C8B-B14F-4D97-AF65-F5344CB8AC3E}">
+        <p14:creationId xmlns:p14="http://schemas.microsoft.com/office/powerpoint/2010/main" val="126661543"/>
+      </p:ext>
+    </p:extLst>
+  </p:cSld>
+  <p:clrMapOvr>
+    <a:masterClrMapping/>
+  </p:clrMapOvr>
+  <p:timing>
+    <p:tnLst>
+      <p:par>
+        <p:cTn id="1" dur="indefinite" restart="never" nodeType="tmRoot">
+          <p:childTnLst>
+            <p:seq concurrent="1" nextAc="seek">
+              <p:cTn id="2" dur="indefinite" nodeType="mainSeq">
+                <p:childTnLst>
+                  <p:par>
+                    <p:cTn id="3" fill="hold">
+                      <p:stCondLst>
+                        <p:cond delay="indefinite"/>
+                      </p:stCondLst>
+                      <p:childTnLst>
+                        <p:par>
+                          <p:cTn id="4" fill="hold">
+                            <p:stCondLst>
+                              <p:cond delay="0"/>
+                            </p:stCondLst>
+                            <p:childTnLst>
+                              <p:par>
+                                <p:cTn id="5" presetID="1" presetClass="entr" presetSubtype="0" fill="hold" grpId="0" nodeType="clickEffect">
+                                  <p:stCondLst>
+                                    <p:cond delay="0"/>
+                                  </p:stCondLst>
+                                  <p:childTnLst>
+                                    <p:set>
+                                      <p:cBhvr>
+                                        <p:cTn id="6" dur="1" fill="hold">
+                                          <p:stCondLst>
+                                            <p:cond delay="0"/>
+                                          </p:stCondLst>
+                                        </p:cTn>
+                                        <p:tgtEl>
+                                          <p:spTgt spid="3">
+                                            <p:txEl>
+                                              <p:pRg st="0" end="0"/>
+                                            </p:txEl>
+                                          </p:spTgt>
+                                        </p:tgtEl>
+                                        <p:attrNameLst>
+                                          <p:attrName>style.visibility</p:attrName>
+                                        </p:attrNameLst>
+                                      </p:cBhvr>
+                                      <p:to>
+                                        <p:strVal val="visible"/>
+                                      </p:to>
+                                    </p:set>
+                                  </p:childTnLst>
+                                </p:cTn>
+                              </p:par>
+                              <p:par>
+                                <p:cTn id="7" presetID="1" presetClass="entr" presetSubtype="0" fill="hold" grpId="0" nodeType="withEffect">
+                                  <p:stCondLst>
+                                    <p:cond delay="0"/>
+                                  </p:stCondLst>
+                                  <p:childTnLst>
+                                    <p:set>
+                                      <p:cBhvr>
+                                        <p:cTn id="8" dur="1" fill="hold">
+                                          <p:stCondLst>
+                                            <p:cond delay="0"/>
+                                          </p:stCondLst>
+                                        </p:cTn>
+                                        <p:tgtEl>
+                                          <p:spTgt spid="3">
+                                            <p:txEl>
+                                              <p:pRg st="1" end="1"/>
+                                            </p:txEl>
+                                          </p:spTgt>
+                                        </p:tgtEl>
+                                        <p:attrNameLst>
+                                          <p:attrName>style.visibility</p:attrName>
+                                        </p:attrNameLst>
+                                      </p:cBhvr>
+                                      <p:to>
+                                        <p:strVal val="visible"/>
+                                      </p:to>
+                                    </p:set>
+                                  </p:childTnLst>
+                                </p:cTn>
+                              </p:par>
+                              <p:par>
+                                <p:cTn id="9" presetID="1" presetClass="entr" presetSubtype="0" fill="hold" grpId="0" nodeType="withEffect">
+                                  <p:stCondLst>
+                                    <p:cond delay="0"/>
+                                  </p:stCondLst>
+                                  <p:childTnLst>
+                                    <p:set>
+                                      <p:cBhvr>
+                                        <p:cTn id="10" dur="1" fill="hold">
+                                          <p:stCondLst>
+                                            <p:cond delay="0"/>
+                                          </p:stCondLst>
+                                        </p:cTn>
+                                        <p:tgtEl>
+                                          <p:spTgt spid="3">
+                                            <p:txEl>
+                                              <p:pRg st="2" end="2"/>
+                                            </p:txEl>
+                                          </p:spTgt>
+                                        </p:tgtEl>
+                                        <p:attrNameLst>
+                                          <p:attrName>style.visibility</p:attrName>
+                                        </p:attrNameLst>
+                                      </p:cBhvr>
+                                      <p:to>
+                                        <p:strVal val="visible"/>
+                                      </p:to>
+                                    </p:set>
+                                  </p:childTnLst>
+                                </p:cTn>
+                              </p:par>
+                              <p:par>
+                                <p:cTn id="11" presetID="1" presetClass="entr" presetSubtype="0" fill="hold" grpId="0" nodeType="withEffect">
+                                  <p:stCondLst>
+                                    <p:cond delay="0"/>
+                                  </p:stCondLst>
+                                  <p:childTnLst>
+                                    <p:set>
+                                      <p:cBhvr>
+                                        <p:cTn id="12" dur="1" fill="hold">
+                                          <p:stCondLst>
+                                            <p:cond delay="0"/>
+                                          </p:stCondLst>
+                                        </p:cTn>
+                                        <p:tgtEl>
+                                          <p:spTgt spid="3">
+                                            <p:txEl>
+                                              <p:pRg st="3" end="3"/>
+                                            </p:txEl>
+                                          </p:spTgt>
+                                        </p:tgtEl>
+                                        <p:attrNameLst>
+                                          <p:attrName>style.visibility</p:attrName>
+                                        </p:attrNameLst>
+                                      </p:cBhvr>
+                                      <p:to>
+                                        <p:strVal val="visible"/>
+                                      </p:to>
+                                    </p:set>
+                                  </p:childTnLst>
+                                </p:cTn>
+                              </p:par>
+                              <p:par>
+                                <p:cTn id="13" presetID="1" presetClass="entr" presetSubtype="0" fill="hold" grpId="0" nodeType="withEffect">
+                                  <p:stCondLst>
+                                    <p:cond delay="0"/>
+                                  </p:stCondLst>
+                                  <p:childTnLst>
+                                    <p:set>
+                                      <p:cBhvr>
+                                        <p:cTn id="14" dur="1" fill="hold">
+                                          <p:stCondLst>
+                                            <p:cond delay="0"/>
+                                          </p:stCondLst>
+                                        </p:cTn>
+                                        <p:tgtEl>
+                                          <p:spTgt spid="3">
+                                            <p:txEl>
+                                              <p:pRg st="4" end="4"/>
+                                            </p:txEl>
+                                          </p:spTgt>
+                                        </p:tgtEl>
+                                        <p:attrNameLst>
+                                          <p:attrName>style.visibility</p:attrName>
+                                        </p:attrNameLst>
+                                      </p:cBhvr>
+                                      <p:to>
+                                        <p:strVal val="visible"/>
+                                      </p:to>
+                                    </p:set>
+                                  </p:childTnLst>
+                                </p:cTn>
+                              </p:par>
+                            </p:childTnLst>
+                          </p:cTn>
+                        </p:par>
+                      </p:childTnLst>
+                    </p:cTn>
+                  </p:par>
+                </p:childTnLst>
+              </p:cTn>
+              <p:prevCondLst>
+                <p:cond evt="onPrev" delay="0">
+                  <p:tgtEl>
+                    <p:sldTgt/>
+                  </p:tgtEl>
+                </p:cond>
+              </p:prevCondLst>
+              <p:nextCondLst>
+                <p:cond evt="onNext" delay="0">
+                  <p:tgtEl>
+                    <p:sldTgt/>
+                  </p:tgtEl>
+                </p:cond>
+              </p:nextCondLst>
+            </p:seq>
+          </p:childTnLst>
+        </p:cTn>
+      </p:par>
+    </p:tnLst>
+    <p:bldLst>
+      <p:bldP spid="3" grpId="0" build="p"/>
+    </p:bldLst>
+  </p:timing>
+</p:sld>
+</file>
+
+<file path=ppt/slides/slide24.xml><?xml version="1.0" encoding="utf-8"?>
+<p:sld xmlns:a="http://schemas.openxmlformats.org/drawingml/2006/main" xmlns:r="http://schemas.openxmlformats.org/officeDocument/2006/relationships" xmlns:p="http://schemas.openxmlformats.org/presentationml/2006/main">
+  <p:cSld>
+    <p:spTree>
+      <p:nvGrpSpPr>
+        <p:cNvPr id="1" name=""/>
+        <p:cNvGrpSpPr/>
+        <p:nvPr/>
+      </p:nvGrpSpPr>
+      <p:grpSpPr>
+        <a:xfrm>
+          <a:off x="0" y="0"/>
+          <a:ext cx="0" cy="0"/>
+          <a:chOff x="0" y="0"/>
+          <a:chExt cx="0" cy="0"/>
+        </a:xfrm>
+      </p:grpSpPr>
+      <p:sp>
+        <p:nvSpPr>
+          <p:cNvPr id="2" name="Title 1"/>
+          <p:cNvSpPr>
+            <a:spLocks noGrp="1"/>
+          </p:cNvSpPr>
+          <p:nvPr>
+            <p:ph type="title"/>
+          </p:nvPr>
+        </p:nvSpPr>
+        <p:spPr/>
+        <p:txBody>
+          <a:bodyPr/>
+          <a:lstStyle/>
+          <a:p>
+            <a:r>
               <a:rPr lang="zh-CN" altLang="en-US" dirty="0" smtClean="0"/>
               <a:t>数据库隔离级别</a:t>
             </a:r>
@@ -5144,10 +5793,17 @@
   <p:clrMapOvr>
     <a:masterClrMapping/>
   </p:clrMapOvr>
+  <p:timing>
+    <p:tnLst>
+      <p:par>
+        <p:cTn id="1" dur="indefinite" restart="never" nodeType="tmRoot"/>
+      </p:par>
+    </p:tnLst>
+  </p:timing>
 </p:sld>
 </file>
 
-<file path=ppt/slides/slide23.xml><?xml version="1.0" encoding="utf-8"?>
+<file path=ppt/slides/slide25.xml><?xml version="1.0" encoding="utf-8"?>
 <p:sld xmlns:a="http://schemas.openxmlformats.org/drawingml/2006/main" xmlns:r="http://schemas.openxmlformats.org/officeDocument/2006/relationships" xmlns:p="http://schemas.openxmlformats.org/presentationml/2006/main">
   <p:cSld>
     <p:spTree>
@@ -5240,10 +5896,17 @@
   <p:clrMapOvr>
     <a:masterClrMapping/>
   </p:clrMapOvr>
+  <p:timing>
+    <p:tnLst>
+      <p:par>
+        <p:cTn id="1" dur="indefinite" restart="never" nodeType="tmRoot"/>
+      </p:par>
+    </p:tnLst>
+  </p:timing>
 </p:sld>
 </file>
 
-<file path=ppt/slides/slide24.xml><?xml version="1.0" encoding="utf-8"?>
+<file path=ppt/slides/slide26.xml><?xml version="1.0" encoding="utf-8"?>
 <p:sld xmlns:a="http://schemas.openxmlformats.org/drawingml/2006/main" xmlns:r="http://schemas.openxmlformats.org/officeDocument/2006/relationships" xmlns:p="http://schemas.openxmlformats.org/presentationml/2006/main">
   <p:cSld>
     <p:spTree>
@@ -5336,10 +5999,17 @@
   <p:clrMapOvr>
     <a:masterClrMapping/>
   </p:clrMapOvr>
+  <p:timing>
+    <p:tnLst>
+      <p:par>
+        <p:cTn id="1" dur="indefinite" restart="never" nodeType="tmRoot"/>
+      </p:par>
+    </p:tnLst>
+  </p:timing>
 </p:sld>
 </file>
 
-<file path=ppt/slides/slide25.xml><?xml version="1.0" encoding="utf-8"?>
+<file path=ppt/slides/slide27.xml><?xml version="1.0" encoding="utf-8"?>
 <p:sld xmlns:a="http://schemas.openxmlformats.org/drawingml/2006/main" xmlns:r="http://schemas.openxmlformats.org/officeDocument/2006/relationships" xmlns:p="http://schemas.openxmlformats.org/presentationml/2006/main">
   <p:cSld>
     <p:spTree>
@@ -5432,10 +6102,17 @@
   <p:clrMapOvr>
     <a:masterClrMapping/>
   </p:clrMapOvr>
+  <p:timing>
+    <p:tnLst>
+      <p:par>
+        <p:cTn id="1" dur="indefinite" restart="never" nodeType="tmRoot"/>
+      </p:par>
+    </p:tnLst>
+  </p:timing>
 </p:sld>
 </file>
 
-<file path=ppt/slides/slide26.xml><?xml version="1.0" encoding="utf-8"?>
+<file path=ppt/slides/slide28.xml><?xml version="1.0" encoding="utf-8"?>
 <p:sld xmlns:a="http://schemas.openxmlformats.org/drawingml/2006/main" xmlns:r="http://schemas.openxmlformats.org/officeDocument/2006/relationships" xmlns:p="http://schemas.openxmlformats.org/presentationml/2006/main">
   <p:cSld>
     <p:spTree>
@@ -5552,10 +6229,17 @@
   <p:clrMapOvr>
     <a:masterClrMapping/>
   </p:clrMapOvr>
+  <p:timing>
+    <p:tnLst>
+      <p:par>
+        <p:cTn id="1" dur="indefinite" restart="never" nodeType="tmRoot"/>
+      </p:par>
+    </p:tnLst>
+  </p:timing>
 </p:sld>
 </file>
 
-<file path=ppt/slides/slide27.xml><?xml version="1.0" encoding="utf-8"?>
+<file path=ppt/slides/slide29.xml><?xml version="1.0" encoding="utf-8"?>
 <p:sld xmlns:a="http://schemas.openxmlformats.org/drawingml/2006/main" xmlns:r="http://schemas.openxmlformats.org/officeDocument/2006/relationships" xmlns:p="http://schemas.openxmlformats.org/presentationml/2006/main">
   <p:cSld>
     <p:spTree>
@@ -5740,10 +6424,118 @@
   <p:clrMapOvr>
     <a:masterClrMapping/>
   </p:clrMapOvr>
+  <p:timing>
+    <p:tnLst>
+      <p:par>
+        <p:cTn id="1" dur="indefinite" restart="never" nodeType="tmRoot"/>
+      </p:par>
+    </p:tnLst>
+  </p:timing>
 </p:sld>
 </file>
 
-<file path=ppt/slides/slide28.xml><?xml version="1.0" encoding="utf-8"?>
+<file path=ppt/slides/slide3.xml><?xml version="1.0" encoding="utf-8"?>
+<p:sld xmlns:a="http://schemas.openxmlformats.org/drawingml/2006/main" xmlns:r="http://schemas.openxmlformats.org/officeDocument/2006/relationships" xmlns:p="http://schemas.openxmlformats.org/presentationml/2006/main">
+  <p:cSld>
+    <p:spTree>
+      <p:nvGrpSpPr>
+        <p:cNvPr id="1" name=""/>
+        <p:cNvGrpSpPr/>
+        <p:nvPr/>
+      </p:nvGrpSpPr>
+      <p:grpSpPr>
+        <a:xfrm>
+          <a:off x="0" y="0"/>
+          <a:ext cx="0" cy="0"/>
+          <a:chOff x="0" y="0"/>
+          <a:chExt cx="0" cy="0"/>
+        </a:xfrm>
+      </p:grpSpPr>
+      <p:sp>
+        <p:nvSpPr>
+          <p:cNvPr id="2" name="Title 1"/>
+          <p:cNvSpPr>
+            <a:spLocks noGrp="1"/>
+          </p:cNvSpPr>
+          <p:nvPr>
+            <p:ph type="title"/>
+          </p:nvPr>
+        </p:nvSpPr>
+        <p:spPr/>
+        <p:txBody>
+          <a:bodyPr/>
+          <a:lstStyle/>
+          <a:p>
+            <a:r>
+              <a:rPr lang="en-US" altLang="zh-CN" dirty="0" smtClean="0"/>
+              <a:t>MySQL</a:t>
+            </a:r>
+            <a:r>
+              <a:rPr lang="zh-CN" altLang="en-US" dirty="0" smtClean="0"/>
+              <a:t>优点</a:t>
+            </a:r>
+            <a:endParaRPr lang="en-US" dirty="0"/>
+          </a:p>
+        </p:txBody>
+      </p:sp>
+      <p:sp>
+        <p:nvSpPr>
+          <p:cNvPr id="3" name="Content Placeholder 2"/>
+          <p:cNvSpPr>
+            <a:spLocks noGrp="1"/>
+          </p:cNvSpPr>
+          <p:nvPr>
+            <p:ph idx="1"/>
+          </p:nvPr>
+        </p:nvSpPr>
+        <p:spPr/>
+        <p:txBody>
+          <a:bodyPr/>
+          <a:lstStyle/>
+          <a:p>
+            <a:r>
+              <a:rPr lang="zh-CN" altLang="en-US" dirty="0" smtClean="0"/>
+              <a:t>简单易用</a:t>
+            </a:r>
+            <a:endParaRPr lang="en-US" altLang="zh-CN" dirty="0" smtClean="0"/>
+          </a:p>
+          <a:p>
+            <a:r>
+              <a:rPr lang="zh-CN" altLang="en-US" dirty="0" smtClean="0"/>
+              <a:t>价格低</a:t>
+            </a:r>
+            <a:endParaRPr lang="en-US" altLang="zh-CN" dirty="0" smtClean="0"/>
+          </a:p>
+          <a:p>
+            <a:r>
+              <a:rPr lang="zh-CN" altLang="en-US" dirty="0" smtClean="0"/>
+              <a:t>性能高</a:t>
+            </a:r>
+            <a:endParaRPr lang="en-US" altLang="zh-CN" dirty="0" smtClean="0"/>
+          </a:p>
+          <a:p>
+            <a:r>
+              <a:rPr lang="zh-CN" altLang="en-US" dirty="0" smtClean="0"/>
+              <a:t>可移植性高</a:t>
+            </a:r>
+            <a:endParaRPr lang="en-US" altLang="zh-CN" dirty="0" smtClean="0"/>
+          </a:p>
+        </p:txBody>
+      </p:sp>
+    </p:spTree>
+    <p:extLst>
+      <p:ext uri="{BB962C8B-B14F-4D97-AF65-F5344CB8AC3E}">
+        <p14:creationId xmlns:p14="http://schemas.microsoft.com/office/powerpoint/2010/main" val="1170332910"/>
+      </p:ext>
+    </p:extLst>
+  </p:cSld>
+  <p:clrMapOvr>
+    <a:masterClrMapping/>
+  </p:clrMapOvr>
+</p:sld>
+</file>
+
+<file path=ppt/slides/slide30.xml><?xml version="1.0" encoding="utf-8"?>
 <p:sld xmlns:a="http://schemas.openxmlformats.org/drawingml/2006/main" xmlns:r="http://schemas.openxmlformats.org/officeDocument/2006/relationships" xmlns:p="http://schemas.openxmlformats.org/presentationml/2006/main">
   <p:cSld>
     <p:spTree>
@@ -5857,10 +6649,17 @@
   <p:clrMapOvr>
     <a:masterClrMapping/>
   </p:clrMapOvr>
+  <p:timing>
+    <p:tnLst>
+      <p:par>
+        <p:cTn id="1" dur="indefinite" restart="never" nodeType="tmRoot"/>
+      </p:par>
+    </p:tnLst>
+  </p:timing>
 </p:sld>
 </file>
 
-<file path=ppt/slides/slide29.xml><?xml version="1.0" encoding="utf-8"?>
+<file path=ppt/slides/slide31.xml><?xml version="1.0" encoding="utf-8"?>
 <p:sld xmlns:a="http://schemas.openxmlformats.org/drawingml/2006/main" xmlns:r="http://schemas.openxmlformats.org/officeDocument/2006/relationships" xmlns:p="http://schemas.openxmlformats.org/presentationml/2006/main">
   <p:cSld>
     <p:spTree>
@@ -5982,10 +6781,17 @@
   <p:clrMapOvr>
     <a:masterClrMapping/>
   </p:clrMapOvr>
+  <p:timing>
+    <p:tnLst>
+      <p:par>
+        <p:cTn id="1" dur="indefinite" restart="never" nodeType="tmRoot"/>
+      </p:par>
+    </p:tnLst>
+  </p:timing>
 </p:sld>
 </file>
 
-<file path=ppt/slides/slide3.xml><?xml version="1.0" encoding="utf-8"?>
+<file path=ppt/slides/slide32.xml><?xml version="1.0" encoding="utf-8"?>
 <p:sld xmlns:a="http://schemas.openxmlformats.org/drawingml/2006/main" xmlns:r="http://schemas.openxmlformats.org/officeDocument/2006/relationships" xmlns:p="http://schemas.openxmlformats.org/presentationml/2006/main">
   <p:cSld>
     <p:spTree>
@@ -6018,12 +6824,8 @@
           <a:lstStyle/>
           <a:p>
             <a:r>
-              <a:rPr lang="en-US" altLang="zh-CN" dirty="0" smtClean="0"/>
-              <a:t>MySQL</a:t>
-            </a:r>
-            <a:r>
-              <a:rPr lang="zh-CN" altLang="en-US" dirty="0" smtClean="0"/>
-              <a:t>优点</a:t>
+              <a:rPr lang="zh-CN" altLang="en-US" dirty="0" smtClean="0"/>
+              <a:t>数据库编码规约</a:t>
             </a:r>
             <a:endParaRPr lang="en-US" dirty="0"/>
           </a:p>
@@ -6045,48 +6847,182 @@
           <a:lstStyle/>
           <a:p>
             <a:r>
-              <a:rPr lang="zh-CN" altLang="en-US" dirty="0" smtClean="0"/>
-              <a:t>简单易用</a:t>
-            </a:r>
-            <a:endParaRPr lang="en-US" altLang="zh-CN" dirty="0" smtClean="0"/>
-          </a:p>
-          <a:p>
-            <a:r>
-              <a:rPr lang="zh-CN" altLang="en-US" dirty="0" smtClean="0"/>
-              <a:t>价格低</a:t>
-            </a:r>
-            <a:endParaRPr lang="en-US" altLang="zh-CN" dirty="0" smtClean="0"/>
-          </a:p>
-          <a:p>
-            <a:r>
-              <a:rPr lang="zh-CN" altLang="en-US" dirty="0" smtClean="0"/>
-              <a:t>性能高</a:t>
-            </a:r>
-            <a:endParaRPr lang="en-US" altLang="zh-CN" dirty="0" smtClean="0"/>
-          </a:p>
-          <a:p>
-            <a:r>
-              <a:rPr lang="zh-CN" altLang="en-US" dirty="0" smtClean="0"/>
-              <a:t>可移植性高</a:t>
-            </a:r>
-            <a:endParaRPr lang="en-US" altLang="zh-CN" dirty="0" smtClean="0"/>
+              <a:rPr lang="en-US" altLang="zh-CN" dirty="0"/>
+              <a:t>【</a:t>
+            </a:r>
+            <a:r>
+              <a:rPr lang="zh-CN" altLang="en-US" dirty="0"/>
+              <a:t>推荐</a:t>
+            </a:r>
+            <a:r>
+              <a:rPr lang="en-US" altLang="zh-CN" dirty="0"/>
+              <a:t>】</a:t>
+            </a:r>
+            <a:r>
+              <a:rPr lang="zh-CN" altLang="en-US" dirty="0"/>
+              <a:t>单表行数超过 </a:t>
+            </a:r>
+            <a:r>
+              <a:rPr lang="en-US" altLang="zh-CN" dirty="0"/>
+              <a:t>500 </a:t>
+            </a:r>
+            <a:r>
+              <a:rPr lang="zh-CN" altLang="en-US" dirty="0"/>
+              <a:t>万行或者单表容量超过 </a:t>
+            </a:r>
+            <a:r>
+              <a:rPr lang="en-US" altLang="zh-CN" dirty="0"/>
+              <a:t>2GB</a:t>
+            </a:r>
+            <a:r>
+              <a:rPr lang="zh-CN" altLang="en-US" dirty="0"/>
+              <a:t>，才推荐进行分库分表。 说明</a:t>
+            </a:r>
+            <a:r>
+              <a:rPr lang="en-US" altLang="zh-CN" dirty="0"/>
+              <a:t>:</a:t>
+            </a:r>
+            <a:r>
+              <a:rPr lang="zh-CN" altLang="en-US" dirty="0"/>
+              <a:t>如果预计三年后的数据量根本达不到这个级别，请不要在创建表时就分库分表。 </a:t>
+            </a:r>
+            <a:endParaRPr lang="zh-CN" altLang="en-US" dirty="0" smtClean="0"/>
+          </a:p>
+          <a:p>
+            <a:r>
+              <a:rPr lang="en-US" altLang="zh-CN" dirty="0"/>
+              <a:t>【</a:t>
+            </a:r>
+            <a:r>
+              <a:rPr lang="zh-CN" altLang="en-US" dirty="0"/>
+              <a:t>强制</a:t>
+            </a:r>
+            <a:r>
+              <a:rPr lang="en-US" altLang="zh-CN" dirty="0"/>
+              <a:t>】</a:t>
+            </a:r>
+            <a:r>
+              <a:rPr lang="zh-CN" altLang="en-US" dirty="0"/>
+              <a:t>超过三个表禁止 </a:t>
+            </a:r>
+            <a:r>
+              <a:rPr lang="en-US" altLang="zh-CN" dirty="0"/>
+              <a:t>join</a:t>
+            </a:r>
+            <a:r>
+              <a:rPr lang="zh-CN" altLang="en-US" dirty="0"/>
+              <a:t>。需要 </a:t>
+            </a:r>
+            <a:r>
+              <a:rPr lang="en-US" altLang="zh-CN" dirty="0"/>
+              <a:t>join </a:t>
+            </a:r>
+            <a:r>
+              <a:rPr lang="zh-CN" altLang="en-US" dirty="0"/>
+              <a:t>的字段，数据类型必须绝对一致</a:t>
+            </a:r>
+            <a:r>
+              <a:rPr lang="en-US" altLang="zh-CN" dirty="0"/>
+              <a:t>;</a:t>
+            </a:r>
+            <a:r>
+              <a:rPr lang="zh-CN" altLang="en-US" dirty="0"/>
+              <a:t>多表关联查询时， 保证被关联的字段需要有索引。</a:t>
+            </a:r>
+            <a:br>
+              <a:rPr lang="zh-CN" altLang="en-US" dirty="0"/>
+            </a:br>
+            <a:r>
+              <a:rPr lang="zh-CN" altLang="en-US" dirty="0"/>
+              <a:t>说明</a:t>
+            </a:r>
+            <a:r>
+              <a:rPr lang="en-US" altLang="zh-CN" dirty="0"/>
+              <a:t>:</a:t>
+            </a:r>
+            <a:r>
+              <a:rPr lang="zh-CN" altLang="en-US" dirty="0"/>
+              <a:t>即使双表 </a:t>
+            </a:r>
+            <a:r>
+              <a:rPr lang="en-US" altLang="zh-CN" dirty="0"/>
+              <a:t>join </a:t>
+            </a:r>
+            <a:r>
+              <a:rPr lang="zh-CN" altLang="en-US" dirty="0"/>
+              <a:t>也要注意表索引、</a:t>
+            </a:r>
+            <a:r>
+              <a:rPr lang="en-US" altLang="zh-CN" dirty="0"/>
+              <a:t>SQL </a:t>
+            </a:r>
+            <a:r>
+              <a:rPr lang="zh-CN" altLang="en-US" dirty="0"/>
+              <a:t>性能。 </a:t>
+            </a:r>
+          </a:p>
+          <a:p>
+            <a:r>
+              <a:rPr lang="en-US" altLang="zh-CN" dirty="0"/>
+              <a:t>【</a:t>
+            </a:r>
+            <a:r>
+              <a:rPr lang="zh-CN" altLang="en-US" dirty="0"/>
+              <a:t>强制</a:t>
+            </a:r>
+            <a:r>
+              <a:rPr lang="en-US" altLang="zh-CN" dirty="0"/>
+              <a:t>】</a:t>
+            </a:r>
+            <a:r>
+              <a:rPr lang="zh-CN" altLang="en-US" dirty="0"/>
+              <a:t>不得使用外键与级联，一切外键概念必须在应用层解决。 </a:t>
+            </a:r>
+          </a:p>
+          <a:p>
+            <a:r>
+              <a:rPr lang="en-US" altLang="zh-CN" dirty="0"/>
+              <a:t>【</a:t>
+            </a:r>
+            <a:r>
+              <a:rPr lang="zh-CN" altLang="en-US" dirty="0"/>
+              <a:t>强制</a:t>
+            </a:r>
+            <a:r>
+              <a:rPr lang="en-US" altLang="zh-CN" dirty="0"/>
+              <a:t>】</a:t>
+            </a:r>
+            <a:r>
+              <a:rPr lang="zh-CN" altLang="en-US" dirty="0"/>
+              <a:t>禁止使用存储过程，存储过程难以调试和扩展，更没有移植性。 </a:t>
+            </a:r>
+          </a:p>
+          <a:p>
+            <a:endParaRPr lang="en-US" dirty="0"/>
           </a:p>
         </p:txBody>
       </p:sp>
     </p:spTree>
     <p:extLst>
       <p:ext uri="{BB962C8B-B14F-4D97-AF65-F5344CB8AC3E}">
-        <p14:creationId xmlns:p14="http://schemas.microsoft.com/office/powerpoint/2010/main" val="1170332910"/>
+        <p14:creationId xmlns:p14="http://schemas.microsoft.com/office/powerpoint/2010/main" val="278687159"/>
       </p:ext>
     </p:extLst>
   </p:cSld>
   <p:clrMapOvr>
     <a:masterClrMapping/>
   </p:clrMapOvr>
+  <p:timing>
+    <p:tnLst>
+      <p:par>
+        <p:cTn id="1" dur="indefinite" restart="never" nodeType="tmRoot"/>
+      </p:par>
+    </p:tnLst>
+  </p:timing>
 </p:sld>
 </file>
 
-<file path=ppt/slides/slide30.xml><?xml version="1.0" encoding="utf-8"?>
+<file path=ppt/slides/slide33.xml><?xml version="1.0" encoding="utf-8"?>
 <p:sld xmlns:a="http://schemas.openxmlformats.org/drawingml/2006/main" xmlns:r="http://schemas.openxmlformats.org/officeDocument/2006/relationships" xmlns:p="http://schemas.openxmlformats.org/presentationml/2006/main">
   <p:cSld>
     <p:spTree>
@@ -6119,8 +7055,12 @@
           <a:lstStyle/>
           <a:p>
             <a:r>
-              <a:rPr lang="zh-CN" altLang="en-US" dirty="0" smtClean="0"/>
-              <a:t>数据库编码规约</a:t>
+              <a:rPr lang="en-US" altLang="zh-CN" dirty="0" smtClean="0"/>
+              <a:t>MySQL</a:t>
+            </a:r>
+            <a:r>
+              <a:rPr lang="zh-CN" altLang="en-US" dirty="0" smtClean="0"/>
+              <a:t>的索引</a:t>
             </a:r>
             <a:endParaRPr lang="en-US" dirty="0"/>
           </a:p>
@@ -6142,157 +7082,9 @@
           <a:lstStyle/>
           <a:p>
             <a:r>
-              <a:rPr lang="en-US" altLang="zh-CN" dirty="0"/>
-              <a:t>【</a:t>
-            </a:r>
-            <a:r>
-              <a:rPr lang="zh-CN" altLang="en-US" dirty="0"/>
-              <a:t>推荐</a:t>
-            </a:r>
-            <a:r>
-              <a:rPr lang="en-US" altLang="zh-CN" dirty="0"/>
-              <a:t>】</a:t>
-            </a:r>
-            <a:r>
-              <a:rPr lang="zh-CN" altLang="en-US" dirty="0"/>
-              <a:t>单表行数超过 </a:t>
-            </a:r>
-            <a:r>
-              <a:rPr lang="en-US" altLang="zh-CN" dirty="0"/>
-              <a:t>500 </a:t>
-            </a:r>
-            <a:r>
-              <a:rPr lang="zh-CN" altLang="en-US" dirty="0"/>
-              <a:t>万行或者单表容量超过 </a:t>
-            </a:r>
-            <a:r>
-              <a:rPr lang="en-US" altLang="zh-CN" dirty="0"/>
-              <a:t>2GB</a:t>
-            </a:r>
-            <a:r>
-              <a:rPr lang="zh-CN" altLang="en-US" dirty="0"/>
-              <a:t>，才推荐进行分库分表。 说明</a:t>
-            </a:r>
-            <a:r>
-              <a:rPr lang="en-US" altLang="zh-CN" dirty="0"/>
-              <a:t>:</a:t>
-            </a:r>
-            <a:r>
-              <a:rPr lang="zh-CN" altLang="en-US" dirty="0"/>
-              <a:t>如果预计三年后的数据量根本达不到这个级别，请不要在创建表时就分库分表。 </a:t>
-            </a:r>
-            <a:endParaRPr lang="zh-CN" altLang="en-US" dirty="0" smtClean="0"/>
-          </a:p>
-          <a:p>
-            <a:r>
-              <a:rPr lang="en-US" altLang="zh-CN" dirty="0"/>
-              <a:t>【</a:t>
-            </a:r>
-            <a:r>
-              <a:rPr lang="zh-CN" altLang="en-US" dirty="0"/>
-              <a:t>强制</a:t>
-            </a:r>
-            <a:r>
-              <a:rPr lang="en-US" altLang="zh-CN" dirty="0"/>
-              <a:t>】</a:t>
-            </a:r>
-            <a:r>
-              <a:rPr lang="zh-CN" altLang="en-US" dirty="0"/>
-              <a:t>超过三个表禁止 </a:t>
-            </a:r>
-            <a:r>
-              <a:rPr lang="en-US" altLang="zh-CN" dirty="0"/>
-              <a:t>join</a:t>
-            </a:r>
-            <a:r>
-              <a:rPr lang="zh-CN" altLang="en-US" dirty="0"/>
-              <a:t>。需要 </a:t>
-            </a:r>
-            <a:r>
-              <a:rPr lang="en-US" altLang="zh-CN" dirty="0"/>
-              <a:t>join </a:t>
-            </a:r>
-            <a:r>
-              <a:rPr lang="zh-CN" altLang="en-US" dirty="0"/>
-              <a:t>的字段，数据类型必须绝对一致</a:t>
-            </a:r>
-            <a:r>
-              <a:rPr lang="en-US" altLang="zh-CN" dirty="0"/>
-              <a:t>;</a:t>
-            </a:r>
-            <a:r>
-              <a:rPr lang="zh-CN" altLang="en-US" dirty="0"/>
-              <a:t>多表关联查询时， 保证被关联的字段需要有索引。</a:t>
-            </a:r>
-            <a:br>
-              <a:rPr lang="zh-CN" altLang="en-US" dirty="0"/>
-            </a:br>
-            <a:r>
-              <a:rPr lang="zh-CN" altLang="en-US" dirty="0"/>
-              <a:t>说明</a:t>
-            </a:r>
-            <a:r>
-              <a:rPr lang="en-US" altLang="zh-CN" dirty="0"/>
-              <a:t>:</a:t>
-            </a:r>
-            <a:r>
-              <a:rPr lang="zh-CN" altLang="en-US" dirty="0"/>
-              <a:t>即使双表 </a:t>
-            </a:r>
-            <a:r>
-              <a:rPr lang="en-US" altLang="zh-CN" dirty="0"/>
-              <a:t>join </a:t>
-            </a:r>
-            <a:r>
-              <a:rPr lang="zh-CN" altLang="en-US" dirty="0"/>
-              <a:t>也要注意表索引、</a:t>
-            </a:r>
-            <a:r>
-              <a:rPr lang="en-US" altLang="zh-CN" dirty="0"/>
-              <a:t>SQL </a:t>
-            </a:r>
-            <a:r>
-              <a:rPr lang="zh-CN" altLang="en-US" dirty="0"/>
-              <a:t>性能。 </a:t>
-            </a:r>
-          </a:p>
-          <a:p>
-            <a:r>
-              <a:rPr lang="en-US" altLang="zh-CN" dirty="0"/>
-              <a:t>【</a:t>
-            </a:r>
-            <a:r>
-              <a:rPr lang="zh-CN" altLang="en-US" dirty="0"/>
-              <a:t>强制</a:t>
-            </a:r>
-            <a:r>
-              <a:rPr lang="en-US" altLang="zh-CN" dirty="0"/>
-              <a:t>】</a:t>
-            </a:r>
-            <a:r>
-              <a:rPr lang="zh-CN" altLang="en-US" dirty="0"/>
-              <a:t>不得使用外键与级联，一切外键概念必须在应用层解决。 </a:t>
-            </a:r>
-          </a:p>
-          <a:p>
-            <a:r>
-              <a:rPr lang="en-US" altLang="zh-CN" dirty="0"/>
-              <a:t>【</a:t>
-            </a:r>
-            <a:r>
-              <a:rPr lang="zh-CN" altLang="en-US" dirty="0"/>
-              <a:t>强制</a:t>
-            </a:r>
-            <a:r>
-              <a:rPr lang="en-US" altLang="zh-CN" dirty="0"/>
-              <a:t>】</a:t>
-            </a:r>
-            <a:r>
-              <a:rPr lang="zh-CN" altLang="en-US" dirty="0"/>
-              <a:t>禁止使用存储过程，存储过程难以调试和扩展，更没有移植性。 </a:t>
-            </a:r>
-          </a:p>
-          <a:p>
+              <a:rPr lang="zh-CN" altLang="en-US" b="1" dirty="0"/>
+              <a:t>索引的目的与原理</a:t>
+            </a:r>
             <a:endParaRPr lang="en-US" dirty="0"/>
           </a:p>
         </p:txBody>
@@ -6300,13 +7092,107 @@
     </p:spTree>
     <p:extLst>
       <p:ext uri="{BB962C8B-B14F-4D97-AF65-F5344CB8AC3E}">
-        <p14:creationId xmlns:p14="http://schemas.microsoft.com/office/powerpoint/2010/main" val="278687159"/>
+        <p14:creationId xmlns:p14="http://schemas.microsoft.com/office/powerpoint/2010/main" val="250390474"/>
       </p:ext>
     </p:extLst>
   </p:cSld>
   <p:clrMapOvr>
     <a:masterClrMapping/>
   </p:clrMapOvr>
+  <p:timing>
+    <p:tnLst>
+      <p:par>
+        <p:cTn id="1" dur="indefinite" restart="never" nodeType="tmRoot"/>
+      </p:par>
+    </p:tnLst>
+  </p:timing>
+</p:sld>
+</file>
+
+<file path=ppt/slides/slide34.xml><?xml version="1.0" encoding="utf-8"?>
+<p:sld xmlns:a="http://schemas.openxmlformats.org/drawingml/2006/main" xmlns:r="http://schemas.openxmlformats.org/officeDocument/2006/relationships" xmlns:p="http://schemas.openxmlformats.org/presentationml/2006/main">
+  <p:cSld>
+    <p:spTree>
+      <p:nvGrpSpPr>
+        <p:cNvPr id="1" name=""/>
+        <p:cNvGrpSpPr/>
+        <p:nvPr/>
+      </p:nvGrpSpPr>
+      <p:grpSpPr>
+        <a:xfrm>
+          <a:off x="0" y="0"/>
+          <a:ext cx="0" cy="0"/>
+          <a:chOff x="0" y="0"/>
+          <a:chExt cx="0" cy="0"/>
+        </a:xfrm>
+      </p:grpSpPr>
+      <p:sp>
+        <p:nvSpPr>
+          <p:cNvPr id="2" name="Title 1"/>
+          <p:cNvSpPr>
+            <a:spLocks noGrp="1"/>
+          </p:cNvSpPr>
+          <p:nvPr>
+            <p:ph type="title"/>
+          </p:nvPr>
+        </p:nvSpPr>
+        <p:spPr/>
+        <p:txBody>
+          <a:bodyPr/>
+          <a:lstStyle/>
+          <a:p>
+            <a:r>
+              <a:rPr lang="zh-CN" altLang="en-US" dirty="0" smtClean="0"/>
+              <a:t>使用</a:t>
+            </a:r>
+            <a:r>
+              <a:rPr lang="en-US" altLang="zh-CN" dirty="0" err="1" smtClean="0"/>
+              <a:t>PageHelper</a:t>
+            </a:r>
+            <a:r>
+              <a:rPr lang="zh-CN" altLang="en-US" dirty="0" smtClean="0"/>
+              <a:t>进行分页</a:t>
+            </a:r>
+            <a:endParaRPr lang="en-US" dirty="0"/>
+          </a:p>
+        </p:txBody>
+      </p:sp>
+      <p:sp>
+        <p:nvSpPr>
+          <p:cNvPr id="3" name="Content Placeholder 2"/>
+          <p:cNvSpPr>
+            <a:spLocks noGrp="1"/>
+          </p:cNvSpPr>
+          <p:nvPr>
+            <p:ph idx="1"/>
+          </p:nvPr>
+        </p:nvSpPr>
+        <p:spPr/>
+        <p:txBody>
+          <a:bodyPr/>
+          <a:lstStyle/>
+          <a:p>
+            <a:endParaRPr lang="en-US"/>
+          </a:p>
+        </p:txBody>
+      </p:sp>
+    </p:spTree>
+    <p:extLst>
+      <p:ext uri="{BB962C8B-B14F-4D97-AF65-F5344CB8AC3E}">
+        <p14:creationId xmlns:p14="http://schemas.microsoft.com/office/powerpoint/2010/main" val="795617641"/>
+      </p:ext>
+    </p:extLst>
+  </p:cSld>
+  <p:clrMapOvr>
+    <a:masterClrMapping/>
+  </p:clrMapOvr>
+  <p:timing>
+    <p:tnLst>
+      <p:par>
+        <p:cTn id="1" dur="indefinite" restart="never" nodeType="tmRoot"/>
+      </p:par>
+    </p:tnLst>
+  </p:timing>
 </p:sld>
 </file>
 

--- a/springboot/SpringBoot-3.pptx
+++ b/springboot/SpringBoot-3.pptx
@@ -38,7 +38,25 @@
     <p:sldId id="269" r:id="rId32"/>
     <p:sldId id="270" r:id="rId33"/>
     <p:sldId id="288" r:id="rId34"/>
-    <p:sldId id="289" r:id="rId35"/>
+    <p:sldId id="290" r:id="rId35"/>
+    <p:sldId id="291" r:id="rId36"/>
+    <p:sldId id="292" r:id="rId37"/>
+    <p:sldId id="293" r:id="rId38"/>
+    <p:sldId id="294" r:id="rId39"/>
+    <p:sldId id="295" r:id="rId40"/>
+    <p:sldId id="296" r:id="rId41"/>
+    <p:sldId id="297" r:id="rId42"/>
+    <p:sldId id="298" r:id="rId43"/>
+    <p:sldId id="299" r:id="rId44"/>
+    <p:sldId id="301" r:id="rId45"/>
+    <p:sldId id="302" r:id="rId46"/>
+    <p:sldId id="304" r:id="rId47"/>
+    <p:sldId id="303" r:id="rId48"/>
+    <p:sldId id="305" r:id="rId49"/>
+    <p:sldId id="307" r:id="rId50"/>
+    <p:sldId id="308" r:id="rId51"/>
+    <p:sldId id="306" r:id="rId52"/>
+    <p:sldId id="289" r:id="rId53"/>
   </p:sldIdLst>
   <p:sldSz cx="12192000" cy="6858000"/>
   <p:notesSz cx="6858000" cy="9144000"/>
@@ -276,7 +294,7 @@
           <a:p>
             <a:fld id="{60043135-91C5-B44D-97D9-A610FC247CAE}" type="datetimeFigureOut">
               <a:rPr lang="en-US" smtClean="0"/>
-              <a:t>5/27/19</a:t>
+              <a:t>5/31/19</a:t>
             </a:fld>
             <a:endParaRPr lang="en-US"/>
           </a:p>
@@ -446,7 +464,7 @@
           <a:p>
             <a:fld id="{60043135-91C5-B44D-97D9-A610FC247CAE}" type="datetimeFigureOut">
               <a:rPr lang="en-US" smtClean="0"/>
-              <a:t>5/27/19</a:t>
+              <a:t>5/31/19</a:t>
             </a:fld>
             <a:endParaRPr lang="en-US"/>
           </a:p>
@@ -626,7 +644,7 @@
           <a:p>
             <a:fld id="{60043135-91C5-B44D-97D9-A610FC247CAE}" type="datetimeFigureOut">
               <a:rPr lang="en-US" smtClean="0"/>
-              <a:t>5/27/19</a:t>
+              <a:t>5/31/19</a:t>
             </a:fld>
             <a:endParaRPr lang="en-US"/>
           </a:p>
@@ -796,7 +814,7 @@
           <a:p>
             <a:fld id="{60043135-91C5-B44D-97D9-A610FC247CAE}" type="datetimeFigureOut">
               <a:rPr lang="en-US" smtClean="0"/>
-              <a:t>5/27/19</a:t>
+              <a:t>5/31/19</a:t>
             </a:fld>
             <a:endParaRPr lang="en-US"/>
           </a:p>
@@ -1042,7 +1060,7 @@
           <a:p>
             <a:fld id="{60043135-91C5-B44D-97D9-A610FC247CAE}" type="datetimeFigureOut">
               <a:rPr lang="en-US" smtClean="0"/>
-              <a:t>5/27/19</a:t>
+              <a:t>5/31/19</a:t>
             </a:fld>
             <a:endParaRPr lang="en-US"/>
           </a:p>
@@ -1274,7 +1292,7 @@
           <a:p>
             <a:fld id="{60043135-91C5-B44D-97D9-A610FC247CAE}" type="datetimeFigureOut">
               <a:rPr lang="en-US" smtClean="0"/>
-              <a:t>5/27/19</a:t>
+              <a:t>5/31/19</a:t>
             </a:fld>
             <a:endParaRPr lang="en-US"/>
           </a:p>
@@ -1641,7 +1659,7 @@
           <a:p>
             <a:fld id="{60043135-91C5-B44D-97D9-A610FC247CAE}" type="datetimeFigureOut">
               <a:rPr lang="en-US" smtClean="0"/>
-              <a:t>5/27/19</a:t>
+              <a:t>5/31/19</a:t>
             </a:fld>
             <a:endParaRPr lang="en-US"/>
           </a:p>
@@ -1759,7 +1777,7 @@
           <a:p>
             <a:fld id="{60043135-91C5-B44D-97D9-A610FC247CAE}" type="datetimeFigureOut">
               <a:rPr lang="en-US" smtClean="0"/>
-              <a:t>5/27/19</a:t>
+              <a:t>5/31/19</a:t>
             </a:fld>
             <a:endParaRPr lang="en-US"/>
           </a:p>
@@ -1854,7 +1872,7 @@
           <a:p>
             <a:fld id="{60043135-91C5-B44D-97D9-A610FC247CAE}" type="datetimeFigureOut">
               <a:rPr lang="en-US" smtClean="0"/>
-              <a:t>5/27/19</a:t>
+              <a:t>5/31/19</a:t>
             </a:fld>
             <a:endParaRPr lang="en-US"/>
           </a:p>
@@ -2131,7 +2149,7 @@
           <a:p>
             <a:fld id="{60043135-91C5-B44D-97D9-A610FC247CAE}" type="datetimeFigureOut">
               <a:rPr lang="en-US" smtClean="0"/>
-              <a:t>5/27/19</a:t>
+              <a:t>5/31/19</a:t>
             </a:fld>
             <a:endParaRPr lang="en-US"/>
           </a:p>
@@ -2384,7 +2402,7 @@
           <a:p>
             <a:fld id="{60043135-91C5-B44D-97D9-A610FC247CAE}" type="datetimeFigureOut">
               <a:rPr lang="en-US" smtClean="0"/>
-              <a:t>5/27/19</a:t>
+              <a:t>5/31/19</a:t>
             </a:fld>
             <a:endParaRPr lang="en-US"/>
           </a:p>
@@ -2597,7 +2615,7 @@
           <a:p>
             <a:fld id="{60043135-91C5-B44D-97D9-A610FC247CAE}" type="datetimeFigureOut">
               <a:rPr lang="en-US" smtClean="0"/>
-              <a:t>5/27/19</a:t>
+              <a:t>5/31/19</a:t>
             </a:fld>
             <a:endParaRPr lang="en-US"/>
           </a:p>
@@ -7078,14 +7096,158 @@
         </p:nvSpPr>
         <p:spPr/>
         <p:txBody>
-          <a:bodyPr/>
-          <a:lstStyle/>
-          <a:p>
-            <a:r>
-              <a:rPr lang="zh-CN" altLang="en-US" b="1" dirty="0"/>
-              <a:t>索引的目的与原理</a:t>
-            </a:r>
-            <a:endParaRPr lang="en-US" dirty="0"/>
+          <a:bodyPr>
+            <a:normAutofit fontScale="77500" lnSpcReduction="20000"/>
+          </a:bodyPr>
+          <a:lstStyle/>
+          <a:p>
+            <a:pPr latinLnBrk="1"/>
+            <a:r>
+              <a:rPr lang="en-US" altLang="zh-CN" dirty="0"/>
+              <a:t>MySQL</a:t>
+            </a:r>
+            <a:r>
+              <a:rPr lang="zh-CN" altLang="en-US" dirty="0"/>
+              <a:t>索引的建立对于</a:t>
+            </a:r>
+            <a:r>
+              <a:rPr lang="en-US" altLang="zh-CN" dirty="0"/>
+              <a:t>MySQL</a:t>
+            </a:r>
+            <a:r>
+              <a:rPr lang="zh-CN" altLang="en-US" dirty="0"/>
+              <a:t>的高效运行是很重要的，索引可以大大提高</a:t>
+            </a:r>
+            <a:r>
+              <a:rPr lang="en-US" altLang="zh-CN" dirty="0"/>
+              <a:t>MySQL</a:t>
+            </a:r>
+            <a:r>
+              <a:rPr lang="zh-CN" altLang="en-US" dirty="0"/>
+              <a:t>的检索速度。</a:t>
+            </a:r>
+          </a:p>
+          <a:p>
+            <a:pPr latinLnBrk="1"/>
+            <a:r>
+              <a:rPr lang="zh-CN" altLang="en-US" dirty="0"/>
+              <a:t>打个比方，如果合理的设计且使用索引的</a:t>
+            </a:r>
+            <a:r>
+              <a:rPr lang="en-US" altLang="zh-CN" dirty="0"/>
+              <a:t>MySQL</a:t>
+            </a:r>
+            <a:r>
+              <a:rPr lang="zh-CN" altLang="en-US" dirty="0"/>
+              <a:t>是一辆兰博基尼的话，那么没有设计和使用索引的</a:t>
+            </a:r>
+            <a:r>
+              <a:rPr lang="en-US" altLang="zh-CN" dirty="0"/>
+              <a:t>MySQL</a:t>
+            </a:r>
+            <a:r>
+              <a:rPr lang="zh-CN" altLang="en-US" dirty="0"/>
+              <a:t>就是一个人力三轮车。</a:t>
+            </a:r>
+          </a:p>
+          <a:p>
+            <a:pPr latinLnBrk="1"/>
+            <a:r>
+              <a:rPr lang="zh-CN" altLang="en-US" dirty="0"/>
+              <a:t>索引分单列索引和组合索引。单列索引，即一个索引只包含单个列，一个表可以有多个单列索引，但这不是组合索引。组合索引，即一个索引包含多个列。</a:t>
+            </a:r>
+          </a:p>
+          <a:p>
+            <a:pPr latinLnBrk="1"/>
+            <a:r>
+              <a:rPr lang="zh-CN" altLang="en-US" dirty="0"/>
+              <a:t>创建索引时，你需要确保该索引是应用在 </a:t>
+            </a:r>
+            <a:r>
+              <a:rPr lang="en-US" altLang="zh-CN" dirty="0"/>
+              <a:t>SQL </a:t>
+            </a:r>
+            <a:r>
+              <a:rPr lang="zh-CN" altLang="en-US" dirty="0"/>
+              <a:t>查询语句的条件</a:t>
+            </a:r>
+            <a:r>
+              <a:rPr lang="en-US" altLang="zh-CN" dirty="0"/>
+              <a:t>(</a:t>
+            </a:r>
+            <a:r>
+              <a:rPr lang="zh-CN" altLang="en-US" dirty="0"/>
+              <a:t>一般作为 </a:t>
+            </a:r>
+            <a:r>
+              <a:rPr lang="en-US" altLang="zh-CN" dirty="0"/>
+              <a:t>WHERE </a:t>
+            </a:r>
+            <a:r>
+              <a:rPr lang="zh-CN" altLang="en-US" dirty="0"/>
+              <a:t>子句的条件</a:t>
+            </a:r>
+            <a:r>
+              <a:rPr lang="en-US" altLang="zh-CN" dirty="0"/>
+              <a:t>)</a:t>
+            </a:r>
+            <a:r>
+              <a:rPr lang="zh-CN" altLang="en-US" dirty="0"/>
+              <a:t>。</a:t>
+            </a:r>
+          </a:p>
+          <a:p>
+            <a:pPr latinLnBrk="1"/>
+            <a:r>
+              <a:rPr lang="zh-CN" altLang="en-US" dirty="0"/>
+              <a:t>实际上，索引也是一张表，该表保存了主键与索引字段，并指向实体表的记录。</a:t>
+            </a:r>
+          </a:p>
+          <a:p>
+            <a:pPr latinLnBrk="1"/>
+            <a:r>
+              <a:rPr lang="zh-CN" altLang="en-US" dirty="0"/>
+              <a:t>上面都在说使用索引的好处，但过多的使用索引将会造成滥用。因此索引也会有它的缺点：虽然索引大大提高了查询速度，同时却会降低更新表的速度，如对表进行</a:t>
+            </a:r>
+            <a:r>
+              <a:rPr lang="en-US" altLang="zh-CN" dirty="0"/>
+              <a:t>INSERT</a:t>
+            </a:r>
+            <a:r>
+              <a:rPr lang="zh-CN" altLang="en-US" dirty="0"/>
+              <a:t>、</a:t>
+            </a:r>
+            <a:r>
+              <a:rPr lang="en-US" altLang="zh-CN" dirty="0"/>
+              <a:t>UPDATE</a:t>
+            </a:r>
+            <a:r>
+              <a:rPr lang="zh-CN" altLang="en-US" dirty="0"/>
+              <a:t>和</a:t>
+            </a:r>
+            <a:r>
+              <a:rPr lang="en-US" altLang="zh-CN" dirty="0"/>
+              <a:t>DELETE</a:t>
+            </a:r>
+            <a:r>
+              <a:rPr lang="zh-CN" altLang="en-US" dirty="0"/>
+              <a:t>。因为更新表时，</a:t>
+            </a:r>
+            <a:r>
+              <a:rPr lang="en-US" altLang="zh-CN" dirty="0"/>
+              <a:t>MySQL</a:t>
+            </a:r>
+            <a:r>
+              <a:rPr lang="zh-CN" altLang="en-US" dirty="0"/>
+              <a:t>不仅要保存数据，还要保存一下索引文件。</a:t>
+            </a:r>
+          </a:p>
+          <a:p>
+            <a:pPr latinLnBrk="1"/>
+            <a:r>
+              <a:rPr lang="zh-CN" altLang="en-US" dirty="0"/>
+              <a:t>建立索引会占用磁盘空间的索引文件。</a:t>
+            </a:r>
           </a:p>
         </p:txBody>
       </p:sp>
@@ -7142,57 +7304,1341 @@
           <a:lstStyle/>
           <a:p>
             <a:r>
+              <a:rPr lang="ja-JP" altLang="en-US" b="1" dirty="0"/>
+              <a:t>普通</a:t>
+            </a:r>
+            <a:r>
+              <a:rPr lang="ja-JP" altLang="en-US" b="1" dirty="0" smtClean="0"/>
+              <a:t>索引</a:t>
+            </a:r>
+            <a:endParaRPr lang="en-US" dirty="0"/>
+          </a:p>
+        </p:txBody>
+      </p:sp>
+      <p:sp>
+        <p:nvSpPr>
+          <p:cNvPr id="3" name="Content Placeholder 2"/>
+          <p:cNvSpPr>
+            <a:spLocks noGrp="1"/>
+          </p:cNvSpPr>
+          <p:nvPr>
+            <p:ph idx="1"/>
+          </p:nvPr>
+        </p:nvSpPr>
+        <p:spPr/>
+        <p:txBody>
+          <a:bodyPr/>
+          <a:lstStyle/>
+          <a:p>
+            <a:pPr latinLnBrk="1"/>
+            <a:r>
               <a:rPr lang="zh-CN" altLang="en-US" dirty="0" smtClean="0"/>
-              <a:t>使用</a:t>
-            </a:r>
-            <a:r>
-              <a:rPr lang="en-US" altLang="zh-CN" dirty="0" err="1" smtClean="0"/>
-              <a:t>PageHelper</a:t>
-            </a:r>
+              <a:t>这</a:t>
+            </a:r>
+            <a:r>
+              <a:rPr lang="zh-CN" altLang="en-US" dirty="0"/>
+              <a:t>是最基本的索引，它没有任何限制。它有以下几种创建方式：</a:t>
+            </a:r>
+          </a:p>
+          <a:p>
+            <a:pPr lvl="1"/>
+            <a:r>
+              <a:rPr lang="en-US" dirty="0"/>
+              <a:t>CREATE INDEX </a:t>
+            </a:r>
+            <a:r>
+              <a:rPr lang="en-US" dirty="0" err="1"/>
+              <a:t>indexName</a:t>
+            </a:r>
+            <a:r>
+              <a:rPr lang="en-US" dirty="0"/>
+              <a:t> ON </a:t>
+            </a:r>
+            <a:r>
+              <a:rPr lang="en-US" dirty="0" err="1"/>
+              <a:t>mytable</a:t>
+            </a:r>
+            <a:r>
+              <a:rPr lang="en-US" dirty="0"/>
+              <a:t>(username(length)); </a:t>
+            </a:r>
+            <a:endParaRPr lang="en-US" dirty="0" smtClean="0"/>
+          </a:p>
+          <a:p>
+            <a:pPr lvl="1"/>
+            <a:r>
+              <a:rPr lang="en-US" dirty="0"/>
+              <a:t>ALTER table </a:t>
+            </a:r>
+            <a:r>
+              <a:rPr lang="en-US" dirty="0" err="1"/>
+              <a:t>tableName</a:t>
+            </a:r>
+            <a:r>
+              <a:rPr lang="en-US" dirty="0"/>
+              <a:t> ADD INDEX </a:t>
+            </a:r>
+            <a:r>
+              <a:rPr lang="en-US" dirty="0" err="1"/>
+              <a:t>indexName</a:t>
+            </a:r>
+            <a:r>
+              <a:rPr lang="en-US" dirty="0"/>
+              <a:t>(</a:t>
+            </a:r>
+            <a:r>
+              <a:rPr lang="en-US" dirty="0" err="1"/>
+              <a:t>columnName</a:t>
+            </a:r>
+            <a:r>
+              <a:rPr lang="en-US" dirty="0" smtClean="0"/>
+              <a:t>)</a:t>
+            </a:r>
+          </a:p>
+          <a:p>
+            <a:pPr lvl="1"/>
+            <a:r>
+              <a:rPr lang="en-US" dirty="0"/>
+              <a:t>CREATE TABLE </a:t>
+            </a:r>
+            <a:r>
+              <a:rPr lang="en-US" dirty="0" err="1"/>
+              <a:t>mytable</a:t>
+            </a:r>
+            <a:r>
+              <a:rPr lang="en-US" dirty="0"/>
+              <a:t>( ID INT NOT NULL, username VARCHAR(16) NOT NULL, INDEX [</a:t>
+            </a:r>
+            <a:r>
+              <a:rPr lang="en-US" dirty="0" err="1"/>
+              <a:t>indexName</a:t>
+            </a:r>
+            <a:r>
+              <a:rPr lang="en-US" dirty="0"/>
+              <a:t>] (username(length)) ); </a:t>
+            </a:r>
+            <a:endParaRPr lang="en-US" dirty="0" smtClean="0"/>
+          </a:p>
+          <a:p>
             <a:r>
               <a:rPr lang="zh-CN" altLang="en-US" dirty="0" smtClean="0"/>
-              <a:t>进行分页</a:t>
+              <a:t>删除索引</a:t>
+            </a:r>
+            <a:endParaRPr lang="en-US" altLang="zh-CN" dirty="0" smtClean="0"/>
+          </a:p>
+          <a:p>
+            <a:pPr lvl="1"/>
+            <a:r>
+              <a:rPr lang="en-US" dirty="0"/>
+              <a:t>DROP INDEX [</a:t>
+            </a:r>
+            <a:r>
+              <a:rPr lang="en-US" dirty="0" err="1"/>
+              <a:t>indexName</a:t>
+            </a:r>
+            <a:r>
+              <a:rPr lang="en-US" dirty="0"/>
+              <a:t>] ON </a:t>
+            </a:r>
+            <a:r>
+              <a:rPr lang="en-US" dirty="0" err="1"/>
+              <a:t>mytable</a:t>
+            </a:r>
+            <a:r>
+              <a:rPr lang="en-US" dirty="0"/>
+              <a:t>; </a:t>
             </a:r>
             <a:endParaRPr lang="en-US" dirty="0"/>
-          </a:p>
-        </p:txBody>
-      </p:sp>
-      <p:sp>
-        <p:nvSpPr>
-          <p:cNvPr id="3" name="Content Placeholder 2"/>
-          <p:cNvSpPr>
-            <a:spLocks noGrp="1"/>
-          </p:cNvSpPr>
-          <p:nvPr>
-            <p:ph idx="1"/>
-          </p:nvPr>
-        </p:nvSpPr>
-        <p:spPr/>
-        <p:txBody>
-          <a:bodyPr/>
-          <a:lstStyle/>
-          <a:p>
-            <a:endParaRPr lang="en-US"/>
           </a:p>
         </p:txBody>
       </p:sp>
     </p:spTree>
     <p:extLst>
       <p:ext uri="{BB962C8B-B14F-4D97-AF65-F5344CB8AC3E}">
-        <p14:creationId xmlns:p14="http://schemas.microsoft.com/office/powerpoint/2010/main" val="795617641"/>
+        <p14:creationId xmlns:p14="http://schemas.microsoft.com/office/powerpoint/2010/main" val="1669555216"/>
       </p:ext>
     </p:extLst>
   </p:cSld>
   <p:clrMapOvr>
     <a:masterClrMapping/>
   </p:clrMapOvr>
-  <p:timing>
-    <p:tnLst>
-      <p:par>
-        <p:cTn id="1" dur="indefinite" restart="never" nodeType="tmRoot"/>
-      </p:par>
-    </p:tnLst>
-  </p:timing>
+</p:sld>
+</file>
+
+<file path=ppt/slides/slide35.xml><?xml version="1.0" encoding="utf-8"?>
+<p:sld xmlns:a="http://schemas.openxmlformats.org/drawingml/2006/main" xmlns:r="http://schemas.openxmlformats.org/officeDocument/2006/relationships" xmlns:p="http://schemas.openxmlformats.org/presentationml/2006/main">
+  <p:cSld>
+    <p:spTree>
+      <p:nvGrpSpPr>
+        <p:cNvPr id="1" name=""/>
+        <p:cNvGrpSpPr/>
+        <p:nvPr/>
+      </p:nvGrpSpPr>
+      <p:grpSpPr>
+        <a:xfrm>
+          <a:off x="0" y="0"/>
+          <a:ext cx="0" cy="0"/>
+          <a:chOff x="0" y="0"/>
+          <a:chExt cx="0" cy="0"/>
+        </a:xfrm>
+      </p:grpSpPr>
+      <p:sp>
+        <p:nvSpPr>
+          <p:cNvPr id="2" name="Title 1"/>
+          <p:cNvSpPr>
+            <a:spLocks noGrp="1"/>
+          </p:cNvSpPr>
+          <p:nvPr>
+            <p:ph type="title"/>
+          </p:nvPr>
+        </p:nvSpPr>
+        <p:spPr/>
+        <p:txBody>
+          <a:bodyPr/>
+          <a:lstStyle/>
+          <a:p>
+            <a:r>
+              <a:rPr lang="zh-TW" altLang="en-US" b="1" dirty="0"/>
+              <a:t>唯一</a:t>
+            </a:r>
+            <a:r>
+              <a:rPr lang="zh-TW" altLang="en-US" b="1" dirty="0" smtClean="0"/>
+              <a:t>索引</a:t>
+            </a:r>
+            <a:endParaRPr lang="en-US" dirty="0"/>
+          </a:p>
+        </p:txBody>
+      </p:sp>
+      <p:sp>
+        <p:nvSpPr>
+          <p:cNvPr id="3" name="Content Placeholder 2"/>
+          <p:cNvSpPr>
+            <a:spLocks noGrp="1"/>
+          </p:cNvSpPr>
+          <p:nvPr>
+            <p:ph idx="1"/>
+          </p:nvPr>
+        </p:nvSpPr>
+        <p:spPr/>
+        <p:txBody>
+          <a:bodyPr/>
+          <a:lstStyle/>
+          <a:p>
+            <a:r>
+              <a:rPr lang="zh-CN" altLang="en-US" dirty="0"/>
+              <a:t>它与前面的普通索引类似，不同的就是：索引列的值必须唯一，但允许有空值。如果是组合索引，则列值的组合必须唯一。它有以下几种创建方式</a:t>
+            </a:r>
+            <a:r>
+              <a:rPr lang="zh-CN" altLang="en-US" dirty="0" smtClean="0"/>
+              <a:t>：</a:t>
+            </a:r>
+            <a:endParaRPr lang="en-US" altLang="zh-CN" dirty="0" smtClean="0"/>
+          </a:p>
+          <a:p>
+            <a:pPr lvl="1"/>
+            <a:r>
+              <a:rPr lang="en-US" dirty="0"/>
+              <a:t>CREATE UNIQUE INDEX </a:t>
+            </a:r>
+            <a:r>
+              <a:rPr lang="en-US" dirty="0" err="1"/>
+              <a:t>indexName</a:t>
+            </a:r>
+            <a:r>
+              <a:rPr lang="en-US" dirty="0"/>
+              <a:t> ON </a:t>
+            </a:r>
+            <a:r>
+              <a:rPr lang="en-US" dirty="0" err="1"/>
+              <a:t>mytable</a:t>
+            </a:r>
+            <a:r>
+              <a:rPr lang="en-US" dirty="0"/>
+              <a:t>(username(length)) </a:t>
+            </a:r>
+            <a:endParaRPr lang="en-US" dirty="0" smtClean="0"/>
+          </a:p>
+          <a:p>
+            <a:pPr lvl="1"/>
+            <a:r>
+              <a:rPr lang="en-US" dirty="0"/>
+              <a:t>ALTER table </a:t>
+            </a:r>
+            <a:r>
+              <a:rPr lang="en-US" dirty="0" err="1"/>
+              <a:t>mytable</a:t>
+            </a:r>
+            <a:r>
+              <a:rPr lang="en-US" dirty="0"/>
+              <a:t> ADD UNIQUE [</a:t>
+            </a:r>
+            <a:r>
+              <a:rPr lang="en-US" dirty="0" err="1"/>
+              <a:t>indexName</a:t>
+            </a:r>
+            <a:r>
+              <a:rPr lang="en-US" dirty="0"/>
+              <a:t>] (username(length</a:t>
+            </a:r>
+            <a:r>
+              <a:rPr lang="en-US" dirty="0" smtClean="0"/>
+              <a:t>))</a:t>
+            </a:r>
+          </a:p>
+          <a:p>
+            <a:pPr lvl="1"/>
+            <a:r>
+              <a:rPr lang="en-US" dirty="0"/>
+              <a:t>CREATE TABLE </a:t>
+            </a:r>
+            <a:r>
+              <a:rPr lang="en-US" dirty="0" err="1"/>
+              <a:t>mytable</a:t>
+            </a:r>
+            <a:r>
+              <a:rPr lang="en-US" dirty="0"/>
+              <a:t>( ID INT NOT NULL, username VARCHAR(16) NOT NULL, UNIQUE [</a:t>
+            </a:r>
+            <a:r>
+              <a:rPr lang="en-US" dirty="0" err="1"/>
+              <a:t>indexName</a:t>
+            </a:r>
+            <a:r>
+              <a:rPr lang="en-US" dirty="0"/>
+              <a:t>] (username(length)) ); </a:t>
+            </a:r>
+            <a:endParaRPr lang="en-US" dirty="0"/>
+          </a:p>
+        </p:txBody>
+      </p:sp>
+    </p:spTree>
+    <p:extLst>
+      <p:ext uri="{BB962C8B-B14F-4D97-AF65-F5344CB8AC3E}">
+        <p14:creationId xmlns:p14="http://schemas.microsoft.com/office/powerpoint/2010/main" val="1135770664"/>
+      </p:ext>
+    </p:extLst>
+  </p:cSld>
+  <p:clrMapOvr>
+    <a:masterClrMapping/>
+  </p:clrMapOvr>
+</p:sld>
+</file>
+
+<file path=ppt/slides/slide36.xml><?xml version="1.0" encoding="utf-8"?>
+<p:sld xmlns:a="http://schemas.openxmlformats.org/drawingml/2006/main" xmlns:r="http://schemas.openxmlformats.org/officeDocument/2006/relationships" xmlns:p="http://schemas.openxmlformats.org/presentationml/2006/main">
+  <p:cSld>
+    <p:spTree>
+      <p:nvGrpSpPr>
+        <p:cNvPr id="1" name=""/>
+        <p:cNvGrpSpPr/>
+        <p:nvPr/>
+      </p:nvGrpSpPr>
+      <p:grpSpPr>
+        <a:xfrm>
+          <a:off x="0" y="0"/>
+          <a:ext cx="0" cy="0"/>
+          <a:chOff x="0" y="0"/>
+          <a:chExt cx="0" cy="0"/>
+        </a:xfrm>
+      </p:grpSpPr>
+      <p:sp>
+        <p:nvSpPr>
+          <p:cNvPr id="2" name="Title 1"/>
+          <p:cNvSpPr>
+            <a:spLocks noGrp="1"/>
+          </p:cNvSpPr>
+          <p:nvPr>
+            <p:ph type="title"/>
+          </p:nvPr>
+        </p:nvSpPr>
+        <p:spPr/>
+        <p:txBody>
+          <a:bodyPr/>
+          <a:lstStyle/>
+          <a:p>
+            <a:r>
+              <a:rPr lang="zh-CN" altLang="en-US" dirty="0" smtClean="0"/>
+              <a:t>显示索引信息</a:t>
+            </a:r>
+            <a:endParaRPr lang="en-US" dirty="0"/>
+          </a:p>
+        </p:txBody>
+      </p:sp>
+      <p:sp>
+        <p:nvSpPr>
+          <p:cNvPr id="3" name="Content Placeholder 2"/>
+          <p:cNvSpPr>
+            <a:spLocks noGrp="1"/>
+          </p:cNvSpPr>
+          <p:nvPr>
+            <p:ph idx="1"/>
+          </p:nvPr>
+        </p:nvSpPr>
+        <p:spPr/>
+        <p:txBody>
+          <a:bodyPr/>
+          <a:lstStyle/>
+          <a:p>
+            <a:r>
+              <a:rPr lang="en-US" dirty="0" err="1"/>
+              <a:t>mysql</a:t>
+            </a:r>
+            <a:r>
+              <a:rPr lang="en-US" dirty="0"/>
+              <a:t>&gt; SHOW INDEX FROM </a:t>
+            </a:r>
+            <a:r>
+              <a:rPr lang="en-US" dirty="0" err="1"/>
+              <a:t>table_name</a:t>
+            </a:r>
+            <a:r>
+              <a:rPr lang="en-US" dirty="0"/>
+              <a:t>; \G</a:t>
+            </a:r>
+            <a:endParaRPr lang="en-US" dirty="0"/>
+          </a:p>
+        </p:txBody>
+      </p:sp>
+    </p:spTree>
+    <p:extLst>
+      <p:ext uri="{BB962C8B-B14F-4D97-AF65-F5344CB8AC3E}">
+        <p14:creationId xmlns:p14="http://schemas.microsoft.com/office/powerpoint/2010/main" val="188414283"/>
+      </p:ext>
+    </p:extLst>
+  </p:cSld>
+  <p:clrMapOvr>
+    <a:masterClrMapping/>
+  </p:clrMapOvr>
+</p:sld>
+</file>
+
+<file path=ppt/slides/slide37.xml><?xml version="1.0" encoding="utf-8"?>
+<p:sld xmlns:a="http://schemas.openxmlformats.org/drawingml/2006/main" xmlns:r="http://schemas.openxmlformats.org/officeDocument/2006/relationships" xmlns:p="http://schemas.openxmlformats.org/presentationml/2006/main">
+  <p:cSld>
+    <p:spTree>
+      <p:nvGrpSpPr>
+        <p:cNvPr id="1" name=""/>
+        <p:cNvGrpSpPr/>
+        <p:nvPr/>
+      </p:nvGrpSpPr>
+      <p:grpSpPr>
+        <a:xfrm>
+          <a:off x="0" y="0"/>
+          <a:ext cx="0" cy="0"/>
+          <a:chOff x="0" y="0"/>
+          <a:chExt cx="0" cy="0"/>
+        </a:xfrm>
+      </p:grpSpPr>
+      <p:sp>
+        <p:nvSpPr>
+          <p:cNvPr id="2" name="Title 1"/>
+          <p:cNvSpPr>
+            <a:spLocks noGrp="1"/>
+          </p:cNvSpPr>
+          <p:nvPr>
+            <p:ph type="title"/>
+          </p:nvPr>
+        </p:nvSpPr>
+        <p:spPr/>
+        <p:txBody>
+          <a:bodyPr/>
+          <a:lstStyle/>
+          <a:p>
+            <a:r>
+              <a:rPr lang="en-US" altLang="zh-CN" dirty="0"/>
+              <a:t>MySQL</a:t>
+            </a:r>
+            <a:r>
+              <a:rPr lang="zh-CN" altLang="en-US" dirty="0"/>
+              <a:t>索引背后的数据结构及算法原理</a:t>
+            </a:r>
+            <a:endParaRPr lang="en-US" dirty="0"/>
+          </a:p>
+        </p:txBody>
+      </p:sp>
+      <p:sp>
+        <p:nvSpPr>
+          <p:cNvPr id="3" name="Content Placeholder 2"/>
+          <p:cNvSpPr>
+            <a:spLocks noGrp="1"/>
+          </p:cNvSpPr>
+          <p:nvPr>
+            <p:ph idx="1"/>
+          </p:nvPr>
+        </p:nvSpPr>
+        <p:spPr/>
+        <p:txBody>
+          <a:bodyPr>
+            <a:normAutofit fontScale="85000" lnSpcReduction="20000"/>
+          </a:bodyPr>
+          <a:lstStyle/>
+          <a:p>
+            <a:r>
+              <a:rPr lang="zh-CN" altLang="en-US" dirty="0"/>
+              <a:t>数据结构及算法基础</a:t>
+            </a:r>
+          </a:p>
+          <a:p>
+            <a:r>
+              <a:rPr lang="en-US" altLang="zh-CN" dirty="0"/>
+              <a:t>MySQL</a:t>
+            </a:r>
+            <a:r>
+              <a:rPr lang="zh-CN" altLang="en-US" dirty="0"/>
+              <a:t>官方对索引的定义为：索引（</a:t>
+            </a:r>
+            <a:r>
+              <a:rPr lang="en-US" altLang="zh-CN" dirty="0"/>
+              <a:t>Index</a:t>
+            </a:r>
+            <a:r>
+              <a:rPr lang="zh-CN" altLang="en-US" dirty="0"/>
+              <a:t>）是帮助</a:t>
+            </a:r>
+            <a:r>
+              <a:rPr lang="en-US" altLang="zh-CN" dirty="0"/>
+              <a:t>MySQL</a:t>
+            </a:r>
+            <a:r>
+              <a:rPr lang="zh-CN" altLang="en-US" dirty="0"/>
+              <a:t>高效获取数据的数据结构。提取句子主干，就可以得到索引的本质：索引是数据结构。</a:t>
+            </a:r>
+          </a:p>
+          <a:p>
+            <a:r>
+              <a:rPr lang="zh-CN" altLang="en-US" dirty="0"/>
+              <a:t>我们知道，数据库查询是数据库的最主要功能之一。我们都希望查询数据的速度能尽可能的快，因此数据库系统的设计者会从查询算法的角度进行优化。最基本的查询算法当然是</a:t>
+            </a:r>
+            <a:r>
+              <a:rPr lang="zh-CN" altLang="en-US" dirty="0">
+                <a:hlinkClick r:id="rId2"/>
+              </a:rPr>
+              <a:t>顺序查找</a:t>
+            </a:r>
+            <a:r>
+              <a:rPr lang="zh-CN" altLang="en-US" dirty="0"/>
+              <a:t>（</a:t>
+            </a:r>
+            <a:r>
+              <a:rPr lang="en-US" altLang="zh-CN" dirty="0"/>
+              <a:t>linear search</a:t>
+            </a:r>
+            <a:r>
+              <a:rPr lang="zh-CN" altLang="en-US" dirty="0"/>
+              <a:t>），这种复杂度为</a:t>
+            </a:r>
+            <a:r>
+              <a:rPr lang="en-US" altLang="zh-CN" dirty="0"/>
+              <a:t>O(n)</a:t>
+            </a:r>
+            <a:r>
+              <a:rPr lang="zh-CN" altLang="en-US" dirty="0"/>
+              <a:t>的算法在数据量很大时显然是糟糕的，好在计算机科学的发展提供了很多更优秀的查找算法，例如</a:t>
+            </a:r>
+            <a:r>
+              <a:rPr lang="zh-CN" altLang="en-US" dirty="0">
+                <a:hlinkClick r:id="rId3"/>
+              </a:rPr>
+              <a:t>二分查找</a:t>
+            </a:r>
+            <a:r>
+              <a:rPr lang="zh-CN" altLang="en-US" dirty="0"/>
+              <a:t>（</a:t>
+            </a:r>
+            <a:r>
+              <a:rPr lang="en-US" altLang="zh-CN" dirty="0"/>
+              <a:t>binary search</a:t>
+            </a:r>
+            <a:r>
+              <a:rPr lang="zh-CN" altLang="en-US" dirty="0"/>
+              <a:t>）、</a:t>
+            </a:r>
+            <a:r>
+              <a:rPr lang="zh-CN" altLang="en-US" dirty="0">
+                <a:hlinkClick r:id="rId4"/>
+              </a:rPr>
+              <a:t>二叉树查找</a:t>
+            </a:r>
+            <a:r>
+              <a:rPr lang="zh-CN" altLang="en-US" dirty="0"/>
+              <a:t>（</a:t>
+            </a:r>
+            <a:r>
+              <a:rPr lang="en-US" altLang="zh-CN" dirty="0"/>
+              <a:t>binary tree search</a:t>
+            </a:r>
+            <a:r>
+              <a:rPr lang="zh-CN" altLang="en-US" dirty="0"/>
+              <a:t>）等。如果稍微分析一下会发现，每种查找算法都只能应用于特定的数据结构之上，例如二分查找要求被检索数据有序，而二叉树查找只能应用于</a:t>
+            </a:r>
+            <a:r>
+              <a:rPr lang="zh-CN" altLang="en-US" dirty="0">
+                <a:hlinkClick r:id="rId4"/>
+              </a:rPr>
+              <a:t>二叉查找树</a:t>
+            </a:r>
+            <a:r>
+              <a:rPr lang="zh-CN" altLang="en-US" dirty="0"/>
+              <a:t>上，但是数据本身的组织结构不可能完全满足各种数据结构（例如，理论上不可能同时将两列都按顺序进行组织），所以，在数据之外，数据库系统还维护着满足特定查找算法的数据结构，这些数据结构以某种方式引用（指向）数据，这样就可以在这些数据结构上实现高级查找算法。这种数据结构，就是索引。</a:t>
+            </a:r>
+          </a:p>
+          <a:p>
+            <a:endParaRPr lang="en-US" dirty="0"/>
+          </a:p>
+        </p:txBody>
+      </p:sp>
+    </p:spTree>
+    <p:extLst>
+      <p:ext uri="{BB962C8B-B14F-4D97-AF65-F5344CB8AC3E}">
+        <p14:creationId xmlns:p14="http://schemas.microsoft.com/office/powerpoint/2010/main" val="1057338735"/>
+      </p:ext>
+    </p:extLst>
+  </p:cSld>
+  <p:clrMapOvr>
+    <a:masterClrMapping/>
+  </p:clrMapOvr>
+</p:sld>
+</file>
+
+<file path=ppt/slides/slide38.xml><?xml version="1.0" encoding="utf-8"?>
+<p:sld xmlns:a="http://schemas.openxmlformats.org/drawingml/2006/main" xmlns:r="http://schemas.openxmlformats.org/officeDocument/2006/relationships" xmlns:p="http://schemas.openxmlformats.org/presentationml/2006/main">
+  <p:cSld>
+    <p:spTree>
+      <p:nvGrpSpPr>
+        <p:cNvPr id="1" name=""/>
+        <p:cNvGrpSpPr/>
+        <p:nvPr/>
+      </p:nvGrpSpPr>
+      <p:grpSpPr>
+        <a:xfrm>
+          <a:off x="0" y="0"/>
+          <a:ext cx="0" cy="0"/>
+          <a:chOff x="0" y="0"/>
+          <a:chExt cx="0" cy="0"/>
+        </a:xfrm>
+      </p:grpSpPr>
+      <p:sp>
+        <p:nvSpPr>
+          <p:cNvPr id="2" name="Title 1"/>
+          <p:cNvSpPr>
+            <a:spLocks noGrp="1"/>
+          </p:cNvSpPr>
+          <p:nvPr>
+            <p:ph type="title"/>
+          </p:nvPr>
+        </p:nvSpPr>
+        <p:spPr/>
+        <p:txBody>
+          <a:bodyPr/>
+          <a:lstStyle/>
+          <a:p>
+            <a:r>
+              <a:rPr lang="zh-CN" altLang="en-US" dirty="0"/>
+              <a:t>一个例子</a:t>
+            </a:r>
+            <a:endParaRPr lang="en-US" dirty="0"/>
+          </a:p>
+        </p:txBody>
+      </p:sp>
+      <p:sp>
+        <p:nvSpPr>
+          <p:cNvPr id="3" name="Content Placeholder 2"/>
+          <p:cNvSpPr>
+            <a:spLocks noGrp="1"/>
+          </p:cNvSpPr>
+          <p:nvPr>
+            <p:ph idx="1"/>
+          </p:nvPr>
+        </p:nvSpPr>
+        <p:spPr>
+          <a:xfrm>
+            <a:off x="838200" y="1825625"/>
+            <a:ext cx="4276774" cy="4351338"/>
+          </a:xfrm>
+        </p:spPr>
+        <p:txBody>
+          <a:bodyPr>
+            <a:normAutofit fontScale="92500" lnSpcReduction="20000"/>
+          </a:bodyPr>
+          <a:lstStyle/>
+          <a:p>
+            <a:r>
+              <a:rPr lang="zh-CN" altLang="en-US" dirty="0"/>
+              <a:t>左边是数据表，一共有两列七条记录，最左边的是数据记录的物理地址（注意逻辑上相邻的记录在磁盘上也并不是一定物理相邻的）。为了加快</a:t>
+            </a:r>
+            <a:r>
+              <a:rPr lang="en-US" altLang="zh-CN" dirty="0"/>
+              <a:t>Col2</a:t>
+            </a:r>
+            <a:r>
+              <a:rPr lang="zh-CN" altLang="en-US" dirty="0"/>
+              <a:t>的查找，可以维护一个右边所示的二叉查找树，每个节点分别包含索引键值和一个指向对应数据记录物理地址的指针，这样就可以运用二叉查找在</a:t>
+            </a:r>
+            <a:r>
+              <a:rPr lang="en-US" altLang="zh-CN" dirty="0" smtClean="0"/>
+              <a:t>O(log2n)</a:t>
+            </a:r>
+            <a:r>
+              <a:rPr lang="zh-CN" altLang="en-US" dirty="0" smtClean="0"/>
+              <a:t>的</a:t>
+            </a:r>
+            <a:r>
+              <a:rPr lang="zh-CN" altLang="en-US" dirty="0"/>
+              <a:t>复杂度内获取到相应数据。</a:t>
+            </a:r>
+            <a:endParaRPr lang="en-US" dirty="0"/>
+          </a:p>
+        </p:txBody>
+      </p:sp>
+      <p:pic>
+        <p:nvPicPr>
+          <p:cNvPr id="1026" name="Picture 2" descr="http://blog.codinglabs.org/uploads/pictures/theory-of-mysql-index/1.png"/>
+          <p:cNvPicPr>
+            <a:picLocks noChangeAspect="1" noChangeArrowheads="1"/>
+          </p:cNvPicPr>
+          <p:nvPr/>
+        </p:nvPicPr>
+        <p:blipFill>
+          <a:blip r:embed="rId2">
+            <a:extLst>
+              <a:ext uri="{28A0092B-C50C-407E-A947-70E740481C1C}">
+                <a14:useLocalDpi xmlns:a14="http://schemas.microsoft.com/office/drawing/2010/main" val="0"/>
+              </a:ext>
+            </a:extLst>
+          </a:blip>
+          <a:srcRect/>
+          <a:stretch>
+            <a:fillRect/>
+          </a:stretch>
+        </p:blipFill>
+        <p:spPr bwMode="auto">
+          <a:xfrm>
+            <a:off x="5114974" y="1825625"/>
+            <a:ext cx="6080411" cy="3071228"/>
+          </a:xfrm>
+          <a:prstGeom prst="rect">
+            <a:avLst/>
+          </a:prstGeom>
+          <a:noFill/>
+          <a:extLst>
+            <a:ext uri="{909E8E84-426E-40DD-AFC4-6F175D3DCCD1}">
+              <a14:hiddenFill xmlns:a14="http://schemas.microsoft.com/office/drawing/2010/main">
+                <a:solidFill>
+                  <a:srgbClr val="FFFFFF"/>
+                </a:solidFill>
+              </a14:hiddenFill>
+            </a:ext>
+          </a:extLst>
+        </p:spPr>
+      </p:pic>
+    </p:spTree>
+    <p:extLst>
+      <p:ext uri="{BB962C8B-B14F-4D97-AF65-F5344CB8AC3E}">
+        <p14:creationId xmlns:p14="http://schemas.microsoft.com/office/powerpoint/2010/main" val="1037234553"/>
+      </p:ext>
+    </p:extLst>
+  </p:cSld>
+  <p:clrMapOvr>
+    <a:masterClrMapping/>
+  </p:clrMapOvr>
+</p:sld>
+</file>
+
+<file path=ppt/slides/slide39.xml><?xml version="1.0" encoding="utf-8"?>
+<p:sld xmlns:a="http://schemas.openxmlformats.org/drawingml/2006/main" xmlns:r="http://schemas.openxmlformats.org/officeDocument/2006/relationships" xmlns:p="http://schemas.openxmlformats.org/presentationml/2006/main">
+  <p:cSld>
+    <p:spTree>
+      <p:nvGrpSpPr>
+        <p:cNvPr id="1" name=""/>
+        <p:cNvGrpSpPr/>
+        <p:nvPr/>
+      </p:nvGrpSpPr>
+      <p:grpSpPr>
+        <a:xfrm>
+          <a:off x="0" y="0"/>
+          <a:ext cx="0" cy="0"/>
+          <a:chOff x="0" y="0"/>
+          <a:chExt cx="0" cy="0"/>
+        </a:xfrm>
+      </p:grpSpPr>
+      <p:sp>
+        <p:nvSpPr>
+          <p:cNvPr id="2" name="Title 1"/>
+          <p:cNvSpPr>
+            <a:spLocks noGrp="1"/>
+          </p:cNvSpPr>
+          <p:nvPr>
+            <p:ph type="title"/>
+          </p:nvPr>
+        </p:nvSpPr>
+        <p:spPr/>
+        <p:txBody>
+          <a:bodyPr/>
+          <a:lstStyle/>
+          <a:p>
+            <a:r>
+              <a:rPr lang="en-US" dirty="0" err="1"/>
+              <a:t>B-Tree和</a:t>
+            </a:r>
+            <a:r>
+              <a:rPr lang="en-US" dirty="0" err="1" smtClean="0"/>
+              <a:t>B+Tree</a:t>
+            </a:r>
+            <a:endParaRPr lang="en-US" dirty="0"/>
+          </a:p>
+        </p:txBody>
+      </p:sp>
+      <p:sp>
+        <p:nvSpPr>
+          <p:cNvPr id="3" name="Content Placeholder 2"/>
+          <p:cNvSpPr>
+            <a:spLocks noGrp="1"/>
+          </p:cNvSpPr>
+          <p:nvPr>
+            <p:ph idx="1"/>
+          </p:nvPr>
+        </p:nvSpPr>
+        <p:spPr>
+          <a:xfrm>
+            <a:off x="312821" y="1825625"/>
+            <a:ext cx="11040979" cy="4827838"/>
+          </a:xfrm>
+        </p:spPr>
+        <p:txBody>
+          <a:bodyPr>
+            <a:normAutofit fontScale="55000" lnSpcReduction="20000"/>
+          </a:bodyPr>
+          <a:lstStyle/>
+          <a:p>
+            <a:r>
+              <a:rPr lang="zh-CN" altLang="en-US" dirty="0"/>
+              <a:t>目前大部分数据库系统及文件系统都采用</a:t>
+            </a:r>
+            <a:r>
+              <a:rPr lang="en-US" altLang="zh-CN" dirty="0"/>
+              <a:t>B-Tree</a:t>
+            </a:r>
+            <a:r>
+              <a:rPr lang="zh-CN" altLang="en-US" dirty="0"/>
+              <a:t>或其变种</a:t>
+            </a:r>
+            <a:r>
+              <a:rPr lang="en-US" altLang="zh-CN" dirty="0" err="1"/>
+              <a:t>B+Tree</a:t>
+            </a:r>
+            <a:r>
+              <a:rPr lang="zh-CN" altLang="en-US" dirty="0"/>
+              <a:t>作为索引</a:t>
+            </a:r>
+            <a:r>
+              <a:rPr lang="zh-CN" altLang="en-US" dirty="0" smtClean="0"/>
+              <a:t>结构</a:t>
+            </a:r>
+            <a:endParaRPr lang="en-US" altLang="zh-CN" dirty="0" smtClean="0"/>
+          </a:p>
+          <a:p>
+            <a:r>
+              <a:rPr lang="zh-CN" altLang="en-US" dirty="0"/>
+              <a:t>为了描述</a:t>
+            </a:r>
+            <a:r>
+              <a:rPr lang="en-US" altLang="zh-CN" dirty="0"/>
+              <a:t>B-Tree</a:t>
+            </a:r>
+            <a:r>
+              <a:rPr lang="zh-CN" altLang="en-US" dirty="0"/>
+              <a:t>，首先定义一条数据记录为一个二元组</a:t>
+            </a:r>
+            <a:r>
+              <a:rPr lang="en-US" altLang="zh-CN" dirty="0"/>
+              <a:t>[key, data]</a:t>
+            </a:r>
+            <a:r>
+              <a:rPr lang="zh-CN" altLang="en-US" dirty="0"/>
+              <a:t>，</a:t>
+            </a:r>
+            <a:r>
+              <a:rPr lang="en-US" altLang="zh-CN" dirty="0"/>
+              <a:t>key</a:t>
+            </a:r>
+            <a:r>
+              <a:rPr lang="zh-CN" altLang="en-US" dirty="0"/>
+              <a:t>为记录的键值，对于不同数据记录，</a:t>
+            </a:r>
+            <a:r>
+              <a:rPr lang="en-US" altLang="zh-CN" dirty="0"/>
+              <a:t>key</a:t>
+            </a:r>
+            <a:r>
+              <a:rPr lang="zh-CN" altLang="en-US" dirty="0"/>
+              <a:t>是互不相同的；</a:t>
+            </a:r>
+            <a:r>
+              <a:rPr lang="en-US" altLang="zh-CN" dirty="0"/>
+              <a:t>data</a:t>
+            </a:r>
+            <a:r>
+              <a:rPr lang="zh-CN" altLang="en-US" dirty="0"/>
+              <a:t>为数据记录除</a:t>
+            </a:r>
+            <a:r>
+              <a:rPr lang="en-US" altLang="zh-CN" dirty="0"/>
+              <a:t>key</a:t>
+            </a:r>
+            <a:r>
+              <a:rPr lang="zh-CN" altLang="en-US" dirty="0"/>
+              <a:t>外的数据。那么</a:t>
+            </a:r>
+            <a:r>
+              <a:rPr lang="en-US" altLang="zh-CN" dirty="0"/>
+              <a:t>B-Tree</a:t>
+            </a:r>
+            <a:r>
+              <a:rPr lang="zh-CN" altLang="en-US" dirty="0"/>
+              <a:t>是满足下列条件的数据结构：</a:t>
+            </a:r>
+          </a:p>
+          <a:p>
+            <a:r>
+              <a:rPr lang="en-US" altLang="zh-CN" dirty="0"/>
+              <a:t>d</a:t>
+            </a:r>
+            <a:r>
+              <a:rPr lang="zh-CN" altLang="en-US" dirty="0"/>
+              <a:t>为大于</a:t>
+            </a:r>
+            <a:r>
+              <a:rPr lang="en-US" altLang="zh-CN" dirty="0"/>
+              <a:t>1</a:t>
+            </a:r>
+            <a:r>
+              <a:rPr lang="zh-CN" altLang="en-US" dirty="0"/>
+              <a:t>的一个正整数，称为</a:t>
+            </a:r>
+            <a:r>
+              <a:rPr lang="en-US" altLang="zh-CN" dirty="0"/>
+              <a:t>B-Tree</a:t>
+            </a:r>
+            <a:r>
+              <a:rPr lang="zh-CN" altLang="en-US" dirty="0"/>
+              <a:t>的度。</a:t>
+            </a:r>
+          </a:p>
+          <a:p>
+            <a:r>
+              <a:rPr lang="en-US" altLang="zh-CN" dirty="0"/>
+              <a:t>h</a:t>
+            </a:r>
+            <a:r>
+              <a:rPr lang="zh-CN" altLang="en-US" dirty="0"/>
+              <a:t>为一个正整数，称为</a:t>
+            </a:r>
+            <a:r>
+              <a:rPr lang="en-US" altLang="zh-CN" dirty="0"/>
+              <a:t>B-Tree</a:t>
+            </a:r>
+            <a:r>
+              <a:rPr lang="zh-CN" altLang="en-US" dirty="0"/>
+              <a:t>的高度。</a:t>
+            </a:r>
+          </a:p>
+          <a:p>
+            <a:r>
+              <a:rPr lang="zh-CN" altLang="en-US" dirty="0"/>
+              <a:t>每个非叶子节点由</a:t>
+            </a:r>
+            <a:r>
+              <a:rPr lang="en-US" altLang="zh-CN" dirty="0"/>
+              <a:t>n-1</a:t>
+            </a:r>
+            <a:r>
+              <a:rPr lang="zh-CN" altLang="en-US" dirty="0"/>
+              <a:t>个</a:t>
+            </a:r>
+            <a:r>
+              <a:rPr lang="en-US" altLang="zh-CN" dirty="0"/>
+              <a:t>key</a:t>
+            </a:r>
+            <a:r>
+              <a:rPr lang="zh-CN" altLang="en-US" dirty="0"/>
+              <a:t>和</a:t>
+            </a:r>
+            <a:r>
+              <a:rPr lang="en-US" altLang="zh-CN" dirty="0"/>
+              <a:t>n</a:t>
+            </a:r>
+            <a:r>
+              <a:rPr lang="zh-CN" altLang="en-US" dirty="0"/>
+              <a:t>个指针组成，其中</a:t>
+            </a:r>
+            <a:r>
+              <a:rPr lang="en-US" altLang="zh-CN" dirty="0"/>
+              <a:t>d&lt;=n&lt;=2d</a:t>
+            </a:r>
+            <a:r>
+              <a:rPr lang="zh-CN" altLang="en-US" dirty="0"/>
+              <a:t>。</a:t>
+            </a:r>
+          </a:p>
+          <a:p>
+            <a:r>
+              <a:rPr lang="zh-CN" altLang="en-US" dirty="0"/>
+              <a:t>每个叶子节点最少包含一个</a:t>
+            </a:r>
+            <a:r>
+              <a:rPr lang="en-US" altLang="zh-CN" dirty="0"/>
+              <a:t>key</a:t>
+            </a:r>
+            <a:r>
+              <a:rPr lang="zh-CN" altLang="en-US" dirty="0"/>
+              <a:t>和两个指针，最多包含</a:t>
+            </a:r>
+            <a:r>
+              <a:rPr lang="en-US" altLang="zh-CN" dirty="0"/>
+              <a:t>2d-1</a:t>
+            </a:r>
+            <a:r>
+              <a:rPr lang="zh-CN" altLang="en-US" dirty="0"/>
+              <a:t>个</a:t>
+            </a:r>
+            <a:r>
+              <a:rPr lang="en-US" altLang="zh-CN" dirty="0"/>
+              <a:t>key</a:t>
+            </a:r>
+            <a:r>
+              <a:rPr lang="zh-CN" altLang="en-US" dirty="0"/>
+              <a:t>和</a:t>
+            </a:r>
+            <a:r>
+              <a:rPr lang="en-US" altLang="zh-CN" dirty="0"/>
+              <a:t>2d</a:t>
+            </a:r>
+            <a:r>
+              <a:rPr lang="zh-CN" altLang="en-US" dirty="0"/>
+              <a:t>个指针，叶节点的指针均为</a:t>
+            </a:r>
+            <a:r>
+              <a:rPr lang="en-US" altLang="zh-CN" dirty="0"/>
+              <a:t>null </a:t>
+            </a:r>
+            <a:r>
+              <a:rPr lang="zh-CN" altLang="en-US" dirty="0"/>
+              <a:t>。</a:t>
+            </a:r>
+          </a:p>
+          <a:p>
+            <a:r>
+              <a:rPr lang="zh-CN" altLang="en-US" dirty="0"/>
+              <a:t>所有叶节点具有相同的深度，等于树高</a:t>
+            </a:r>
+            <a:r>
+              <a:rPr lang="en-US" altLang="zh-CN" dirty="0"/>
+              <a:t>h</a:t>
+            </a:r>
+            <a:r>
+              <a:rPr lang="zh-CN" altLang="en-US" dirty="0"/>
+              <a:t>。</a:t>
+            </a:r>
+          </a:p>
+          <a:p>
+            <a:r>
+              <a:rPr lang="en-US" altLang="zh-CN" dirty="0"/>
+              <a:t>key</a:t>
+            </a:r>
+            <a:r>
+              <a:rPr lang="zh-CN" altLang="en-US" dirty="0"/>
+              <a:t>和指针互相间隔，节点两端是指针。</a:t>
+            </a:r>
+          </a:p>
+          <a:p>
+            <a:r>
+              <a:rPr lang="zh-CN" altLang="en-US" dirty="0"/>
+              <a:t>一个节点中的</a:t>
+            </a:r>
+            <a:r>
+              <a:rPr lang="en-US" altLang="zh-CN" dirty="0"/>
+              <a:t>key</a:t>
+            </a:r>
+            <a:r>
+              <a:rPr lang="zh-CN" altLang="en-US" dirty="0"/>
+              <a:t>从左到右非递减排列。</a:t>
+            </a:r>
+          </a:p>
+          <a:p>
+            <a:r>
+              <a:rPr lang="zh-CN" altLang="en-US" dirty="0"/>
+              <a:t>所有节点组成树结构。</a:t>
+            </a:r>
+          </a:p>
+          <a:p>
+            <a:r>
+              <a:rPr lang="zh-CN" altLang="en-US" dirty="0"/>
+              <a:t>每个指针要么为</a:t>
+            </a:r>
+            <a:r>
+              <a:rPr lang="en-US" altLang="zh-CN" dirty="0"/>
+              <a:t>null</a:t>
+            </a:r>
+            <a:r>
+              <a:rPr lang="zh-CN" altLang="en-US" dirty="0"/>
+              <a:t>，要么指向另外一个节点。</a:t>
+            </a:r>
+          </a:p>
+          <a:p>
+            <a:r>
+              <a:rPr lang="zh-CN" altLang="en-US" dirty="0"/>
+              <a:t>如果某个指针在节点</a:t>
+            </a:r>
+            <a:r>
+              <a:rPr lang="en-US" altLang="zh-CN" dirty="0"/>
+              <a:t>node</a:t>
+            </a:r>
+            <a:r>
+              <a:rPr lang="zh-CN" altLang="en-US" dirty="0"/>
+              <a:t>最左边且不为</a:t>
+            </a:r>
+            <a:r>
+              <a:rPr lang="en-US" altLang="zh-CN" dirty="0"/>
+              <a:t>null</a:t>
+            </a:r>
+            <a:r>
+              <a:rPr lang="zh-CN" altLang="en-US" dirty="0"/>
+              <a:t>，则其指向节点的所有</a:t>
+            </a:r>
+            <a:r>
+              <a:rPr lang="en-US" altLang="zh-CN" dirty="0"/>
+              <a:t>key</a:t>
+            </a:r>
+            <a:r>
+              <a:rPr lang="zh-CN" altLang="en-US" dirty="0"/>
+              <a:t>小于</a:t>
+            </a:r>
+            <a:r>
+              <a:rPr lang="en-US" altLang="zh-CN" dirty="0"/>
+              <a:t>v(key1)v(key1)</a:t>
+            </a:r>
+            <a:r>
+              <a:rPr lang="zh-CN" altLang="en-US" dirty="0"/>
+              <a:t>，其中</a:t>
+            </a:r>
+            <a:r>
+              <a:rPr lang="en-US" altLang="zh-CN" dirty="0"/>
+              <a:t>v(key1)v(key1)</a:t>
+            </a:r>
+            <a:r>
+              <a:rPr lang="zh-CN" altLang="en-US" dirty="0"/>
+              <a:t>为</a:t>
+            </a:r>
+            <a:r>
+              <a:rPr lang="en-US" altLang="zh-CN" dirty="0"/>
+              <a:t>node</a:t>
+            </a:r>
+            <a:r>
+              <a:rPr lang="zh-CN" altLang="en-US" dirty="0"/>
+              <a:t>的第一个</a:t>
+            </a:r>
+            <a:r>
+              <a:rPr lang="en-US" altLang="zh-CN" dirty="0"/>
+              <a:t>key</a:t>
+            </a:r>
+            <a:r>
+              <a:rPr lang="zh-CN" altLang="en-US" dirty="0"/>
+              <a:t>的值。</a:t>
+            </a:r>
+          </a:p>
+          <a:p>
+            <a:r>
+              <a:rPr lang="zh-CN" altLang="en-US" dirty="0"/>
+              <a:t>如果某个指针在节点</a:t>
+            </a:r>
+            <a:r>
+              <a:rPr lang="en-US" altLang="zh-CN" dirty="0"/>
+              <a:t>node</a:t>
+            </a:r>
+            <a:r>
+              <a:rPr lang="zh-CN" altLang="en-US" dirty="0"/>
+              <a:t>最右边且不为</a:t>
+            </a:r>
+            <a:r>
+              <a:rPr lang="en-US" altLang="zh-CN" dirty="0"/>
+              <a:t>null</a:t>
+            </a:r>
+            <a:r>
+              <a:rPr lang="zh-CN" altLang="en-US" dirty="0"/>
+              <a:t>，则其指向节点的所有</a:t>
+            </a:r>
+            <a:r>
+              <a:rPr lang="en-US" altLang="zh-CN" dirty="0"/>
+              <a:t>key</a:t>
+            </a:r>
+            <a:r>
+              <a:rPr lang="zh-CN" altLang="en-US" dirty="0"/>
+              <a:t>大于</a:t>
+            </a:r>
+            <a:r>
+              <a:rPr lang="en-US" altLang="zh-CN" dirty="0"/>
+              <a:t>v(</a:t>
+            </a:r>
+            <a:r>
+              <a:rPr lang="en-US" altLang="zh-CN" dirty="0" err="1"/>
+              <a:t>keym</a:t>
+            </a:r>
+            <a:r>
+              <a:rPr lang="en-US" altLang="zh-CN" dirty="0"/>
+              <a:t>)v(</a:t>
+            </a:r>
+            <a:r>
+              <a:rPr lang="en-US" altLang="zh-CN" dirty="0" err="1"/>
+              <a:t>keym</a:t>
+            </a:r>
+            <a:r>
+              <a:rPr lang="en-US" altLang="zh-CN" dirty="0"/>
+              <a:t>)</a:t>
+            </a:r>
+            <a:r>
+              <a:rPr lang="zh-CN" altLang="en-US" dirty="0"/>
+              <a:t>，其中</a:t>
+            </a:r>
+            <a:r>
+              <a:rPr lang="en-US" altLang="zh-CN" dirty="0"/>
+              <a:t>v(</a:t>
+            </a:r>
+            <a:r>
+              <a:rPr lang="en-US" altLang="zh-CN" dirty="0" err="1"/>
+              <a:t>keym</a:t>
+            </a:r>
+            <a:r>
+              <a:rPr lang="en-US" altLang="zh-CN" dirty="0"/>
+              <a:t>)v(</a:t>
+            </a:r>
+            <a:r>
+              <a:rPr lang="en-US" altLang="zh-CN" dirty="0" err="1"/>
+              <a:t>keym</a:t>
+            </a:r>
+            <a:r>
+              <a:rPr lang="en-US" altLang="zh-CN" dirty="0"/>
+              <a:t>)</a:t>
+            </a:r>
+            <a:r>
+              <a:rPr lang="zh-CN" altLang="en-US" dirty="0"/>
+              <a:t>为</a:t>
+            </a:r>
+            <a:r>
+              <a:rPr lang="en-US" altLang="zh-CN" dirty="0"/>
+              <a:t>node</a:t>
+            </a:r>
+            <a:r>
+              <a:rPr lang="zh-CN" altLang="en-US" dirty="0"/>
+              <a:t>的最后一个</a:t>
+            </a:r>
+            <a:r>
+              <a:rPr lang="en-US" altLang="zh-CN" dirty="0"/>
+              <a:t>key</a:t>
+            </a:r>
+            <a:r>
+              <a:rPr lang="zh-CN" altLang="en-US" dirty="0"/>
+              <a:t>的值。</a:t>
+            </a:r>
+          </a:p>
+          <a:p>
+            <a:r>
+              <a:rPr lang="zh-CN" altLang="en-US" dirty="0"/>
+              <a:t>如果某个指针在节点</a:t>
+            </a:r>
+            <a:r>
+              <a:rPr lang="en-US" altLang="zh-CN" dirty="0"/>
+              <a:t>node</a:t>
+            </a:r>
+            <a:r>
+              <a:rPr lang="zh-CN" altLang="en-US" dirty="0"/>
+              <a:t>的左右相邻</a:t>
+            </a:r>
+            <a:r>
+              <a:rPr lang="en-US" altLang="zh-CN" dirty="0"/>
+              <a:t>key</a:t>
+            </a:r>
+            <a:r>
+              <a:rPr lang="zh-CN" altLang="en-US" dirty="0"/>
+              <a:t>分别是</a:t>
+            </a:r>
+            <a:r>
+              <a:rPr lang="en-US" altLang="zh-CN" dirty="0" err="1"/>
+              <a:t>keyikeyi</a:t>
+            </a:r>
+            <a:r>
+              <a:rPr lang="zh-CN" altLang="en-US" dirty="0"/>
+              <a:t>和</a:t>
+            </a:r>
+            <a:r>
+              <a:rPr lang="en-US" altLang="zh-CN" dirty="0"/>
+              <a:t>keyi+1keyi+1</a:t>
+            </a:r>
+            <a:r>
+              <a:rPr lang="zh-CN" altLang="en-US" dirty="0"/>
+              <a:t>且不为</a:t>
+            </a:r>
+            <a:r>
+              <a:rPr lang="en-US" altLang="zh-CN" dirty="0"/>
+              <a:t>null</a:t>
+            </a:r>
+            <a:r>
+              <a:rPr lang="zh-CN" altLang="en-US" dirty="0"/>
+              <a:t>，则其指向节点的所有</a:t>
+            </a:r>
+            <a:r>
+              <a:rPr lang="en-US" altLang="zh-CN" dirty="0"/>
+              <a:t>key</a:t>
+            </a:r>
+            <a:r>
+              <a:rPr lang="zh-CN" altLang="en-US" dirty="0"/>
+              <a:t>小于</a:t>
+            </a:r>
+            <a:r>
+              <a:rPr lang="en-US" altLang="zh-CN" dirty="0"/>
+              <a:t>v(keyi+1)v(keyi+1)</a:t>
+            </a:r>
+            <a:r>
+              <a:rPr lang="zh-CN" altLang="en-US" dirty="0"/>
+              <a:t>且大于</a:t>
+            </a:r>
+            <a:r>
+              <a:rPr lang="en-US" altLang="zh-CN" dirty="0"/>
+              <a:t>v(</a:t>
+            </a:r>
+            <a:r>
+              <a:rPr lang="en-US" altLang="zh-CN" dirty="0" err="1"/>
+              <a:t>keyi</a:t>
+            </a:r>
+            <a:r>
+              <a:rPr lang="en-US" altLang="zh-CN" dirty="0"/>
+              <a:t>)v(</a:t>
+            </a:r>
+            <a:r>
+              <a:rPr lang="en-US" altLang="zh-CN" dirty="0" err="1"/>
+              <a:t>keyi</a:t>
+            </a:r>
+            <a:r>
+              <a:rPr lang="en-US" altLang="zh-CN" dirty="0"/>
+              <a:t>)</a:t>
+            </a:r>
+            <a:r>
+              <a:rPr lang="zh-CN" altLang="en-US" dirty="0" smtClean="0"/>
+              <a:t>。</a:t>
+            </a:r>
+            <a:endParaRPr lang="zh-CN" altLang="en-US" dirty="0"/>
+          </a:p>
+        </p:txBody>
+      </p:sp>
+    </p:spTree>
+    <p:extLst>
+      <p:ext uri="{BB962C8B-B14F-4D97-AF65-F5344CB8AC3E}">
+        <p14:creationId xmlns:p14="http://schemas.microsoft.com/office/powerpoint/2010/main" val="1136647022"/>
+      </p:ext>
+    </p:extLst>
+  </p:cSld>
+  <p:clrMapOvr>
+    <a:masterClrMapping/>
+  </p:clrMapOvr>
 </p:sld>
 </file>
 
@@ -7305,6 +8751,1629 @@
     <p:extLst>
       <p:ext uri="{BB962C8B-B14F-4D97-AF65-F5344CB8AC3E}">
         <p14:creationId xmlns:p14="http://schemas.microsoft.com/office/powerpoint/2010/main" val="1617041209"/>
+      </p:ext>
+    </p:extLst>
+  </p:cSld>
+  <p:clrMapOvr>
+    <a:masterClrMapping/>
+  </p:clrMapOvr>
+</p:sld>
+</file>
+
+<file path=ppt/slides/slide40.xml><?xml version="1.0" encoding="utf-8"?>
+<p:sld xmlns:a="http://schemas.openxmlformats.org/drawingml/2006/main" xmlns:r="http://schemas.openxmlformats.org/officeDocument/2006/relationships" xmlns:p="http://schemas.openxmlformats.org/presentationml/2006/main">
+  <p:cSld>
+    <p:spTree>
+      <p:nvGrpSpPr>
+        <p:cNvPr id="1" name=""/>
+        <p:cNvGrpSpPr/>
+        <p:nvPr/>
+      </p:nvGrpSpPr>
+      <p:grpSpPr>
+        <a:xfrm>
+          <a:off x="0" y="0"/>
+          <a:ext cx="0" cy="0"/>
+          <a:chOff x="0" y="0"/>
+          <a:chExt cx="0" cy="0"/>
+        </a:xfrm>
+      </p:grpSpPr>
+      <p:sp>
+        <p:nvSpPr>
+          <p:cNvPr id="2" name="Title 1"/>
+          <p:cNvSpPr>
+            <a:spLocks noGrp="1"/>
+          </p:cNvSpPr>
+          <p:nvPr>
+            <p:ph type="title"/>
+          </p:nvPr>
+        </p:nvSpPr>
+        <p:spPr/>
+        <p:txBody>
+          <a:bodyPr/>
+          <a:lstStyle/>
+          <a:p>
+            <a:endParaRPr lang="en-US"/>
+          </a:p>
+        </p:txBody>
+      </p:sp>
+      <p:sp>
+        <p:nvSpPr>
+          <p:cNvPr id="3" name="Content Placeholder 2"/>
+          <p:cNvSpPr>
+            <a:spLocks noGrp="1"/>
+          </p:cNvSpPr>
+          <p:nvPr>
+            <p:ph idx="1"/>
+          </p:nvPr>
+        </p:nvSpPr>
+        <p:spPr/>
+        <p:txBody>
+          <a:bodyPr/>
+          <a:lstStyle/>
+          <a:p>
+            <a:r>
+              <a:rPr lang="zh-CN" altLang="en-US" dirty="0"/>
+              <a:t>由于</a:t>
+            </a:r>
+            <a:r>
+              <a:rPr lang="en-US" altLang="zh-CN" dirty="0"/>
+              <a:t>B-Tree</a:t>
+            </a:r>
+            <a:r>
+              <a:rPr lang="zh-CN" altLang="en-US" dirty="0"/>
+              <a:t>的特性，在</a:t>
+            </a:r>
+            <a:r>
+              <a:rPr lang="en-US" altLang="zh-CN" dirty="0"/>
+              <a:t>B-Tree</a:t>
+            </a:r>
+            <a:r>
+              <a:rPr lang="zh-CN" altLang="en-US" dirty="0"/>
+              <a:t>中按</a:t>
+            </a:r>
+            <a:r>
+              <a:rPr lang="en-US" altLang="zh-CN" dirty="0"/>
+              <a:t>key</a:t>
+            </a:r>
+            <a:r>
+              <a:rPr lang="zh-CN" altLang="en-US" dirty="0"/>
+              <a:t>检索数据的算法非常直观：首先从根节点进行二分查找，如果找到则返回对应节点的</a:t>
+            </a:r>
+            <a:r>
+              <a:rPr lang="en-US" altLang="zh-CN" dirty="0"/>
+              <a:t>data</a:t>
+            </a:r>
+            <a:r>
+              <a:rPr lang="zh-CN" altLang="en-US" dirty="0"/>
+              <a:t>，否则对相应区间的指针指向的节点递归进行查找，直到找到节点或找到</a:t>
+            </a:r>
+            <a:r>
+              <a:rPr lang="en-US" altLang="zh-CN" dirty="0"/>
+              <a:t>null</a:t>
+            </a:r>
+            <a:r>
+              <a:rPr lang="zh-CN" altLang="en-US" dirty="0"/>
+              <a:t>指针，前者查找成功，后者查找失败。</a:t>
+            </a:r>
+            <a:endParaRPr lang="en-US" dirty="0"/>
+          </a:p>
+        </p:txBody>
+      </p:sp>
+      <p:pic>
+        <p:nvPicPr>
+          <p:cNvPr id="2050" name="Picture 2" descr="http://blog.codinglabs.org/uploads/pictures/theory-of-mysql-index/2.png"/>
+          <p:cNvPicPr>
+            <a:picLocks noChangeAspect="1" noChangeArrowheads="1"/>
+          </p:cNvPicPr>
+          <p:nvPr/>
+        </p:nvPicPr>
+        <p:blipFill>
+          <a:blip r:embed="rId2">
+            <a:extLst>
+              <a:ext uri="{28A0092B-C50C-407E-A947-70E740481C1C}">
+                <a14:useLocalDpi xmlns:a14="http://schemas.microsoft.com/office/drawing/2010/main" val="0"/>
+              </a:ext>
+            </a:extLst>
+          </a:blip>
+          <a:srcRect/>
+          <a:stretch>
+            <a:fillRect/>
+          </a:stretch>
+        </p:blipFill>
+        <p:spPr bwMode="auto">
+          <a:xfrm>
+            <a:off x="838200" y="4195846"/>
+            <a:ext cx="10602318" cy="2662154"/>
+          </a:xfrm>
+          <a:prstGeom prst="rect">
+            <a:avLst/>
+          </a:prstGeom>
+          <a:noFill/>
+          <a:extLst>
+            <a:ext uri="{909E8E84-426E-40DD-AFC4-6F175D3DCCD1}">
+              <a14:hiddenFill xmlns:a14="http://schemas.microsoft.com/office/drawing/2010/main">
+                <a:solidFill>
+                  <a:srgbClr val="FFFFFF"/>
+                </a:solidFill>
+              </a14:hiddenFill>
+            </a:ext>
+          </a:extLst>
+        </p:spPr>
+      </p:pic>
+    </p:spTree>
+    <p:extLst>
+      <p:ext uri="{BB962C8B-B14F-4D97-AF65-F5344CB8AC3E}">
+        <p14:creationId xmlns:p14="http://schemas.microsoft.com/office/powerpoint/2010/main" val="1916624564"/>
+      </p:ext>
+    </p:extLst>
+  </p:cSld>
+  <p:clrMapOvr>
+    <a:masterClrMapping/>
+  </p:clrMapOvr>
+</p:sld>
+</file>
+
+<file path=ppt/slides/slide41.xml><?xml version="1.0" encoding="utf-8"?>
+<p:sld xmlns:a="http://schemas.openxmlformats.org/drawingml/2006/main" xmlns:r="http://schemas.openxmlformats.org/officeDocument/2006/relationships" xmlns:p="http://schemas.openxmlformats.org/presentationml/2006/main">
+  <p:cSld>
+    <p:spTree>
+      <p:nvGrpSpPr>
+        <p:cNvPr id="1" name=""/>
+        <p:cNvGrpSpPr/>
+        <p:nvPr/>
+      </p:nvGrpSpPr>
+      <p:grpSpPr>
+        <a:xfrm>
+          <a:off x="0" y="0"/>
+          <a:ext cx="0" cy="0"/>
+          <a:chOff x="0" y="0"/>
+          <a:chExt cx="0" cy="0"/>
+        </a:xfrm>
+      </p:grpSpPr>
+      <p:sp>
+        <p:nvSpPr>
+          <p:cNvPr id="2" name="Title 1"/>
+          <p:cNvSpPr>
+            <a:spLocks noGrp="1"/>
+          </p:cNvSpPr>
+          <p:nvPr>
+            <p:ph type="title"/>
+          </p:nvPr>
+        </p:nvSpPr>
+        <p:spPr/>
+        <p:txBody>
+          <a:bodyPr/>
+          <a:lstStyle/>
+          <a:p>
+            <a:r>
+              <a:rPr lang="en-US" dirty="0" err="1" smtClean="0"/>
+              <a:t>B+Tree</a:t>
+            </a:r>
+            <a:endParaRPr lang="en-US" dirty="0"/>
+          </a:p>
+        </p:txBody>
+      </p:sp>
+      <p:sp>
+        <p:nvSpPr>
+          <p:cNvPr id="3" name="Content Placeholder 2"/>
+          <p:cNvSpPr>
+            <a:spLocks noGrp="1"/>
+          </p:cNvSpPr>
+          <p:nvPr>
+            <p:ph idx="1"/>
+          </p:nvPr>
+        </p:nvSpPr>
+        <p:spPr/>
+        <p:txBody>
+          <a:bodyPr/>
+          <a:lstStyle/>
+          <a:p>
+            <a:r>
+              <a:rPr lang="en-US" altLang="zh-CN" dirty="0"/>
+              <a:t>B-Tree</a:t>
+            </a:r>
+            <a:r>
+              <a:rPr lang="zh-CN" altLang="en-US" dirty="0"/>
+              <a:t>有许多变种，其中最常见的是</a:t>
+            </a:r>
+            <a:r>
+              <a:rPr lang="en-US" altLang="zh-CN" dirty="0" err="1"/>
+              <a:t>B+Tree</a:t>
+            </a:r>
+            <a:r>
+              <a:rPr lang="zh-CN" altLang="en-US" dirty="0"/>
+              <a:t>，例如</a:t>
+            </a:r>
+            <a:r>
+              <a:rPr lang="en-US" altLang="zh-CN" dirty="0"/>
+              <a:t>MySQL</a:t>
+            </a:r>
+            <a:r>
+              <a:rPr lang="zh-CN" altLang="en-US" dirty="0"/>
+              <a:t>就普遍使用</a:t>
+            </a:r>
+            <a:r>
+              <a:rPr lang="en-US" altLang="zh-CN" dirty="0" err="1"/>
+              <a:t>B+Tree</a:t>
+            </a:r>
+            <a:r>
+              <a:rPr lang="zh-CN" altLang="en-US" dirty="0"/>
+              <a:t>实现其索引结构。</a:t>
+            </a:r>
+          </a:p>
+          <a:p>
+            <a:r>
+              <a:rPr lang="zh-CN" altLang="en-US" dirty="0"/>
+              <a:t>与</a:t>
+            </a:r>
+            <a:r>
+              <a:rPr lang="en-US" altLang="zh-CN" dirty="0"/>
+              <a:t>B-Tree</a:t>
+            </a:r>
+            <a:r>
+              <a:rPr lang="zh-CN" altLang="en-US" dirty="0"/>
+              <a:t>相比，</a:t>
+            </a:r>
+            <a:r>
+              <a:rPr lang="en-US" altLang="zh-CN" dirty="0" err="1"/>
+              <a:t>B+Tree</a:t>
+            </a:r>
+            <a:r>
+              <a:rPr lang="zh-CN" altLang="en-US" dirty="0"/>
+              <a:t>有以下不同点：</a:t>
+            </a:r>
+          </a:p>
+          <a:p>
+            <a:r>
+              <a:rPr lang="zh-CN" altLang="en-US" dirty="0"/>
+              <a:t>每个节点的指针上限为</a:t>
+            </a:r>
+            <a:r>
+              <a:rPr lang="en-US" altLang="zh-CN" dirty="0"/>
+              <a:t>2d</a:t>
+            </a:r>
+            <a:r>
+              <a:rPr lang="zh-CN" altLang="en-US" dirty="0"/>
+              <a:t>而不是</a:t>
+            </a:r>
+            <a:r>
+              <a:rPr lang="en-US" altLang="zh-CN" dirty="0"/>
+              <a:t>2d+1</a:t>
+            </a:r>
+            <a:r>
+              <a:rPr lang="zh-CN" altLang="en-US" dirty="0"/>
+              <a:t>。</a:t>
+            </a:r>
+          </a:p>
+          <a:p>
+            <a:r>
+              <a:rPr lang="zh-CN" altLang="en-US" dirty="0"/>
+              <a:t>内节点不存储</a:t>
+            </a:r>
+            <a:r>
+              <a:rPr lang="en-US" altLang="zh-CN" dirty="0"/>
+              <a:t>data</a:t>
+            </a:r>
+            <a:r>
+              <a:rPr lang="zh-CN" altLang="en-US" dirty="0"/>
+              <a:t>，只存储</a:t>
+            </a:r>
+            <a:r>
+              <a:rPr lang="en-US" altLang="zh-CN" dirty="0"/>
+              <a:t>key</a:t>
+            </a:r>
+            <a:r>
+              <a:rPr lang="zh-CN" altLang="en-US" dirty="0"/>
+              <a:t>；叶子节点不存储指针</a:t>
+            </a:r>
+            <a:r>
+              <a:rPr lang="zh-CN" altLang="en-US" dirty="0" smtClean="0"/>
+              <a:t>。</a:t>
+            </a:r>
+            <a:endParaRPr lang="zh-CN" altLang="en-US" dirty="0"/>
+          </a:p>
+        </p:txBody>
+      </p:sp>
+      <p:pic>
+        <p:nvPicPr>
+          <p:cNvPr id="3074" name="Picture 2" descr="http://blog.codinglabs.org/uploads/pictures/theory-of-mysql-index/3.png"/>
+          <p:cNvPicPr>
+            <a:picLocks noChangeAspect="1" noChangeArrowheads="1"/>
+          </p:cNvPicPr>
+          <p:nvPr/>
+        </p:nvPicPr>
+        <p:blipFill>
+          <a:blip r:embed="rId2">
+            <a:extLst>
+              <a:ext uri="{28A0092B-C50C-407E-A947-70E740481C1C}">
+                <a14:useLocalDpi xmlns:a14="http://schemas.microsoft.com/office/drawing/2010/main" val="0"/>
+              </a:ext>
+            </a:extLst>
+          </a:blip>
+          <a:srcRect/>
+          <a:stretch>
+            <a:fillRect/>
+          </a:stretch>
+        </p:blipFill>
+        <p:spPr bwMode="auto">
+          <a:xfrm>
+            <a:off x="1768642" y="4344131"/>
+            <a:ext cx="7146758" cy="2513869"/>
+          </a:xfrm>
+          <a:prstGeom prst="rect">
+            <a:avLst/>
+          </a:prstGeom>
+          <a:noFill/>
+          <a:extLst>
+            <a:ext uri="{909E8E84-426E-40DD-AFC4-6F175D3DCCD1}">
+              <a14:hiddenFill xmlns:a14="http://schemas.microsoft.com/office/drawing/2010/main">
+                <a:solidFill>
+                  <a:srgbClr val="FFFFFF"/>
+                </a:solidFill>
+              </a14:hiddenFill>
+            </a:ext>
+          </a:extLst>
+        </p:spPr>
+      </p:pic>
+    </p:spTree>
+    <p:extLst>
+      <p:ext uri="{BB962C8B-B14F-4D97-AF65-F5344CB8AC3E}">
+        <p14:creationId xmlns:p14="http://schemas.microsoft.com/office/powerpoint/2010/main" val="133350366"/>
+      </p:ext>
+    </p:extLst>
+  </p:cSld>
+  <p:clrMapOvr>
+    <a:masterClrMapping/>
+  </p:clrMapOvr>
+</p:sld>
+</file>
+
+<file path=ppt/slides/slide42.xml><?xml version="1.0" encoding="utf-8"?>
+<p:sld xmlns:a="http://schemas.openxmlformats.org/drawingml/2006/main" xmlns:r="http://schemas.openxmlformats.org/officeDocument/2006/relationships" xmlns:p="http://schemas.openxmlformats.org/presentationml/2006/main">
+  <p:cSld>
+    <p:spTree>
+      <p:nvGrpSpPr>
+        <p:cNvPr id="1" name=""/>
+        <p:cNvGrpSpPr/>
+        <p:nvPr/>
+      </p:nvGrpSpPr>
+      <p:grpSpPr>
+        <a:xfrm>
+          <a:off x="0" y="0"/>
+          <a:ext cx="0" cy="0"/>
+          <a:chOff x="0" y="0"/>
+          <a:chExt cx="0" cy="0"/>
+        </a:xfrm>
+      </p:grpSpPr>
+      <p:sp>
+        <p:nvSpPr>
+          <p:cNvPr id="2" name="Title 1"/>
+          <p:cNvSpPr>
+            <a:spLocks noGrp="1"/>
+          </p:cNvSpPr>
+          <p:nvPr>
+            <p:ph type="title"/>
+          </p:nvPr>
+        </p:nvSpPr>
+        <p:spPr/>
+        <p:txBody>
+          <a:bodyPr/>
+          <a:lstStyle/>
+          <a:p>
+            <a:endParaRPr lang="en-US" dirty="0"/>
+          </a:p>
+        </p:txBody>
+      </p:sp>
+      <p:sp>
+        <p:nvSpPr>
+          <p:cNvPr id="3" name="Content Placeholder 2"/>
+          <p:cNvSpPr>
+            <a:spLocks noGrp="1"/>
+          </p:cNvSpPr>
+          <p:nvPr>
+            <p:ph idx="1"/>
+          </p:nvPr>
+        </p:nvSpPr>
+        <p:spPr/>
+        <p:txBody>
+          <a:bodyPr/>
+          <a:lstStyle/>
+          <a:p>
+            <a:r>
+              <a:rPr lang="zh-CN" altLang="en-US" dirty="0"/>
+              <a:t>由于并不是所有节点都具有相同的域，因此</a:t>
+            </a:r>
+            <a:r>
+              <a:rPr lang="en-US" altLang="zh-CN" dirty="0" err="1"/>
+              <a:t>B+Tree</a:t>
+            </a:r>
+            <a:r>
+              <a:rPr lang="zh-CN" altLang="en-US" dirty="0"/>
+              <a:t>中叶节点和内节点一般大小不同。这点与</a:t>
+            </a:r>
+            <a:r>
+              <a:rPr lang="en-US" altLang="zh-CN" dirty="0"/>
+              <a:t>B-Tree</a:t>
+            </a:r>
+            <a:r>
+              <a:rPr lang="zh-CN" altLang="en-US" dirty="0"/>
+              <a:t>不同，虽然</a:t>
+            </a:r>
+            <a:r>
+              <a:rPr lang="en-US" altLang="zh-CN" dirty="0"/>
+              <a:t>B-Tree</a:t>
+            </a:r>
+            <a:r>
+              <a:rPr lang="zh-CN" altLang="en-US" dirty="0"/>
+              <a:t>中不同节点存放的</a:t>
+            </a:r>
+            <a:r>
+              <a:rPr lang="en-US" altLang="zh-CN" dirty="0"/>
+              <a:t>key</a:t>
+            </a:r>
+            <a:r>
+              <a:rPr lang="zh-CN" altLang="en-US" dirty="0"/>
+              <a:t>和指针可能数量不一致，但是每个节点的域和上限是一致的，所以在实现中</a:t>
+            </a:r>
+            <a:r>
+              <a:rPr lang="en-US" altLang="zh-CN" dirty="0"/>
+              <a:t>B-Tree</a:t>
+            </a:r>
+            <a:r>
+              <a:rPr lang="zh-CN" altLang="en-US" dirty="0"/>
+              <a:t>往往对每个节点申请同等大小的空间。</a:t>
+            </a:r>
+          </a:p>
+          <a:p>
+            <a:r>
+              <a:rPr lang="zh-CN" altLang="en-US" dirty="0"/>
+              <a:t>一般来说，</a:t>
+            </a:r>
+            <a:r>
+              <a:rPr lang="en-US" altLang="zh-CN" dirty="0" err="1"/>
+              <a:t>B+Tree</a:t>
+            </a:r>
+            <a:r>
+              <a:rPr lang="zh-CN" altLang="en-US" dirty="0"/>
+              <a:t>比</a:t>
+            </a:r>
+            <a:r>
+              <a:rPr lang="en-US" altLang="zh-CN" dirty="0"/>
+              <a:t>B-Tree</a:t>
+            </a:r>
+            <a:r>
+              <a:rPr lang="zh-CN" altLang="en-US" dirty="0"/>
+              <a:t>更适合实现外存储索引结构，具体原因与外存储器原理及计算机存取原理有关</a:t>
+            </a:r>
+          </a:p>
+          <a:p>
+            <a:endParaRPr lang="en-US" dirty="0"/>
+          </a:p>
+        </p:txBody>
+      </p:sp>
+    </p:spTree>
+    <p:extLst>
+      <p:ext uri="{BB962C8B-B14F-4D97-AF65-F5344CB8AC3E}">
+        <p14:creationId xmlns:p14="http://schemas.microsoft.com/office/powerpoint/2010/main" val="1399117140"/>
+      </p:ext>
+    </p:extLst>
+  </p:cSld>
+  <p:clrMapOvr>
+    <a:masterClrMapping/>
+  </p:clrMapOvr>
+</p:sld>
+</file>
+
+<file path=ppt/slides/slide43.xml><?xml version="1.0" encoding="utf-8"?>
+<p:sld xmlns:a="http://schemas.openxmlformats.org/drawingml/2006/main" xmlns:r="http://schemas.openxmlformats.org/officeDocument/2006/relationships" xmlns:p="http://schemas.openxmlformats.org/presentationml/2006/main">
+  <p:cSld>
+    <p:spTree>
+      <p:nvGrpSpPr>
+        <p:cNvPr id="1" name=""/>
+        <p:cNvGrpSpPr/>
+        <p:nvPr/>
+      </p:nvGrpSpPr>
+      <p:grpSpPr>
+        <a:xfrm>
+          <a:off x="0" y="0"/>
+          <a:ext cx="0" cy="0"/>
+          <a:chOff x="0" y="0"/>
+          <a:chExt cx="0" cy="0"/>
+        </a:xfrm>
+      </p:grpSpPr>
+      <p:sp>
+        <p:nvSpPr>
+          <p:cNvPr id="2" name="Title 1"/>
+          <p:cNvSpPr>
+            <a:spLocks noGrp="1"/>
+          </p:cNvSpPr>
+          <p:nvPr>
+            <p:ph type="title"/>
+          </p:nvPr>
+        </p:nvSpPr>
+        <p:spPr/>
+        <p:txBody>
+          <a:bodyPr/>
+          <a:lstStyle/>
+          <a:p>
+            <a:r>
+              <a:rPr lang="en-US" dirty="0" err="1"/>
+              <a:t>为什么使用B-Tree（B+Tree</a:t>
+            </a:r>
+            <a:r>
+              <a:rPr lang="en-US" dirty="0" smtClean="0"/>
+              <a:t>）</a:t>
+            </a:r>
+            <a:endParaRPr lang="en-US" dirty="0"/>
+          </a:p>
+        </p:txBody>
+      </p:sp>
+      <p:sp>
+        <p:nvSpPr>
+          <p:cNvPr id="3" name="Content Placeholder 2"/>
+          <p:cNvSpPr>
+            <a:spLocks noGrp="1"/>
+          </p:cNvSpPr>
+          <p:nvPr>
+            <p:ph idx="1"/>
+          </p:nvPr>
+        </p:nvSpPr>
+        <p:spPr/>
+        <p:txBody>
+          <a:bodyPr/>
+          <a:lstStyle/>
+          <a:p>
+            <a:r>
+              <a:rPr lang="zh-TW" altLang="en-US" dirty="0"/>
+              <a:t>主存存取原理</a:t>
+            </a:r>
+          </a:p>
+          <a:p>
+            <a:r>
+              <a:rPr lang="zh-TW" altLang="en-US" dirty="0"/>
+              <a:t>磁盘存取</a:t>
+            </a:r>
+            <a:r>
+              <a:rPr lang="zh-TW" altLang="en-US" dirty="0" smtClean="0"/>
+              <a:t>原理</a:t>
+            </a:r>
+            <a:endParaRPr lang="en-US" altLang="zh-TW" dirty="0" smtClean="0"/>
+          </a:p>
+          <a:p>
+            <a:r>
+              <a:rPr lang="zh-CN" altLang="en-US" dirty="0" smtClean="0"/>
+              <a:t>（略）</a:t>
+            </a:r>
+            <a:endParaRPr lang="zh-TW" altLang="en-US" dirty="0"/>
+          </a:p>
+          <a:p>
+            <a:endParaRPr lang="en-US" dirty="0"/>
+          </a:p>
+        </p:txBody>
+      </p:sp>
+      <p:pic>
+        <p:nvPicPr>
+          <p:cNvPr id="4098" name="Picture 2" descr="http://blog.codinglabs.org/uploads/pictures/theory-of-mysql-index/6.png"/>
+          <p:cNvPicPr>
+            <a:picLocks noChangeAspect="1" noChangeArrowheads="1"/>
+          </p:cNvPicPr>
+          <p:nvPr/>
+        </p:nvPicPr>
+        <p:blipFill>
+          <a:blip r:embed="rId2">
+            <a:extLst>
+              <a:ext uri="{28A0092B-C50C-407E-A947-70E740481C1C}">
+                <a14:useLocalDpi xmlns:a14="http://schemas.microsoft.com/office/drawing/2010/main" val="0"/>
+              </a:ext>
+            </a:extLst>
+          </a:blip>
+          <a:srcRect/>
+          <a:stretch>
+            <a:fillRect/>
+          </a:stretch>
+        </p:blipFill>
+        <p:spPr bwMode="auto">
+          <a:xfrm>
+            <a:off x="8566484" y="1600200"/>
+            <a:ext cx="2543175" cy="1638300"/>
+          </a:xfrm>
+          <a:prstGeom prst="rect">
+            <a:avLst/>
+          </a:prstGeom>
+          <a:noFill/>
+          <a:extLst>
+            <a:ext uri="{909E8E84-426E-40DD-AFC4-6F175D3DCCD1}">
+              <a14:hiddenFill xmlns:a14="http://schemas.microsoft.com/office/drawing/2010/main">
+                <a:solidFill>
+                  <a:srgbClr val="FFFFFF"/>
+                </a:solidFill>
+              </a14:hiddenFill>
+            </a:ext>
+          </a:extLst>
+        </p:spPr>
+      </p:pic>
+      <p:pic>
+        <p:nvPicPr>
+          <p:cNvPr id="4100" name="Picture 4" descr="http://blog.codinglabs.org/uploads/pictures/theory-of-mysql-index/7.png"/>
+          <p:cNvPicPr>
+            <a:picLocks noChangeAspect="1" noChangeArrowheads="1"/>
+          </p:cNvPicPr>
+          <p:nvPr/>
+        </p:nvPicPr>
+        <p:blipFill>
+          <a:blip r:embed="rId3">
+            <a:extLst>
+              <a:ext uri="{28A0092B-C50C-407E-A947-70E740481C1C}">
+                <a14:useLocalDpi xmlns:a14="http://schemas.microsoft.com/office/drawing/2010/main" val="0"/>
+              </a:ext>
+            </a:extLst>
+          </a:blip>
+          <a:srcRect/>
+          <a:stretch>
+            <a:fillRect/>
+          </a:stretch>
+        </p:blipFill>
+        <p:spPr bwMode="auto">
+          <a:xfrm>
+            <a:off x="8566484" y="3669631"/>
+            <a:ext cx="2562225" cy="2343150"/>
+          </a:xfrm>
+          <a:prstGeom prst="rect">
+            <a:avLst/>
+          </a:prstGeom>
+          <a:noFill/>
+          <a:extLst>
+            <a:ext uri="{909E8E84-426E-40DD-AFC4-6F175D3DCCD1}">
+              <a14:hiddenFill xmlns:a14="http://schemas.microsoft.com/office/drawing/2010/main">
+                <a:solidFill>
+                  <a:srgbClr val="FFFFFF"/>
+                </a:solidFill>
+              </a14:hiddenFill>
+            </a:ext>
+          </a:extLst>
+        </p:spPr>
+      </p:pic>
+    </p:spTree>
+    <p:extLst>
+      <p:ext uri="{BB962C8B-B14F-4D97-AF65-F5344CB8AC3E}">
+        <p14:creationId xmlns:p14="http://schemas.microsoft.com/office/powerpoint/2010/main" val="769429241"/>
+      </p:ext>
+    </p:extLst>
+  </p:cSld>
+  <p:clrMapOvr>
+    <a:masterClrMapping/>
+  </p:clrMapOvr>
+</p:sld>
+</file>
+
+<file path=ppt/slides/slide44.xml><?xml version="1.0" encoding="utf-8"?>
+<p:sld xmlns:a="http://schemas.openxmlformats.org/drawingml/2006/main" xmlns:r="http://schemas.openxmlformats.org/officeDocument/2006/relationships" xmlns:p="http://schemas.openxmlformats.org/presentationml/2006/main">
+  <p:cSld>
+    <p:spTree>
+      <p:nvGrpSpPr>
+        <p:cNvPr id="1" name=""/>
+        <p:cNvGrpSpPr/>
+        <p:nvPr/>
+      </p:nvGrpSpPr>
+      <p:grpSpPr>
+        <a:xfrm>
+          <a:off x="0" y="0"/>
+          <a:ext cx="0" cy="0"/>
+          <a:chOff x="0" y="0"/>
+          <a:chExt cx="0" cy="0"/>
+        </a:xfrm>
+      </p:grpSpPr>
+      <p:sp>
+        <p:nvSpPr>
+          <p:cNvPr id="2" name="Title 1"/>
+          <p:cNvSpPr>
+            <a:spLocks noGrp="1"/>
+          </p:cNvSpPr>
+          <p:nvPr>
+            <p:ph type="title"/>
+          </p:nvPr>
+        </p:nvSpPr>
+        <p:spPr/>
+        <p:txBody>
+          <a:bodyPr/>
+          <a:lstStyle/>
+          <a:p>
+            <a:r>
+              <a:rPr lang="mr-IN" dirty="0" err="1"/>
+              <a:t>B</a:t>
+            </a:r>
+            <a:r>
+              <a:rPr lang="mr-IN" dirty="0"/>
+              <a:t>-/+</a:t>
+            </a:r>
+            <a:r>
+              <a:rPr lang="mr-IN" dirty="0" err="1"/>
+              <a:t>Tree</a:t>
+            </a:r>
+            <a:r>
+              <a:rPr lang="mr-IN" dirty="0" err="1" smtClean="0"/>
+              <a:t>索引的性能分析</a:t>
+            </a:r>
+            <a:endParaRPr lang="en-US" dirty="0"/>
+          </a:p>
+        </p:txBody>
+      </p:sp>
+      <p:sp>
+        <p:nvSpPr>
+          <p:cNvPr id="3" name="Content Placeholder 2"/>
+          <p:cNvSpPr>
+            <a:spLocks noGrp="1"/>
+          </p:cNvSpPr>
+          <p:nvPr>
+            <p:ph idx="1"/>
+          </p:nvPr>
+        </p:nvSpPr>
+        <p:spPr/>
+        <p:txBody>
+          <a:bodyPr/>
+          <a:lstStyle/>
+          <a:p>
+            <a:r>
+              <a:rPr lang="en-US" altLang="zh-CN" dirty="0"/>
+              <a:t>B-Tree</a:t>
+            </a:r>
+            <a:r>
+              <a:rPr lang="zh-CN" altLang="en-US" dirty="0"/>
+              <a:t>中一次检索最多需要</a:t>
+            </a:r>
+            <a:r>
+              <a:rPr lang="en-US" altLang="zh-CN" dirty="0"/>
+              <a:t>h-1</a:t>
+            </a:r>
+            <a:r>
+              <a:rPr lang="zh-CN" altLang="en-US" dirty="0"/>
+              <a:t>次</a:t>
+            </a:r>
+            <a:r>
+              <a:rPr lang="en-US" altLang="zh-CN" dirty="0"/>
+              <a:t>I/O</a:t>
+            </a:r>
+            <a:r>
+              <a:rPr lang="zh-CN" altLang="en-US" dirty="0"/>
+              <a:t>（根节点常驻内存），渐进复杂度为</a:t>
+            </a:r>
+            <a:r>
+              <a:rPr lang="en-US" altLang="zh-CN" dirty="0"/>
+              <a:t>O(h)=O(</a:t>
+            </a:r>
+            <a:r>
+              <a:rPr lang="en-US" altLang="zh-CN" dirty="0" err="1"/>
+              <a:t>logdN</a:t>
+            </a:r>
+            <a:r>
+              <a:rPr lang="en-US" altLang="zh-CN" dirty="0"/>
+              <a:t>)O(h)=O(</a:t>
+            </a:r>
+            <a:r>
+              <a:rPr lang="en-US" altLang="zh-CN" dirty="0" err="1"/>
+              <a:t>logdN</a:t>
+            </a:r>
+            <a:r>
+              <a:rPr lang="en-US" altLang="zh-CN" dirty="0"/>
+              <a:t>)</a:t>
+            </a:r>
+            <a:r>
+              <a:rPr lang="zh-CN" altLang="en-US" dirty="0"/>
+              <a:t>。一般实际应用中，出度</a:t>
+            </a:r>
+            <a:r>
+              <a:rPr lang="en-US" altLang="zh-CN" dirty="0"/>
+              <a:t>d</a:t>
+            </a:r>
+            <a:r>
+              <a:rPr lang="zh-CN" altLang="en-US" dirty="0"/>
+              <a:t>是非常大的数字，通常超过</a:t>
+            </a:r>
+            <a:r>
+              <a:rPr lang="en-US" altLang="zh-CN" dirty="0"/>
+              <a:t>100</a:t>
+            </a:r>
+            <a:r>
+              <a:rPr lang="zh-CN" altLang="en-US" dirty="0"/>
+              <a:t>，因此</a:t>
+            </a:r>
+            <a:r>
+              <a:rPr lang="en-US" altLang="zh-CN" dirty="0"/>
+              <a:t>h</a:t>
+            </a:r>
+            <a:r>
+              <a:rPr lang="zh-CN" altLang="en-US" dirty="0"/>
+              <a:t>非常小（通常不超过</a:t>
+            </a:r>
+            <a:r>
+              <a:rPr lang="en-US" altLang="zh-CN" dirty="0"/>
+              <a:t>3</a:t>
+            </a:r>
+            <a:r>
+              <a:rPr lang="zh-CN" altLang="en-US" dirty="0"/>
+              <a:t>）</a:t>
+            </a:r>
+            <a:r>
+              <a:rPr lang="zh-CN" altLang="en-US" dirty="0" smtClean="0"/>
+              <a:t>。</a:t>
+            </a:r>
+            <a:endParaRPr lang="en-US" altLang="zh-CN" dirty="0" smtClean="0"/>
+          </a:p>
+          <a:p>
+            <a:r>
+              <a:rPr lang="zh-CN" altLang="en-US" dirty="0"/>
+              <a:t>而红黑树这种结构，</a:t>
+            </a:r>
+            <a:r>
+              <a:rPr lang="en-US" altLang="zh-CN" dirty="0"/>
+              <a:t>h</a:t>
+            </a:r>
+            <a:r>
+              <a:rPr lang="zh-CN" altLang="en-US" dirty="0"/>
+              <a:t>明显要深的多。由于逻辑上很近的节点（父子）物理上可能很远，无法利用局部性，所以红黑树的</a:t>
+            </a:r>
+            <a:r>
+              <a:rPr lang="en-US" altLang="zh-CN" dirty="0"/>
+              <a:t>I/O</a:t>
+            </a:r>
+            <a:r>
+              <a:rPr lang="zh-CN" altLang="en-US" dirty="0"/>
+              <a:t>渐进复杂度也为</a:t>
+            </a:r>
+            <a:r>
+              <a:rPr lang="en-US" altLang="zh-CN" dirty="0"/>
+              <a:t>O(h)</a:t>
+            </a:r>
+            <a:r>
+              <a:rPr lang="zh-CN" altLang="en-US" dirty="0"/>
+              <a:t>，效率明显比</a:t>
+            </a:r>
+            <a:r>
+              <a:rPr lang="en-US" altLang="zh-CN" dirty="0"/>
+              <a:t>B-Tree</a:t>
+            </a:r>
+            <a:r>
+              <a:rPr lang="zh-CN" altLang="en-US" dirty="0"/>
+              <a:t>差很多。</a:t>
+            </a:r>
+            <a:endParaRPr lang="en-US" dirty="0"/>
+          </a:p>
+        </p:txBody>
+      </p:sp>
+    </p:spTree>
+    <p:extLst>
+      <p:ext uri="{BB962C8B-B14F-4D97-AF65-F5344CB8AC3E}">
+        <p14:creationId xmlns:p14="http://schemas.microsoft.com/office/powerpoint/2010/main" val="1437743892"/>
+      </p:ext>
+    </p:extLst>
+  </p:cSld>
+  <p:clrMapOvr>
+    <a:masterClrMapping/>
+  </p:clrMapOvr>
+</p:sld>
+</file>
+
+<file path=ppt/slides/slide45.xml><?xml version="1.0" encoding="utf-8"?>
+<p:sld xmlns:a="http://schemas.openxmlformats.org/drawingml/2006/main" xmlns:r="http://schemas.openxmlformats.org/officeDocument/2006/relationships" xmlns:p="http://schemas.openxmlformats.org/presentationml/2006/main">
+  <p:cSld>
+    <p:spTree>
+      <p:nvGrpSpPr>
+        <p:cNvPr id="1" name=""/>
+        <p:cNvGrpSpPr/>
+        <p:nvPr/>
+      </p:nvGrpSpPr>
+      <p:grpSpPr>
+        <a:xfrm>
+          <a:off x="0" y="0"/>
+          <a:ext cx="0" cy="0"/>
+          <a:chOff x="0" y="0"/>
+          <a:chExt cx="0" cy="0"/>
+        </a:xfrm>
+      </p:grpSpPr>
+      <p:sp>
+        <p:nvSpPr>
+          <p:cNvPr id="2" name="Title 1"/>
+          <p:cNvSpPr>
+            <a:spLocks noGrp="1"/>
+          </p:cNvSpPr>
+          <p:nvPr>
+            <p:ph type="title"/>
+          </p:nvPr>
+        </p:nvSpPr>
+        <p:spPr/>
+        <p:txBody>
+          <a:bodyPr/>
+          <a:lstStyle/>
+          <a:p>
+            <a:r>
+              <a:rPr lang="en-US" dirty="0" err="1"/>
+              <a:t>MySQL</a:t>
+            </a:r>
+            <a:r>
+              <a:rPr lang="en-US" dirty="0" err="1" smtClean="0"/>
+              <a:t>索引实现</a:t>
+            </a:r>
+            <a:endParaRPr lang="en-US" dirty="0"/>
+          </a:p>
+        </p:txBody>
+      </p:sp>
+      <p:sp>
+        <p:nvSpPr>
+          <p:cNvPr id="3" name="Content Placeholder 2"/>
+          <p:cNvSpPr>
+            <a:spLocks noGrp="1"/>
+          </p:cNvSpPr>
+          <p:nvPr>
+            <p:ph idx="1"/>
+          </p:nvPr>
+        </p:nvSpPr>
+        <p:spPr/>
+        <p:txBody>
+          <a:bodyPr/>
+          <a:lstStyle/>
+          <a:p>
+            <a:r>
+              <a:rPr lang="en-US" dirty="0" err="1"/>
+              <a:t>MyISAM索引实现</a:t>
+            </a:r>
+            <a:endParaRPr lang="en-US" dirty="0"/>
+          </a:p>
+          <a:p>
+            <a:r>
+              <a:rPr lang="en-US" altLang="zh-CN" dirty="0" err="1"/>
+              <a:t>MyISAM</a:t>
+            </a:r>
+            <a:r>
+              <a:rPr lang="zh-CN" altLang="en-US" dirty="0"/>
+              <a:t>引擎使用</a:t>
+            </a:r>
+            <a:r>
+              <a:rPr lang="en-US" altLang="zh-CN" dirty="0" err="1"/>
+              <a:t>B+Tree</a:t>
+            </a:r>
+            <a:r>
+              <a:rPr lang="zh-CN" altLang="en-US" dirty="0"/>
+              <a:t>作为索引结构，叶节点的</a:t>
+            </a:r>
+            <a:r>
+              <a:rPr lang="en-US" altLang="zh-CN" dirty="0"/>
+              <a:t>data</a:t>
+            </a:r>
+            <a:r>
+              <a:rPr lang="zh-CN" altLang="en-US" dirty="0"/>
+              <a:t>域存放的是数据记录的地址。下图是</a:t>
+            </a:r>
+            <a:r>
+              <a:rPr lang="en-US" altLang="zh-CN" dirty="0" err="1"/>
+              <a:t>MyISAM</a:t>
+            </a:r>
+            <a:r>
+              <a:rPr lang="zh-CN" altLang="en-US" dirty="0"/>
+              <a:t>索引的原理图：</a:t>
+            </a:r>
+            <a:endParaRPr lang="en-US" dirty="0"/>
+          </a:p>
+        </p:txBody>
+      </p:sp>
+    </p:spTree>
+    <p:extLst>
+      <p:ext uri="{BB962C8B-B14F-4D97-AF65-F5344CB8AC3E}">
+        <p14:creationId xmlns:p14="http://schemas.microsoft.com/office/powerpoint/2010/main" val="1796841414"/>
+      </p:ext>
+    </p:extLst>
+  </p:cSld>
+  <p:clrMapOvr>
+    <a:masterClrMapping/>
+  </p:clrMapOvr>
+</p:sld>
+</file>
+
+<file path=ppt/slides/slide46.xml><?xml version="1.0" encoding="utf-8"?>
+<p:sld xmlns:a="http://schemas.openxmlformats.org/drawingml/2006/main" xmlns:r="http://schemas.openxmlformats.org/officeDocument/2006/relationships" xmlns:p="http://schemas.openxmlformats.org/presentationml/2006/main">
+  <p:cSld>
+    <p:spTree>
+      <p:nvGrpSpPr>
+        <p:cNvPr id="1" name=""/>
+        <p:cNvGrpSpPr/>
+        <p:nvPr/>
+      </p:nvGrpSpPr>
+      <p:grpSpPr>
+        <a:xfrm>
+          <a:off x="0" y="0"/>
+          <a:ext cx="0" cy="0"/>
+          <a:chOff x="0" y="0"/>
+          <a:chExt cx="0" cy="0"/>
+        </a:xfrm>
+      </p:grpSpPr>
+      <p:sp>
+        <p:nvSpPr>
+          <p:cNvPr id="2" name="Title 1"/>
+          <p:cNvSpPr>
+            <a:spLocks noGrp="1"/>
+          </p:cNvSpPr>
+          <p:nvPr>
+            <p:ph type="title"/>
+          </p:nvPr>
+        </p:nvSpPr>
+        <p:spPr/>
+        <p:txBody>
+          <a:bodyPr/>
+          <a:lstStyle/>
+          <a:p>
+            <a:endParaRPr lang="en-US" dirty="0"/>
+          </a:p>
+        </p:txBody>
+      </p:sp>
+      <p:pic>
+        <p:nvPicPr>
+          <p:cNvPr id="4" name="Picture 2" descr="http://blog.codinglabs.org/uploads/pictures/theory-of-mysql-index/8.png"/>
+          <p:cNvPicPr>
+            <a:picLocks noChangeAspect="1" noChangeArrowheads="1"/>
+          </p:cNvPicPr>
+          <p:nvPr/>
+        </p:nvPicPr>
+        <p:blipFill>
+          <a:blip r:embed="rId2">
+            <a:extLst>
+              <a:ext uri="{28A0092B-C50C-407E-A947-70E740481C1C}">
+                <a14:useLocalDpi xmlns:a14="http://schemas.microsoft.com/office/drawing/2010/main" val="0"/>
+              </a:ext>
+            </a:extLst>
+          </a:blip>
+          <a:srcRect/>
+          <a:stretch>
+            <a:fillRect/>
+          </a:stretch>
+        </p:blipFill>
+        <p:spPr bwMode="auto">
+          <a:xfrm>
+            <a:off x="0" y="1771650"/>
+            <a:ext cx="6324600" cy="5086350"/>
+          </a:xfrm>
+          <a:prstGeom prst="rect">
+            <a:avLst/>
+          </a:prstGeom>
+          <a:noFill/>
+          <a:extLst>
+            <a:ext uri="{909E8E84-426E-40DD-AFC4-6F175D3DCCD1}">
+              <a14:hiddenFill xmlns:a14="http://schemas.microsoft.com/office/drawing/2010/main">
+                <a:solidFill>
+                  <a:srgbClr val="FFFFFF"/>
+                </a:solidFill>
+              </a14:hiddenFill>
+            </a:ext>
+          </a:extLst>
+        </p:spPr>
+      </p:pic>
+      <p:pic>
+        <p:nvPicPr>
+          <p:cNvPr id="5" name="Picture 2" descr="http://blog.codinglabs.org/uploads/pictures/theory-of-mysql-index/9.png"/>
+          <p:cNvPicPr>
+            <a:picLocks noGrp="1" noChangeAspect="1" noChangeArrowheads="1"/>
+          </p:cNvPicPr>
+          <p:nvPr>
+            <p:ph idx="1"/>
+          </p:nvPr>
+        </p:nvPicPr>
+        <p:blipFill>
+          <a:blip r:embed="rId3">
+            <a:extLst>
+              <a:ext uri="{28A0092B-C50C-407E-A947-70E740481C1C}">
+                <a14:useLocalDpi xmlns:a14="http://schemas.microsoft.com/office/drawing/2010/main" val="0"/>
+              </a:ext>
+            </a:extLst>
+          </a:blip>
+          <a:srcRect/>
+          <a:stretch>
+            <a:fillRect/>
+          </a:stretch>
+        </p:blipFill>
+        <p:spPr bwMode="auto">
+          <a:xfrm>
+            <a:off x="6324600" y="1921878"/>
+            <a:ext cx="5410652" cy="4351338"/>
+          </a:xfrm>
+          <a:prstGeom prst="rect">
+            <a:avLst/>
+          </a:prstGeom>
+          <a:noFill/>
+          <a:extLst>
+            <a:ext uri="{909E8E84-426E-40DD-AFC4-6F175D3DCCD1}">
+              <a14:hiddenFill xmlns:a14="http://schemas.microsoft.com/office/drawing/2010/main">
+                <a:solidFill>
+                  <a:srgbClr val="FFFFFF"/>
+                </a:solidFill>
+              </a14:hiddenFill>
+            </a:ext>
+          </a:extLst>
+        </p:spPr>
+      </p:pic>
+    </p:spTree>
+    <p:extLst>
+      <p:ext uri="{BB962C8B-B14F-4D97-AF65-F5344CB8AC3E}">
+        <p14:creationId xmlns:p14="http://schemas.microsoft.com/office/powerpoint/2010/main" val="1233619769"/>
+      </p:ext>
+    </p:extLst>
+  </p:cSld>
+  <p:clrMapOvr>
+    <a:masterClrMapping/>
+  </p:clrMapOvr>
+</p:sld>
+</file>
+
+<file path=ppt/slides/slide47.xml><?xml version="1.0" encoding="utf-8"?>
+<p:sld xmlns:a="http://schemas.openxmlformats.org/drawingml/2006/main" xmlns:r="http://schemas.openxmlformats.org/officeDocument/2006/relationships" xmlns:p="http://schemas.openxmlformats.org/presentationml/2006/main">
+  <p:cSld>
+    <p:spTree>
+      <p:nvGrpSpPr>
+        <p:cNvPr id="1" name=""/>
+        <p:cNvGrpSpPr/>
+        <p:nvPr/>
+      </p:nvGrpSpPr>
+      <p:grpSpPr>
+        <a:xfrm>
+          <a:off x="0" y="0"/>
+          <a:ext cx="0" cy="0"/>
+          <a:chOff x="0" y="0"/>
+          <a:chExt cx="0" cy="0"/>
+        </a:xfrm>
+      </p:grpSpPr>
+      <p:sp>
+        <p:nvSpPr>
+          <p:cNvPr id="2" name="Title 1"/>
+          <p:cNvSpPr>
+            <a:spLocks noGrp="1"/>
+          </p:cNvSpPr>
+          <p:nvPr>
+            <p:ph type="title"/>
+          </p:nvPr>
+        </p:nvSpPr>
+        <p:spPr/>
+        <p:txBody>
+          <a:bodyPr/>
+          <a:lstStyle/>
+          <a:p>
+            <a:endParaRPr lang="en-US"/>
+          </a:p>
+        </p:txBody>
+      </p:sp>
+      <p:sp>
+        <p:nvSpPr>
+          <p:cNvPr id="3" name="Content Placeholder 2"/>
+          <p:cNvSpPr>
+            <a:spLocks noGrp="1"/>
+          </p:cNvSpPr>
+          <p:nvPr>
+            <p:ph idx="1"/>
+          </p:nvPr>
+        </p:nvSpPr>
+        <p:spPr/>
+        <p:txBody>
+          <a:bodyPr/>
+          <a:lstStyle/>
+          <a:p>
+            <a:r>
+              <a:rPr lang="zh-CN" altLang="en-US" dirty="0"/>
+              <a:t>同样也是一颗</a:t>
+            </a:r>
+            <a:r>
+              <a:rPr lang="en-US" altLang="zh-CN" dirty="0" err="1"/>
+              <a:t>B+Tree</a:t>
+            </a:r>
+            <a:r>
+              <a:rPr lang="zh-CN" altLang="en-US" dirty="0"/>
+              <a:t>，</a:t>
+            </a:r>
+            <a:r>
+              <a:rPr lang="en-US" altLang="zh-CN" dirty="0"/>
+              <a:t>data</a:t>
+            </a:r>
+            <a:r>
+              <a:rPr lang="zh-CN" altLang="en-US" dirty="0"/>
+              <a:t>域保存数据记录的地址。因此，</a:t>
+            </a:r>
+            <a:r>
+              <a:rPr lang="en-US" altLang="zh-CN" dirty="0" err="1"/>
+              <a:t>MyISAM</a:t>
+            </a:r>
+            <a:r>
+              <a:rPr lang="zh-CN" altLang="en-US" dirty="0"/>
+              <a:t>中索引检索的算法为首先按照</a:t>
+            </a:r>
+            <a:r>
+              <a:rPr lang="en-US" altLang="zh-CN" dirty="0" err="1"/>
+              <a:t>B+Tree</a:t>
+            </a:r>
+            <a:r>
+              <a:rPr lang="zh-CN" altLang="en-US" dirty="0"/>
+              <a:t>搜索算法搜索索引，如果指定的</a:t>
+            </a:r>
+            <a:r>
+              <a:rPr lang="en-US" altLang="zh-CN" dirty="0"/>
+              <a:t>Key</a:t>
+            </a:r>
+            <a:r>
+              <a:rPr lang="zh-CN" altLang="en-US" dirty="0"/>
+              <a:t>存在，则取出其</a:t>
+            </a:r>
+            <a:r>
+              <a:rPr lang="en-US" altLang="zh-CN" dirty="0"/>
+              <a:t>data</a:t>
+            </a:r>
+            <a:r>
+              <a:rPr lang="zh-CN" altLang="en-US" dirty="0"/>
+              <a:t>域的值，然后以</a:t>
+            </a:r>
+            <a:r>
+              <a:rPr lang="en-US" altLang="zh-CN" dirty="0"/>
+              <a:t>data</a:t>
+            </a:r>
+            <a:r>
+              <a:rPr lang="zh-CN" altLang="en-US" dirty="0"/>
+              <a:t>域的值为地址，读取相应数据记录。</a:t>
+            </a:r>
+          </a:p>
+          <a:p>
+            <a:r>
+              <a:rPr lang="en-US" altLang="zh-CN" dirty="0" err="1"/>
+              <a:t>MyISAM</a:t>
+            </a:r>
+            <a:r>
+              <a:rPr lang="zh-CN" altLang="en-US" dirty="0"/>
+              <a:t>的索引方式也叫做“非聚集”的，之所以这么称呼是为了与</a:t>
+            </a:r>
+            <a:r>
+              <a:rPr lang="en-US" altLang="zh-CN" dirty="0" err="1"/>
+              <a:t>InnoDB</a:t>
+            </a:r>
+            <a:r>
+              <a:rPr lang="zh-CN" altLang="en-US" dirty="0"/>
+              <a:t>的聚集索引区分。</a:t>
+            </a:r>
+          </a:p>
+          <a:p>
+            <a:endParaRPr lang="en-US" dirty="0"/>
+          </a:p>
+        </p:txBody>
+      </p:sp>
+    </p:spTree>
+    <p:extLst>
+      <p:ext uri="{BB962C8B-B14F-4D97-AF65-F5344CB8AC3E}">
+        <p14:creationId xmlns:p14="http://schemas.microsoft.com/office/powerpoint/2010/main" val="947756654"/>
+      </p:ext>
+    </p:extLst>
+  </p:cSld>
+  <p:clrMapOvr>
+    <a:masterClrMapping/>
+  </p:clrMapOvr>
+</p:sld>
+</file>
+
+<file path=ppt/slides/slide48.xml><?xml version="1.0" encoding="utf-8"?>
+<p:sld xmlns:a="http://schemas.openxmlformats.org/drawingml/2006/main" xmlns:r="http://schemas.openxmlformats.org/officeDocument/2006/relationships" xmlns:p="http://schemas.openxmlformats.org/presentationml/2006/main">
+  <p:cSld>
+    <p:spTree>
+      <p:nvGrpSpPr>
+        <p:cNvPr id="1" name=""/>
+        <p:cNvGrpSpPr/>
+        <p:nvPr/>
+      </p:nvGrpSpPr>
+      <p:grpSpPr>
+        <a:xfrm>
+          <a:off x="0" y="0"/>
+          <a:ext cx="0" cy="0"/>
+          <a:chOff x="0" y="0"/>
+          <a:chExt cx="0" cy="0"/>
+        </a:xfrm>
+      </p:grpSpPr>
+      <p:sp>
+        <p:nvSpPr>
+          <p:cNvPr id="2" name="Title 1"/>
+          <p:cNvSpPr>
+            <a:spLocks noGrp="1"/>
+          </p:cNvSpPr>
+          <p:nvPr>
+            <p:ph type="title"/>
+          </p:nvPr>
+        </p:nvSpPr>
+        <p:spPr/>
+        <p:txBody>
+          <a:bodyPr/>
+          <a:lstStyle/>
+          <a:p>
+            <a:r>
+              <a:rPr lang="en-US" dirty="0" err="1"/>
+              <a:t>InnoDB索引实现</a:t>
+            </a:r>
+            <a:endParaRPr lang="en-US" dirty="0"/>
+          </a:p>
+        </p:txBody>
+      </p:sp>
+      <p:pic>
+        <p:nvPicPr>
+          <p:cNvPr id="8194" name="Picture 2" descr="http://blog.codinglabs.org/uploads/pictures/theory-of-mysql-index/10.png"/>
+          <p:cNvPicPr>
+            <a:picLocks noChangeAspect="1" noChangeArrowheads="1"/>
+          </p:cNvPicPr>
+          <p:nvPr/>
+        </p:nvPicPr>
+        <p:blipFill>
+          <a:blip r:embed="rId2">
+            <a:extLst>
+              <a:ext uri="{28A0092B-C50C-407E-A947-70E740481C1C}">
+                <a14:useLocalDpi xmlns:a14="http://schemas.microsoft.com/office/drawing/2010/main" val="0"/>
+              </a:ext>
+            </a:extLst>
+          </a:blip>
+          <a:srcRect/>
+          <a:stretch>
+            <a:fillRect/>
+          </a:stretch>
+        </p:blipFill>
+        <p:spPr bwMode="auto">
+          <a:xfrm>
+            <a:off x="0" y="3021120"/>
+            <a:ext cx="5548903" cy="2462773"/>
+          </a:xfrm>
+          <a:prstGeom prst="rect">
+            <a:avLst/>
+          </a:prstGeom>
+          <a:noFill/>
+          <a:extLst>
+            <a:ext uri="{909E8E84-426E-40DD-AFC4-6F175D3DCCD1}">
+              <a14:hiddenFill xmlns:a14="http://schemas.microsoft.com/office/drawing/2010/main">
+                <a:solidFill>
+                  <a:srgbClr val="FFFFFF"/>
+                </a:solidFill>
+              </a14:hiddenFill>
+            </a:ext>
+          </a:extLst>
+        </p:spPr>
+      </p:pic>
+      <p:pic>
+        <p:nvPicPr>
+          <p:cNvPr id="8196" name="Picture 4" descr="http://blog.codinglabs.org/uploads/pictures/theory-of-mysql-index/11.png"/>
+          <p:cNvPicPr>
+            <a:picLocks noGrp="1" noChangeAspect="1" noChangeArrowheads="1"/>
+          </p:cNvPicPr>
+          <p:nvPr>
+            <p:ph idx="1"/>
+          </p:nvPr>
+        </p:nvPicPr>
+        <p:blipFill>
+          <a:blip r:embed="rId3">
+            <a:extLst>
+              <a:ext uri="{28A0092B-C50C-407E-A947-70E740481C1C}">
+                <a14:useLocalDpi xmlns:a14="http://schemas.microsoft.com/office/drawing/2010/main" val="0"/>
+              </a:ext>
+            </a:extLst>
+          </a:blip>
+          <a:srcRect/>
+          <a:stretch>
+            <a:fillRect/>
+          </a:stretch>
+        </p:blipFill>
+        <p:spPr bwMode="auto">
+          <a:xfrm>
+            <a:off x="5550623" y="2719138"/>
+            <a:ext cx="6541114" cy="2674268"/>
+          </a:xfrm>
+          <a:prstGeom prst="rect">
+            <a:avLst/>
+          </a:prstGeom>
+          <a:noFill/>
+          <a:extLst>
+            <a:ext uri="{909E8E84-426E-40DD-AFC4-6F175D3DCCD1}">
+              <a14:hiddenFill xmlns:a14="http://schemas.microsoft.com/office/drawing/2010/main">
+                <a:solidFill>
+                  <a:srgbClr val="FFFFFF"/>
+                </a:solidFill>
+              </a14:hiddenFill>
+            </a:ext>
+          </a:extLst>
+        </p:spPr>
+      </p:pic>
+    </p:spTree>
+    <p:extLst>
+      <p:ext uri="{BB962C8B-B14F-4D97-AF65-F5344CB8AC3E}">
+        <p14:creationId xmlns:p14="http://schemas.microsoft.com/office/powerpoint/2010/main" val="1987041197"/>
+      </p:ext>
+    </p:extLst>
+  </p:cSld>
+  <p:clrMapOvr>
+    <a:masterClrMapping/>
+  </p:clrMapOvr>
+</p:sld>
+</file>
+
+<file path=ppt/slides/slide49.xml><?xml version="1.0" encoding="utf-8"?>
+<p:sld xmlns:a="http://schemas.openxmlformats.org/drawingml/2006/main" xmlns:r="http://schemas.openxmlformats.org/officeDocument/2006/relationships" xmlns:p="http://schemas.openxmlformats.org/presentationml/2006/main">
+  <p:cSld>
+    <p:spTree>
+      <p:nvGrpSpPr>
+        <p:cNvPr id="1" name=""/>
+        <p:cNvGrpSpPr/>
+        <p:nvPr/>
+      </p:nvGrpSpPr>
+      <p:grpSpPr>
+        <a:xfrm>
+          <a:off x="0" y="0"/>
+          <a:ext cx="0" cy="0"/>
+          <a:chOff x="0" y="0"/>
+          <a:chExt cx="0" cy="0"/>
+        </a:xfrm>
+      </p:grpSpPr>
+      <p:sp>
+        <p:nvSpPr>
+          <p:cNvPr id="2" name="Title 1"/>
+          <p:cNvSpPr>
+            <a:spLocks noGrp="1"/>
+          </p:cNvSpPr>
+          <p:nvPr>
+            <p:ph type="title"/>
+          </p:nvPr>
+        </p:nvSpPr>
+        <p:spPr/>
+        <p:txBody>
+          <a:bodyPr/>
+          <a:lstStyle/>
+          <a:p>
+            <a:endParaRPr lang="en-US"/>
+          </a:p>
+        </p:txBody>
+      </p:sp>
+      <p:sp>
+        <p:nvSpPr>
+          <p:cNvPr id="3" name="Content Placeholder 2"/>
+          <p:cNvSpPr>
+            <a:spLocks noGrp="1"/>
+          </p:cNvSpPr>
+          <p:nvPr>
+            <p:ph idx="1"/>
+          </p:nvPr>
+        </p:nvSpPr>
+        <p:spPr/>
+        <p:txBody>
+          <a:bodyPr>
+            <a:normAutofit lnSpcReduction="10000"/>
+          </a:bodyPr>
+          <a:lstStyle/>
+          <a:p>
+            <a:r>
+              <a:rPr lang="zh-CN" altLang="en-US" dirty="0"/>
+              <a:t>第一个重大区别是</a:t>
+            </a:r>
+            <a:r>
+              <a:rPr lang="en-US" altLang="zh-CN" dirty="0" err="1"/>
+              <a:t>InnoDB</a:t>
+            </a:r>
+            <a:r>
+              <a:rPr lang="zh-CN" altLang="en-US" dirty="0"/>
+              <a:t>的数据文件本身就是索引文件。从上文知道，</a:t>
+            </a:r>
+            <a:r>
+              <a:rPr lang="en-US" altLang="zh-CN" dirty="0" err="1"/>
+              <a:t>MyISAM</a:t>
+            </a:r>
+            <a:r>
+              <a:rPr lang="zh-CN" altLang="en-US" dirty="0"/>
+              <a:t>索引文件和数据文件是分离的，索引文件仅保存数据记录的地址。而在</a:t>
+            </a:r>
+            <a:r>
+              <a:rPr lang="en-US" altLang="zh-CN" dirty="0" err="1"/>
+              <a:t>InnoDB</a:t>
+            </a:r>
+            <a:r>
+              <a:rPr lang="zh-CN" altLang="en-US" dirty="0"/>
+              <a:t>中，表数据文件本身就是按</a:t>
+            </a:r>
+            <a:r>
+              <a:rPr lang="en-US" altLang="zh-CN" dirty="0" err="1"/>
+              <a:t>B+Tree</a:t>
+            </a:r>
+            <a:r>
+              <a:rPr lang="zh-CN" altLang="en-US" dirty="0"/>
+              <a:t>组织的一个索引结构，这棵树的叶节点</a:t>
+            </a:r>
+            <a:r>
+              <a:rPr lang="en-US" altLang="zh-CN" dirty="0"/>
+              <a:t>data</a:t>
+            </a:r>
+            <a:r>
+              <a:rPr lang="zh-CN" altLang="en-US" dirty="0"/>
+              <a:t>域保存了完整的数据记录。这个索引的</a:t>
+            </a:r>
+            <a:r>
+              <a:rPr lang="en-US" altLang="zh-CN" dirty="0"/>
+              <a:t>key</a:t>
+            </a:r>
+            <a:r>
+              <a:rPr lang="zh-CN" altLang="en-US" dirty="0"/>
+              <a:t>是数据表的主键，因此</a:t>
+            </a:r>
+            <a:r>
+              <a:rPr lang="en-US" altLang="zh-CN" dirty="0" err="1"/>
+              <a:t>InnoDB</a:t>
+            </a:r>
+            <a:r>
+              <a:rPr lang="zh-CN" altLang="en-US" dirty="0"/>
+              <a:t>表数据文件本身就是主索引</a:t>
+            </a:r>
+            <a:r>
+              <a:rPr lang="zh-CN" altLang="en-US" dirty="0" smtClean="0"/>
+              <a:t>。</a:t>
+            </a:r>
+            <a:endParaRPr lang="en-US" altLang="zh-CN" dirty="0" smtClean="0"/>
+          </a:p>
+          <a:p>
+            <a:r>
+              <a:rPr lang="zh-CN" altLang="en-US" dirty="0"/>
+              <a:t>可以看到叶节点包含了完整的数据记录。这种索引叫做聚集索引。因为</a:t>
+            </a:r>
+            <a:r>
+              <a:rPr lang="en-US" altLang="zh-CN" dirty="0" err="1"/>
+              <a:t>InnoDB</a:t>
+            </a:r>
+            <a:r>
+              <a:rPr lang="zh-CN" altLang="en-US" dirty="0"/>
+              <a:t>的数据文件本身要按主键聚集，所以</a:t>
+            </a:r>
+            <a:r>
+              <a:rPr lang="en-US" altLang="zh-CN" dirty="0" err="1"/>
+              <a:t>InnoDB</a:t>
+            </a:r>
+            <a:r>
+              <a:rPr lang="zh-CN" altLang="en-US" dirty="0"/>
+              <a:t>要求表必须有主键（</a:t>
+            </a:r>
+            <a:r>
+              <a:rPr lang="en-US" altLang="zh-CN" dirty="0" err="1"/>
+              <a:t>MyISAM</a:t>
+            </a:r>
+            <a:r>
+              <a:rPr lang="zh-CN" altLang="en-US" dirty="0"/>
+              <a:t>可以没有），如果没有显式指定，则</a:t>
+            </a:r>
+            <a:r>
+              <a:rPr lang="en-US" altLang="zh-CN" dirty="0"/>
+              <a:t>MySQL</a:t>
+            </a:r>
+            <a:r>
+              <a:rPr lang="zh-CN" altLang="en-US" dirty="0"/>
+              <a:t>系统会自动选择一个可以唯一标识数据记录的列作为主键，如果不存在这种列，则</a:t>
+            </a:r>
+            <a:r>
+              <a:rPr lang="en-US" altLang="zh-CN" dirty="0"/>
+              <a:t>MySQL</a:t>
+            </a:r>
+            <a:r>
+              <a:rPr lang="zh-CN" altLang="en-US" dirty="0"/>
+              <a:t>自动为</a:t>
+            </a:r>
+            <a:r>
+              <a:rPr lang="en-US" altLang="zh-CN" dirty="0" err="1"/>
+              <a:t>InnoDB</a:t>
+            </a:r>
+            <a:r>
+              <a:rPr lang="zh-CN" altLang="en-US" dirty="0"/>
+              <a:t>表生成一个隐含字段作为主键，这个字段长度为</a:t>
+            </a:r>
+            <a:r>
+              <a:rPr lang="en-US" altLang="zh-CN" dirty="0"/>
+              <a:t>6</a:t>
+            </a:r>
+            <a:r>
+              <a:rPr lang="zh-CN" altLang="en-US" dirty="0"/>
+              <a:t>个字节，类型为长整形。</a:t>
+            </a:r>
+            <a:endParaRPr lang="en-US" dirty="0"/>
+          </a:p>
+        </p:txBody>
+      </p:sp>
+    </p:spTree>
+    <p:extLst>
+      <p:ext uri="{BB962C8B-B14F-4D97-AF65-F5344CB8AC3E}">
+        <p14:creationId xmlns:p14="http://schemas.microsoft.com/office/powerpoint/2010/main" val="1393803051"/>
       </p:ext>
     </p:extLst>
   </p:cSld>
@@ -7387,6 +10456,353 @@
   <p:clrMapOvr>
     <a:masterClrMapping/>
   </p:clrMapOvr>
+</p:sld>
+</file>
+
+<file path=ppt/slides/slide50.xml><?xml version="1.0" encoding="utf-8"?>
+<p:sld xmlns:a="http://schemas.openxmlformats.org/drawingml/2006/main" xmlns:r="http://schemas.openxmlformats.org/officeDocument/2006/relationships" xmlns:p="http://schemas.openxmlformats.org/presentationml/2006/main">
+  <p:cSld>
+    <p:spTree>
+      <p:nvGrpSpPr>
+        <p:cNvPr id="1" name=""/>
+        <p:cNvGrpSpPr/>
+        <p:nvPr/>
+      </p:nvGrpSpPr>
+      <p:grpSpPr>
+        <a:xfrm>
+          <a:off x="0" y="0"/>
+          <a:ext cx="0" cy="0"/>
+          <a:chOff x="0" y="0"/>
+          <a:chExt cx="0" cy="0"/>
+        </a:xfrm>
+      </p:grpSpPr>
+      <p:sp>
+        <p:nvSpPr>
+          <p:cNvPr id="2" name="Title 1"/>
+          <p:cNvSpPr>
+            <a:spLocks noGrp="1"/>
+          </p:cNvSpPr>
+          <p:nvPr>
+            <p:ph type="title"/>
+          </p:nvPr>
+        </p:nvSpPr>
+        <p:spPr/>
+        <p:txBody>
+          <a:bodyPr/>
+          <a:lstStyle/>
+          <a:p>
+            <a:endParaRPr lang="en-US"/>
+          </a:p>
+        </p:txBody>
+      </p:sp>
+      <p:sp>
+        <p:nvSpPr>
+          <p:cNvPr id="3" name="Content Placeholder 2"/>
+          <p:cNvSpPr>
+            <a:spLocks noGrp="1"/>
+          </p:cNvSpPr>
+          <p:nvPr>
+            <p:ph idx="1"/>
+          </p:nvPr>
+        </p:nvSpPr>
+        <p:spPr/>
+        <p:txBody>
+          <a:bodyPr>
+            <a:normAutofit fontScale="92500" lnSpcReduction="20000"/>
+          </a:bodyPr>
+          <a:lstStyle/>
+          <a:p>
+            <a:r>
+              <a:rPr lang="zh-CN" altLang="en-US" dirty="0"/>
+              <a:t>第二个与</a:t>
+            </a:r>
+            <a:r>
+              <a:rPr lang="en-US" altLang="zh-CN" dirty="0" err="1"/>
+              <a:t>MyISAM</a:t>
+            </a:r>
+            <a:r>
+              <a:rPr lang="zh-CN" altLang="en-US" dirty="0"/>
+              <a:t>索引的不同是</a:t>
+            </a:r>
+            <a:r>
+              <a:rPr lang="en-US" altLang="zh-CN" dirty="0" err="1"/>
+              <a:t>InnoDB</a:t>
+            </a:r>
+            <a:r>
+              <a:rPr lang="zh-CN" altLang="en-US" dirty="0"/>
+              <a:t>的辅助索引</a:t>
+            </a:r>
+            <a:r>
+              <a:rPr lang="en-US" altLang="zh-CN" dirty="0"/>
+              <a:t>data</a:t>
+            </a:r>
+            <a:r>
+              <a:rPr lang="zh-CN" altLang="en-US" dirty="0"/>
+              <a:t>域存储相应记录主键的值而不是地址。换句话说，</a:t>
+            </a:r>
+            <a:r>
+              <a:rPr lang="en-US" altLang="zh-CN" dirty="0" err="1"/>
+              <a:t>InnoDB</a:t>
+            </a:r>
+            <a:r>
+              <a:rPr lang="zh-CN" altLang="en-US" dirty="0"/>
+              <a:t>的所有辅助索引都引用主键作为</a:t>
+            </a:r>
+            <a:r>
+              <a:rPr lang="en-US" altLang="zh-CN" dirty="0"/>
+              <a:t>data</a:t>
+            </a:r>
+            <a:r>
+              <a:rPr lang="zh-CN" altLang="en-US" dirty="0" smtClean="0"/>
+              <a:t>域</a:t>
+            </a:r>
+            <a:endParaRPr lang="en-US" altLang="zh-CN" dirty="0" smtClean="0"/>
+          </a:p>
+          <a:p>
+            <a:r>
+              <a:rPr lang="zh-CN" altLang="en-US" dirty="0"/>
+              <a:t>这里以英文字符的</a:t>
+            </a:r>
+            <a:r>
+              <a:rPr lang="en-US" altLang="zh-CN" dirty="0"/>
+              <a:t>ASCII</a:t>
+            </a:r>
+            <a:r>
+              <a:rPr lang="zh-CN" altLang="en-US" dirty="0"/>
+              <a:t>码作为比较准则。聚集索引这种实现方式使得按主键的搜索十分高效，但是辅助索引搜索需要检索两遍索引：首先检索辅助索引获得主键，然后用主键到主索引中检索获得记录</a:t>
+            </a:r>
+            <a:r>
+              <a:rPr lang="zh-CN" altLang="en-US" dirty="0" smtClean="0"/>
+              <a:t>。</a:t>
+            </a:r>
+            <a:endParaRPr lang="en-US" altLang="zh-CN" dirty="0" smtClean="0"/>
+          </a:p>
+          <a:p>
+            <a:r>
+              <a:rPr lang="zh-CN" altLang="en-US" dirty="0"/>
+              <a:t>了解不同存储引擎的索引实现方式对于正确使用和优化索引都非常有帮助，例如知道了</a:t>
+            </a:r>
+            <a:r>
+              <a:rPr lang="en-US" altLang="zh-CN" dirty="0" err="1"/>
+              <a:t>InnoDB</a:t>
+            </a:r>
+            <a:r>
+              <a:rPr lang="zh-CN" altLang="en-US" dirty="0"/>
+              <a:t>的索引实现后，就很容易明白为什么不建议使用过长的字段作为主键，因为所有辅助索引都引用主索引，过长的主索引会令辅助索引变得过大。再例如，用非单调的字段作为主键在</a:t>
+            </a:r>
+            <a:r>
+              <a:rPr lang="en-US" altLang="zh-CN" dirty="0" err="1"/>
+              <a:t>InnoDB</a:t>
+            </a:r>
+            <a:r>
+              <a:rPr lang="zh-CN" altLang="en-US" dirty="0"/>
+              <a:t>中不是个好主意，因为</a:t>
+            </a:r>
+            <a:r>
+              <a:rPr lang="en-US" altLang="zh-CN" dirty="0" err="1"/>
+              <a:t>InnoDB</a:t>
+            </a:r>
+            <a:r>
+              <a:rPr lang="zh-CN" altLang="en-US" dirty="0"/>
+              <a:t>数据文件本身是一颗</a:t>
+            </a:r>
+            <a:r>
+              <a:rPr lang="en-US" altLang="zh-CN" dirty="0" err="1"/>
+              <a:t>B+Tree</a:t>
+            </a:r>
+            <a:r>
+              <a:rPr lang="zh-CN" altLang="en-US" dirty="0"/>
+              <a:t>，非单调的主键会造成在插入新记录时数据文件为了维持</a:t>
+            </a:r>
+            <a:r>
+              <a:rPr lang="en-US" altLang="zh-CN" dirty="0" err="1"/>
+              <a:t>B+Tree</a:t>
+            </a:r>
+            <a:r>
+              <a:rPr lang="zh-CN" altLang="en-US" dirty="0"/>
+              <a:t>的特性而频繁的分裂调整，十分低效，而使用自增字段作为主键则是一个很好的选择。</a:t>
+            </a:r>
+            <a:endParaRPr lang="en-US" dirty="0"/>
+          </a:p>
+        </p:txBody>
+      </p:sp>
+    </p:spTree>
+    <p:extLst>
+      <p:ext uri="{BB962C8B-B14F-4D97-AF65-F5344CB8AC3E}">
+        <p14:creationId xmlns:p14="http://schemas.microsoft.com/office/powerpoint/2010/main" val="1261247467"/>
+      </p:ext>
+    </p:extLst>
+  </p:cSld>
+  <p:clrMapOvr>
+    <a:masterClrMapping/>
+  </p:clrMapOvr>
+</p:sld>
+</file>
+
+<file path=ppt/slides/slide51.xml><?xml version="1.0" encoding="utf-8"?>
+<p:sld xmlns:a="http://schemas.openxmlformats.org/drawingml/2006/main" xmlns:r="http://schemas.openxmlformats.org/officeDocument/2006/relationships" xmlns:p="http://schemas.openxmlformats.org/presentationml/2006/main">
+  <p:cSld>
+    <p:spTree>
+      <p:nvGrpSpPr>
+        <p:cNvPr id="1" name=""/>
+        <p:cNvGrpSpPr/>
+        <p:nvPr/>
+      </p:nvGrpSpPr>
+      <p:grpSpPr>
+        <a:xfrm>
+          <a:off x="0" y="0"/>
+          <a:ext cx="0" cy="0"/>
+          <a:chOff x="0" y="0"/>
+          <a:chExt cx="0" cy="0"/>
+        </a:xfrm>
+      </p:grpSpPr>
+      <p:sp>
+        <p:nvSpPr>
+          <p:cNvPr id="2" name="Title 1"/>
+          <p:cNvSpPr>
+            <a:spLocks noGrp="1"/>
+          </p:cNvSpPr>
+          <p:nvPr>
+            <p:ph type="title"/>
+          </p:nvPr>
+        </p:nvSpPr>
+        <p:spPr/>
+        <p:txBody>
+          <a:bodyPr/>
+          <a:lstStyle/>
+          <a:p>
+            <a:r>
+              <a:rPr lang="zh-CN" altLang="en-US" dirty="0" smtClean="0"/>
+              <a:t>索引使用策略及优化</a:t>
+            </a:r>
+            <a:endParaRPr lang="en-US" dirty="0"/>
+          </a:p>
+        </p:txBody>
+      </p:sp>
+      <p:sp>
+        <p:nvSpPr>
+          <p:cNvPr id="3" name="Content Placeholder 2"/>
+          <p:cNvSpPr>
+            <a:spLocks noGrp="1"/>
+          </p:cNvSpPr>
+          <p:nvPr>
+            <p:ph idx="1"/>
+          </p:nvPr>
+        </p:nvSpPr>
+        <p:spPr/>
+        <p:txBody>
+          <a:bodyPr>
+            <a:normAutofit/>
+          </a:bodyPr>
+          <a:lstStyle/>
+          <a:p>
+            <a:r>
+              <a:rPr lang="en-US" dirty="0">
+                <a:hlinkClick r:id="rId2"/>
+              </a:rPr>
+              <a:t>http://blog.codinglabs.org/articles/theory-of-mysql-index.html</a:t>
+            </a:r>
+            <a:endParaRPr lang="en-US" dirty="0"/>
+          </a:p>
+        </p:txBody>
+      </p:sp>
+    </p:spTree>
+    <p:extLst>
+      <p:ext uri="{BB962C8B-B14F-4D97-AF65-F5344CB8AC3E}">
+        <p14:creationId xmlns:p14="http://schemas.microsoft.com/office/powerpoint/2010/main" val="1901174345"/>
+      </p:ext>
+    </p:extLst>
+  </p:cSld>
+  <p:clrMapOvr>
+    <a:masterClrMapping/>
+  </p:clrMapOvr>
+</p:sld>
+</file>
+
+<file path=ppt/slides/slide52.xml><?xml version="1.0" encoding="utf-8"?>
+<p:sld xmlns:a="http://schemas.openxmlformats.org/drawingml/2006/main" xmlns:r="http://schemas.openxmlformats.org/officeDocument/2006/relationships" xmlns:p="http://schemas.openxmlformats.org/presentationml/2006/main">
+  <p:cSld>
+    <p:spTree>
+      <p:nvGrpSpPr>
+        <p:cNvPr id="1" name=""/>
+        <p:cNvGrpSpPr/>
+        <p:nvPr/>
+      </p:nvGrpSpPr>
+      <p:grpSpPr>
+        <a:xfrm>
+          <a:off x="0" y="0"/>
+          <a:ext cx="0" cy="0"/>
+          <a:chOff x="0" y="0"/>
+          <a:chExt cx="0" cy="0"/>
+        </a:xfrm>
+      </p:grpSpPr>
+      <p:sp>
+        <p:nvSpPr>
+          <p:cNvPr id="2" name="Title 1"/>
+          <p:cNvSpPr>
+            <a:spLocks noGrp="1"/>
+          </p:cNvSpPr>
+          <p:nvPr>
+            <p:ph type="title"/>
+          </p:nvPr>
+        </p:nvSpPr>
+        <p:spPr/>
+        <p:txBody>
+          <a:bodyPr/>
+          <a:lstStyle/>
+          <a:p>
+            <a:r>
+              <a:rPr lang="zh-CN" altLang="en-US" dirty="0" smtClean="0"/>
+              <a:t>使用</a:t>
+            </a:r>
+            <a:r>
+              <a:rPr lang="en-US" altLang="zh-CN" dirty="0" err="1" smtClean="0"/>
+              <a:t>PageHelper</a:t>
+            </a:r>
+            <a:r>
+              <a:rPr lang="zh-CN" altLang="en-US" dirty="0" smtClean="0"/>
+              <a:t>进行分页</a:t>
+            </a:r>
+            <a:endParaRPr lang="en-US" dirty="0"/>
+          </a:p>
+        </p:txBody>
+      </p:sp>
+      <p:sp>
+        <p:nvSpPr>
+          <p:cNvPr id="3" name="Content Placeholder 2"/>
+          <p:cNvSpPr>
+            <a:spLocks noGrp="1"/>
+          </p:cNvSpPr>
+          <p:nvPr>
+            <p:ph idx="1"/>
+          </p:nvPr>
+        </p:nvSpPr>
+        <p:spPr/>
+        <p:txBody>
+          <a:bodyPr/>
+          <a:lstStyle/>
+          <a:p>
+            <a:endParaRPr lang="en-US"/>
+          </a:p>
+        </p:txBody>
+      </p:sp>
+    </p:spTree>
+    <p:extLst>
+      <p:ext uri="{BB962C8B-B14F-4D97-AF65-F5344CB8AC3E}">
+        <p14:creationId xmlns:p14="http://schemas.microsoft.com/office/powerpoint/2010/main" val="795617641"/>
+      </p:ext>
+    </p:extLst>
+  </p:cSld>
+  <p:clrMapOvr>
+    <a:masterClrMapping/>
+  </p:clrMapOvr>
+  <p:timing>
+    <p:tnLst>
+      <p:par>
+        <p:cTn id="1" dur="indefinite" restart="never" nodeType="tmRoot"/>
+      </p:par>
+    </p:tnLst>
+  </p:timing>
 </p:sld>
 </file>
 
